--- a/Slides/091918.pptx
+++ b/Slides/091918.pptx
@@ -5,25 +5,25 @@
     <p:sldMasterId id="2147483648" r:id="rId1"/>
   </p:sldMasterIdLst>
   <p:notesMasterIdLst>
-    <p:notesMasterId r:id="rId48"/>
+    <p:notesMasterId r:id="rId46"/>
   </p:notesMasterIdLst>
   <p:handoutMasterIdLst>
-    <p:handoutMasterId r:id="rId49"/>
+    <p:handoutMasterId r:id="rId47"/>
   </p:handoutMasterIdLst>
   <p:sldIdLst>
     <p:sldId id="258" r:id="rId2"/>
     <p:sldId id="487" r:id="rId3"/>
     <p:sldId id="513" r:id="rId4"/>
-    <p:sldId id="518" r:id="rId5"/>
-    <p:sldId id="515" r:id="rId6"/>
-    <p:sldId id="517" r:id="rId7"/>
-    <p:sldId id="516" r:id="rId8"/>
-    <p:sldId id="589" r:id="rId9"/>
-    <p:sldId id="588" r:id="rId10"/>
-    <p:sldId id="520" r:id="rId11"/>
-    <p:sldId id="596" r:id="rId12"/>
-    <p:sldId id="521" r:id="rId13"/>
-    <p:sldId id="591" r:id="rId14"/>
+    <p:sldId id="619" r:id="rId5"/>
+    <p:sldId id="518" r:id="rId6"/>
+    <p:sldId id="515" r:id="rId7"/>
+    <p:sldId id="517" r:id="rId8"/>
+    <p:sldId id="516" r:id="rId9"/>
+    <p:sldId id="589" r:id="rId10"/>
+    <p:sldId id="588" r:id="rId11"/>
+    <p:sldId id="520" r:id="rId12"/>
+    <p:sldId id="596" r:id="rId13"/>
+    <p:sldId id="521" r:id="rId14"/>
     <p:sldId id="522" r:id="rId15"/>
     <p:sldId id="597" r:id="rId16"/>
     <p:sldId id="523" r:id="rId17"/>
@@ -33,30 +33,28 @@
     <p:sldId id="527" r:id="rId21"/>
     <p:sldId id="528" r:id="rId22"/>
     <p:sldId id="529" r:id="rId23"/>
-    <p:sldId id="530" r:id="rId24"/>
-    <p:sldId id="531" r:id="rId25"/>
+    <p:sldId id="595" r:id="rId24"/>
+    <p:sldId id="503" r:id="rId25"/>
     <p:sldId id="598" r:id="rId26"/>
     <p:sldId id="599" r:id="rId27"/>
-    <p:sldId id="595" r:id="rId28"/>
-    <p:sldId id="503" r:id="rId29"/>
-    <p:sldId id="617" r:id="rId30"/>
-    <p:sldId id="618" r:id="rId31"/>
-    <p:sldId id="602" r:id="rId32"/>
-    <p:sldId id="603" r:id="rId33"/>
-    <p:sldId id="604" r:id="rId34"/>
-    <p:sldId id="605" r:id="rId35"/>
-    <p:sldId id="606" r:id="rId36"/>
-    <p:sldId id="607" r:id="rId37"/>
-    <p:sldId id="608" r:id="rId38"/>
-    <p:sldId id="609" r:id="rId39"/>
-    <p:sldId id="610" r:id="rId40"/>
-    <p:sldId id="611" r:id="rId41"/>
-    <p:sldId id="612" r:id="rId42"/>
-    <p:sldId id="613" r:id="rId43"/>
-    <p:sldId id="614" r:id="rId44"/>
-    <p:sldId id="615" r:id="rId45"/>
-    <p:sldId id="616" r:id="rId46"/>
-    <p:sldId id="594" r:id="rId47"/>
+    <p:sldId id="617" r:id="rId28"/>
+    <p:sldId id="618" r:id="rId29"/>
+    <p:sldId id="602" r:id="rId30"/>
+    <p:sldId id="603" r:id="rId31"/>
+    <p:sldId id="604" r:id="rId32"/>
+    <p:sldId id="605" r:id="rId33"/>
+    <p:sldId id="606" r:id="rId34"/>
+    <p:sldId id="607" r:id="rId35"/>
+    <p:sldId id="608" r:id="rId36"/>
+    <p:sldId id="609" r:id="rId37"/>
+    <p:sldId id="610" r:id="rId38"/>
+    <p:sldId id="611" r:id="rId39"/>
+    <p:sldId id="612" r:id="rId40"/>
+    <p:sldId id="613" r:id="rId41"/>
+    <p:sldId id="614" r:id="rId42"/>
+    <p:sldId id="615" r:id="rId43"/>
+    <p:sldId id="616" r:id="rId44"/>
+    <p:sldId id="594" r:id="rId45"/>
   </p:sldIdLst>
   <p:sldSz cx="9144000" cy="6858000" type="screen4x3"/>
   <p:notesSz cx="7315200" cy="9601200"/>
@@ -1408,173 +1406,7 @@
       </p:grpSpPr>
       <p:sp>
         <p:nvSpPr>
-          <p:cNvPr id="76802" name="Rectangle 7"/>
-          <p:cNvSpPr>
-            <a:spLocks noGrp="1" noChangeArrowheads="1"/>
-          </p:cNvSpPr>
-          <p:nvPr>
-            <p:ph type="sldNum" sz="quarter" idx="5"/>
-          </p:nvPr>
-        </p:nvSpPr>
-        <p:spPr>
-          <a:noFill/>
-          <a:ln/>
-          <a:extLst>
-            <a:ext uri="{909E8E84-426E-40dd-AFC4-6F175D3DCCD1}">
-              <a14:hiddenFill xmlns:a14="http://schemas.microsoft.com/office/drawing/2010/main" xmlns="">
-                <a:solidFill>
-                  <a:srgbClr val="FFFFFF"/>
-                </a:solidFill>
-              </a14:hiddenFill>
-            </a:ext>
-            <a:ext uri="{91240B29-F687-4f45-9708-019B960494DF}">
-              <a14:hiddenLine xmlns:a14="http://schemas.microsoft.com/office/drawing/2010/main" xmlns="" w="9525">
-                <a:solidFill>
-                  <a:srgbClr val="000000"/>
-                </a:solidFill>
-                <a:miter lim="800000"/>
-                <a:headEnd/>
-                <a:tailEnd/>
-              </a14:hiddenLine>
-            </a:ext>
-          </a:extLst>
-        </p:spPr>
-        <p:txBody>
-          <a:bodyPr/>
-          <a:lstStyle>
-            <a:lvl1pPr defTabSz="957263" eaLnBrk="0" hangingPunct="0">
-              <a:defRPr sz="2000" b="1">
-                <a:solidFill>
-                  <a:schemeClr val="tx1"/>
-                </a:solidFill>
-                <a:latin typeface="Courier New" charset="0"/>
-                <a:ea typeface="ＭＳ Ｐゴシック" charset="0"/>
-                <a:cs typeface="Arial" charset="0"/>
-              </a:defRPr>
-            </a:lvl1pPr>
-            <a:lvl2pPr marL="37931725" indent="-37474525" defTabSz="957263" eaLnBrk="0" hangingPunct="0">
-              <a:defRPr sz="2000" b="1">
-                <a:solidFill>
-                  <a:schemeClr val="tx1"/>
-                </a:solidFill>
-                <a:latin typeface="Courier New" charset="0"/>
-                <a:ea typeface="Arial" charset="0"/>
-                <a:cs typeface="Arial" charset="0"/>
-              </a:defRPr>
-            </a:lvl2pPr>
-            <a:lvl3pPr eaLnBrk="0" hangingPunct="0">
-              <a:defRPr sz="2000" b="1">
-                <a:solidFill>
-                  <a:schemeClr val="tx1"/>
-                </a:solidFill>
-                <a:latin typeface="Courier New" charset="0"/>
-                <a:ea typeface="Arial" charset="0"/>
-                <a:cs typeface="Arial" charset="0"/>
-              </a:defRPr>
-            </a:lvl3pPr>
-            <a:lvl4pPr eaLnBrk="0" hangingPunct="0">
-              <a:defRPr sz="2000" b="1">
-                <a:solidFill>
-                  <a:schemeClr val="tx1"/>
-                </a:solidFill>
-                <a:latin typeface="Courier New" charset="0"/>
-                <a:ea typeface="Arial" charset="0"/>
-                <a:cs typeface="Arial" charset="0"/>
-              </a:defRPr>
-            </a:lvl4pPr>
-            <a:lvl5pPr eaLnBrk="0" hangingPunct="0">
-              <a:defRPr sz="2000" b="1">
-                <a:solidFill>
-                  <a:schemeClr val="tx1"/>
-                </a:solidFill>
-                <a:latin typeface="Courier New" charset="0"/>
-                <a:ea typeface="Arial" charset="0"/>
-                <a:cs typeface="Arial" charset="0"/>
-              </a:defRPr>
-            </a:lvl5pPr>
-            <a:lvl6pPr marL="457200" eaLnBrk="0" fontAlgn="base" hangingPunct="0">
-              <a:spcBef>
-                <a:spcPct val="0"/>
-              </a:spcBef>
-              <a:spcAft>
-                <a:spcPct val="0"/>
-              </a:spcAft>
-              <a:defRPr sz="2000" b="1">
-                <a:solidFill>
-                  <a:schemeClr val="tx1"/>
-                </a:solidFill>
-                <a:latin typeface="Courier New" charset="0"/>
-                <a:ea typeface="Arial" charset="0"/>
-                <a:cs typeface="Arial" charset="0"/>
-              </a:defRPr>
-            </a:lvl6pPr>
-            <a:lvl7pPr marL="914400" eaLnBrk="0" fontAlgn="base" hangingPunct="0">
-              <a:spcBef>
-                <a:spcPct val="0"/>
-              </a:spcBef>
-              <a:spcAft>
-                <a:spcPct val="0"/>
-              </a:spcAft>
-              <a:defRPr sz="2000" b="1">
-                <a:solidFill>
-                  <a:schemeClr val="tx1"/>
-                </a:solidFill>
-                <a:latin typeface="Courier New" charset="0"/>
-                <a:ea typeface="Arial" charset="0"/>
-                <a:cs typeface="Arial" charset="0"/>
-              </a:defRPr>
-            </a:lvl7pPr>
-            <a:lvl8pPr marL="1371600" eaLnBrk="0" fontAlgn="base" hangingPunct="0">
-              <a:spcBef>
-                <a:spcPct val="0"/>
-              </a:spcBef>
-              <a:spcAft>
-                <a:spcPct val="0"/>
-              </a:spcAft>
-              <a:defRPr sz="2000" b="1">
-                <a:solidFill>
-                  <a:schemeClr val="tx1"/>
-                </a:solidFill>
-                <a:latin typeface="Courier New" charset="0"/>
-                <a:ea typeface="Arial" charset="0"/>
-                <a:cs typeface="Arial" charset="0"/>
-              </a:defRPr>
-            </a:lvl8pPr>
-            <a:lvl9pPr marL="1828800" eaLnBrk="0" fontAlgn="base" hangingPunct="0">
-              <a:spcBef>
-                <a:spcPct val="0"/>
-              </a:spcBef>
-              <a:spcAft>
-                <a:spcPct val="0"/>
-              </a:spcAft>
-              <a:defRPr sz="2000" b="1">
-                <a:solidFill>
-                  <a:schemeClr val="tx1"/>
-                </a:solidFill>
-                <a:latin typeface="Courier New" charset="0"/>
-                <a:ea typeface="Arial" charset="0"/>
-                <a:cs typeface="Arial" charset="0"/>
-              </a:defRPr>
-            </a:lvl9pPr>
-          </a:lstStyle>
-          <a:p>
-            <a:pPr eaLnBrk="1" hangingPunct="1"/>
-            <a:fld id="{3684E57D-3A96-1C4C-8E68-144AF146A09E}" type="slidenum">
-              <a:rPr lang="en-US" sz="1300" b="0">
-                <a:latin typeface="Times New Roman" charset="0"/>
-              </a:rPr>
-              <a:pPr eaLnBrk="1" hangingPunct="1"/>
-              <a:t>23</a:t>
-            </a:fld>
-            <a:endParaRPr lang="en-US" sz="1300" b="0">
-              <a:latin typeface="Times New Roman" charset="0"/>
-            </a:endParaRPr>
-          </a:p>
-        </p:txBody>
-      </p:sp>
-      <p:sp>
-        <p:nvSpPr>
-          <p:cNvPr id="76803" name="Rectangle 2"/>
+          <p:cNvPr id="102403" name="Rectangle 2"/>
           <p:cNvSpPr>
             <a:spLocks noGrp="1" noRot="1" noChangeAspect="1" noChangeArrowheads="1"/>
           </p:cNvSpPr>
@@ -1591,7 +1423,7 @@
       </p:sp>
       <p:sp>
         <p:nvSpPr>
-          <p:cNvPr id="76804" name="Rectangle 3"/>
+          <p:cNvPr id="102404" name="Rectangle 3"/>
           <p:cNvSpPr>
             <a:spLocks noGrp="1" noChangeArrowheads="1"/>
           </p:cNvSpPr>
@@ -1628,7 +1460,7 @@
     </p:spTree>
     <p:extLst>
       <p:ext uri="{BB962C8B-B14F-4D97-AF65-F5344CB8AC3E}">
-        <p14:creationId xmlns:p14="http://schemas.microsoft.com/office/powerpoint/2010/main" val="1770506068"/>
+        <p14:creationId xmlns:p14="http://schemas.microsoft.com/office/powerpoint/2010/main" val="210176365"/>
       </p:ext>
     </p:extLst>
   </p:cSld>
@@ -1657,7 +1489,7 @@
       </p:grpSpPr>
       <p:sp>
         <p:nvSpPr>
-          <p:cNvPr id="102403" name="Rectangle 2"/>
+          <p:cNvPr id="81923" name="Rectangle 2"/>
           <p:cNvSpPr>
             <a:spLocks noGrp="1" noRot="1" noChangeAspect="1" noChangeArrowheads="1"/>
           </p:cNvSpPr>
@@ -1674,7 +1506,7 @@
       </p:sp>
       <p:sp>
         <p:nvSpPr>
-          <p:cNvPr id="102404" name="Rectangle 3"/>
+          <p:cNvPr id="81924" name="Rectangle 3"/>
           <p:cNvSpPr>
             <a:spLocks noGrp="1" noChangeArrowheads="1"/>
           </p:cNvSpPr>
@@ -1701,7 +1533,26 @@
           <a:bodyPr/>
           <a:lstStyle/>
           <a:p>
-            <a:endParaRPr lang="en-US">
+            <a:r>
+              <a:rPr lang="en-US" dirty="0">
+                <a:ea typeface="ＭＳ Ｐゴシック" charset="0"/>
+                <a:cs typeface="ＭＳ Ｐゴシック" charset="0"/>
+              </a:rPr>
+              <a:t>DHCP: </a:t>
+            </a:r>
+            <a:r>
+              <a:rPr lang="en-US" sz="1200" b="0" i="0" kern="1200" dirty="0">
+                <a:solidFill>
+                  <a:schemeClr val="tx1"/>
+                </a:solidFill>
+                <a:effectLst/>
+                <a:latin typeface="Arial" charset="0"/>
+                <a:ea typeface="ＭＳ Ｐゴシック" charset="-128"/>
+                <a:cs typeface="ＭＳ Ｐゴシック" charset="-128"/>
+              </a:rPr>
+              <a:t>Dynamic Host Configuration Protocol</a:t>
+            </a:r>
+            <a:endParaRPr lang="en-US" dirty="0">
               <a:ea typeface="ＭＳ Ｐゴシック" charset="0"/>
               <a:cs typeface="ＭＳ Ｐゴシック" charset="0"/>
             </a:endParaRPr>
@@ -1711,7 +1562,7 @@
     </p:spTree>
     <p:extLst>
       <p:ext uri="{BB962C8B-B14F-4D97-AF65-F5344CB8AC3E}">
-        <p14:creationId xmlns:p14="http://schemas.microsoft.com/office/powerpoint/2010/main" val="210176365"/>
+        <p14:creationId xmlns:p14="http://schemas.microsoft.com/office/powerpoint/2010/main" val="369519187"/>
       </p:ext>
     </p:extLst>
   </p:cSld>
@@ -1740,7 +1591,173 @@
       </p:grpSpPr>
       <p:sp>
         <p:nvSpPr>
-          <p:cNvPr id="81923" name="Rectangle 2"/>
+          <p:cNvPr id="100354" name="Rectangle 7"/>
+          <p:cNvSpPr>
+            <a:spLocks noGrp="1" noChangeArrowheads="1"/>
+          </p:cNvSpPr>
+          <p:nvPr>
+            <p:ph type="sldNum" sz="quarter" idx="5"/>
+          </p:nvPr>
+        </p:nvSpPr>
+        <p:spPr>
+          <a:noFill/>
+          <a:ln/>
+          <a:extLst>
+            <a:ext uri="{909E8E84-426E-40dd-AFC4-6F175D3DCCD1}">
+              <a14:hiddenFill xmlns:a14="http://schemas.microsoft.com/office/drawing/2010/main" xmlns="">
+                <a:solidFill>
+                  <a:srgbClr val="FFFFFF"/>
+                </a:solidFill>
+              </a14:hiddenFill>
+            </a:ext>
+            <a:ext uri="{91240B29-F687-4f45-9708-019B960494DF}">
+              <a14:hiddenLine xmlns:a14="http://schemas.microsoft.com/office/drawing/2010/main" xmlns="" w="9525">
+                <a:solidFill>
+                  <a:srgbClr val="000000"/>
+                </a:solidFill>
+                <a:miter lim="800000"/>
+                <a:headEnd/>
+                <a:tailEnd/>
+              </a14:hiddenLine>
+            </a:ext>
+          </a:extLst>
+        </p:spPr>
+        <p:txBody>
+          <a:bodyPr/>
+          <a:lstStyle>
+            <a:lvl1pPr defTabSz="957263" eaLnBrk="0" hangingPunct="0">
+              <a:defRPr sz="2000" b="1">
+                <a:solidFill>
+                  <a:schemeClr val="tx1"/>
+                </a:solidFill>
+                <a:latin typeface="Courier New" charset="0"/>
+                <a:ea typeface="ＭＳ Ｐゴシック" charset="0"/>
+                <a:cs typeface="Arial" charset="0"/>
+              </a:defRPr>
+            </a:lvl1pPr>
+            <a:lvl2pPr marL="37931725" indent="-37474525" defTabSz="957263" eaLnBrk="0" hangingPunct="0">
+              <a:defRPr sz="2000" b="1">
+                <a:solidFill>
+                  <a:schemeClr val="tx1"/>
+                </a:solidFill>
+                <a:latin typeface="Courier New" charset="0"/>
+                <a:ea typeface="Arial" charset="0"/>
+                <a:cs typeface="Arial" charset="0"/>
+              </a:defRPr>
+            </a:lvl2pPr>
+            <a:lvl3pPr eaLnBrk="0" hangingPunct="0">
+              <a:defRPr sz="2000" b="1">
+                <a:solidFill>
+                  <a:schemeClr val="tx1"/>
+                </a:solidFill>
+                <a:latin typeface="Courier New" charset="0"/>
+                <a:ea typeface="Arial" charset="0"/>
+                <a:cs typeface="Arial" charset="0"/>
+              </a:defRPr>
+            </a:lvl3pPr>
+            <a:lvl4pPr eaLnBrk="0" hangingPunct="0">
+              <a:defRPr sz="2000" b="1">
+                <a:solidFill>
+                  <a:schemeClr val="tx1"/>
+                </a:solidFill>
+                <a:latin typeface="Courier New" charset="0"/>
+                <a:ea typeface="Arial" charset="0"/>
+                <a:cs typeface="Arial" charset="0"/>
+              </a:defRPr>
+            </a:lvl4pPr>
+            <a:lvl5pPr eaLnBrk="0" hangingPunct="0">
+              <a:defRPr sz="2000" b="1">
+                <a:solidFill>
+                  <a:schemeClr val="tx1"/>
+                </a:solidFill>
+                <a:latin typeface="Courier New" charset="0"/>
+                <a:ea typeface="Arial" charset="0"/>
+                <a:cs typeface="Arial" charset="0"/>
+              </a:defRPr>
+            </a:lvl5pPr>
+            <a:lvl6pPr marL="457200" eaLnBrk="0" fontAlgn="base" hangingPunct="0">
+              <a:spcBef>
+                <a:spcPct val="0"/>
+              </a:spcBef>
+              <a:spcAft>
+                <a:spcPct val="0"/>
+              </a:spcAft>
+              <a:defRPr sz="2000" b="1">
+                <a:solidFill>
+                  <a:schemeClr val="tx1"/>
+                </a:solidFill>
+                <a:latin typeface="Courier New" charset="0"/>
+                <a:ea typeface="Arial" charset="0"/>
+                <a:cs typeface="Arial" charset="0"/>
+              </a:defRPr>
+            </a:lvl6pPr>
+            <a:lvl7pPr marL="914400" eaLnBrk="0" fontAlgn="base" hangingPunct="0">
+              <a:spcBef>
+                <a:spcPct val="0"/>
+              </a:spcBef>
+              <a:spcAft>
+                <a:spcPct val="0"/>
+              </a:spcAft>
+              <a:defRPr sz="2000" b="1">
+                <a:solidFill>
+                  <a:schemeClr val="tx1"/>
+                </a:solidFill>
+                <a:latin typeface="Courier New" charset="0"/>
+                <a:ea typeface="Arial" charset="0"/>
+                <a:cs typeface="Arial" charset="0"/>
+              </a:defRPr>
+            </a:lvl7pPr>
+            <a:lvl8pPr marL="1371600" eaLnBrk="0" fontAlgn="base" hangingPunct="0">
+              <a:spcBef>
+                <a:spcPct val="0"/>
+              </a:spcBef>
+              <a:spcAft>
+                <a:spcPct val="0"/>
+              </a:spcAft>
+              <a:defRPr sz="2000" b="1">
+                <a:solidFill>
+                  <a:schemeClr val="tx1"/>
+                </a:solidFill>
+                <a:latin typeface="Courier New" charset="0"/>
+                <a:ea typeface="Arial" charset="0"/>
+                <a:cs typeface="Arial" charset="0"/>
+              </a:defRPr>
+            </a:lvl8pPr>
+            <a:lvl9pPr marL="1828800" eaLnBrk="0" fontAlgn="base" hangingPunct="0">
+              <a:spcBef>
+                <a:spcPct val="0"/>
+              </a:spcBef>
+              <a:spcAft>
+                <a:spcPct val="0"/>
+              </a:spcAft>
+              <a:defRPr sz="2000" b="1">
+                <a:solidFill>
+                  <a:schemeClr val="tx1"/>
+                </a:solidFill>
+                <a:latin typeface="Courier New" charset="0"/>
+                <a:ea typeface="Arial" charset="0"/>
+                <a:cs typeface="Arial" charset="0"/>
+              </a:defRPr>
+            </a:lvl9pPr>
+          </a:lstStyle>
+          <a:p>
+            <a:pPr eaLnBrk="1" hangingPunct="1"/>
+            <a:fld id="{8E6DECEB-02F6-8C41-99F5-759492C41FD1}" type="slidenum">
+              <a:rPr lang="en-US" sz="1300" b="0">
+                <a:latin typeface="Times New Roman" charset="0"/>
+              </a:rPr>
+              <a:pPr eaLnBrk="1" hangingPunct="1"/>
+              <a:t>38</a:t>
+            </a:fld>
+            <a:endParaRPr lang="en-US" sz="1300" b="0">
+              <a:latin typeface="Times New Roman" charset="0"/>
+            </a:endParaRPr>
+          </a:p>
+        </p:txBody>
+      </p:sp>
+      <p:sp>
+        <p:nvSpPr>
+          <p:cNvPr id="100355" name="Rectangle 2"/>
           <p:cNvSpPr>
             <a:spLocks noGrp="1" noRot="1" noChangeAspect="1" noChangeArrowheads="1"/>
           </p:cNvSpPr>
@@ -1757,7 +1774,7 @@
       </p:sp>
       <p:sp>
         <p:nvSpPr>
-          <p:cNvPr id="81924" name="Rectangle 3"/>
+          <p:cNvPr id="100356" name="Rectangle 3"/>
           <p:cNvSpPr>
             <a:spLocks noGrp="1" noChangeArrowheads="1"/>
           </p:cNvSpPr>
@@ -1784,26 +1801,7 @@
           <a:bodyPr/>
           <a:lstStyle/>
           <a:p>
-            <a:r>
-              <a:rPr lang="en-US" dirty="0">
-                <a:ea typeface="ＭＳ Ｐゴシック" charset="0"/>
-                <a:cs typeface="ＭＳ Ｐゴシック" charset="0"/>
-              </a:rPr>
-              <a:t>DHCP: </a:t>
-            </a:r>
-            <a:r>
-              <a:rPr lang="en-US" sz="1200" b="0" i="0" kern="1200" dirty="0">
-                <a:solidFill>
-                  <a:schemeClr val="tx1"/>
-                </a:solidFill>
-                <a:effectLst/>
-                <a:latin typeface="Arial" charset="0"/>
-                <a:ea typeface="ＭＳ Ｐゴシック" charset="-128"/>
-                <a:cs typeface="ＭＳ Ｐゴシック" charset="-128"/>
-              </a:rPr>
-              <a:t>Dynamic Host Configuration Protocol</a:t>
-            </a:r>
-            <a:endParaRPr lang="en-US" dirty="0">
+            <a:endParaRPr lang="en-US">
               <a:ea typeface="ＭＳ Ｐゴシック" charset="0"/>
               <a:cs typeface="ＭＳ Ｐゴシック" charset="0"/>
             </a:endParaRPr>
@@ -1813,7 +1811,7 @@
     </p:spTree>
     <p:extLst>
       <p:ext uri="{BB962C8B-B14F-4D97-AF65-F5344CB8AC3E}">
-        <p14:creationId xmlns:p14="http://schemas.microsoft.com/office/powerpoint/2010/main" val="369519187"/>
+        <p14:creationId xmlns:p14="http://schemas.microsoft.com/office/powerpoint/2010/main" val="2127717998"/>
       </p:ext>
     </p:extLst>
   </p:cSld>
@@ -1842,7 +1840,7 @@
       </p:grpSpPr>
       <p:sp>
         <p:nvSpPr>
-          <p:cNvPr id="100354" name="Rectangle 7"/>
+          <p:cNvPr id="92162" name="Rectangle 7"/>
           <p:cNvSpPr>
             <a:spLocks noGrp="1" noChangeArrowheads="1"/>
           </p:cNvSpPr>
@@ -1993,7 +1991,7 @@
           </a:lstStyle>
           <a:p>
             <a:pPr eaLnBrk="1" hangingPunct="1"/>
-            <a:fld id="{8E6DECEB-02F6-8C41-99F5-759492C41FD1}" type="slidenum">
+            <a:fld id="{5E7A2AF4-21A1-4549-972D-2D4D3C966DCF}" type="slidenum">
               <a:rPr lang="en-US" sz="1300" b="0">
                 <a:latin typeface="Times New Roman" charset="0"/>
               </a:rPr>
@@ -2008,7 +2006,7 @@
       </p:sp>
       <p:sp>
         <p:nvSpPr>
-          <p:cNvPr id="100355" name="Rectangle 2"/>
+          <p:cNvPr id="92163" name="Rectangle 2"/>
           <p:cNvSpPr>
             <a:spLocks noGrp="1" noRot="1" noChangeAspect="1" noChangeArrowheads="1"/>
           </p:cNvSpPr>
@@ -2025,7 +2023,7 @@
       </p:sp>
       <p:sp>
         <p:nvSpPr>
-          <p:cNvPr id="100356" name="Rectangle 3"/>
+          <p:cNvPr id="92164" name="Rectangle 3"/>
           <p:cNvSpPr>
             <a:spLocks noGrp="1" noChangeArrowheads="1"/>
           </p:cNvSpPr>
@@ -2062,7 +2060,7 @@
     </p:spTree>
     <p:extLst>
       <p:ext uri="{BB962C8B-B14F-4D97-AF65-F5344CB8AC3E}">
-        <p14:creationId xmlns:p14="http://schemas.microsoft.com/office/powerpoint/2010/main" val="2127717998"/>
+        <p14:creationId xmlns:p14="http://schemas.microsoft.com/office/powerpoint/2010/main" val="899712033"/>
       </p:ext>
     </p:extLst>
   </p:cSld>
@@ -2091,7 +2089,7 @@
       </p:grpSpPr>
       <p:sp>
         <p:nvSpPr>
-          <p:cNvPr id="92162" name="Rectangle 7"/>
+          <p:cNvPr id="94210" name="Rectangle 7"/>
           <p:cNvSpPr>
             <a:spLocks noGrp="1" noChangeArrowheads="1"/>
           </p:cNvSpPr>
@@ -2242,12 +2240,12 @@
           </a:lstStyle>
           <a:p>
             <a:pPr eaLnBrk="1" hangingPunct="1"/>
-            <a:fld id="{5E7A2AF4-21A1-4549-972D-2D4D3C966DCF}" type="slidenum">
+            <a:fld id="{F244B183-CBA1-BA47-8281-488AF6A9CE4D}" type="slidenum">
               <a:rPr lang="en-US" sz="1300" b="0">
                 <a:latin typeface="Times New Roman" charset="0"/>
               </a:rPr>
               <a:pPr eaLnBrk="1" hangingPunct="1"/>
-              <a:t>42</a:t>
+              <a:t>41</a:t>
             </a:fld>
             <a:endParaRPr lang="en-US" sz="1300" b="0">
               <a:latin typeface="Times New Roman" charset="0"/>
@@ -2257,7 +2255,7 @@
       </p:sp>
       <p:sp>
         <p:nvSpPr>
-          <p:cNvPr id="92163" name="Rectangle 2"/>
+          <p:cNvPr id="94211" name="Rectangle 2"/>
           <p:cNvSpPr>
             <a:spLocks noGrp="1" noRot="1" noChangeAspect="1" noChangeArrowheads="1"/>
           </p:cNvSpPr>
@@ -2274,7 +2272,7 @@
       </p:sp>
       <p:sp>
         <p:nvSpPr>
-          <p:cNvPr id="92164" name="Rectangle 3"/>
+          <p:cNvPr id="94212" name="Rectangle 3"/>
           <p:cNvSpPr>
             <a:spLocks noGrp="1" noChangeArrowheads="1"/>
           </p:cNvSpPr>
@@ -2311,7 +2309,7 @@
     </p:spTree>
     <p:extLst>
       <p:ext uri="{BB962C8B-B14F-4D97-AF65-F5344CB8AC3E}">
-        <p14:creationId xmlns:p14="http://schemas.microsoft.com/office/powerpoint/2010/main" val="899712033"/>
+        <p14:creationId xmlns:p14="http://schemas.microsoft.com/office/powerpoint/2010/main" val="1689235107"/>
       </p:ext>
     </p:extLst>
   </p:cSld>
@@ -2340,7 +2338,7 @@
       </p:grpSpPr>
       <p:sp>
         <p:nvSpPr>
-          <p:cNvPr id="94210" name="Rectangle 7"/>
+          <p:cNvPr id="64514" name="Rectangle 7"/>
           <p:cNvSpPr>
             <a:spLocks noGrp="1" noChangeArrowheads="1"/>
           </p:cNvSpPr>
@@ -2491,7 +2489,7 @@
           </a:lstStyle>
           <a:p>
             <a:pPr eaLnBrk="1" hangingPunct="1"/>
-            <a:fld id="{F244B183-CBA1-BA47-8281-488AF6A9CE4D}" type="slidenum">
+            <a:fld id="{F2A1D53B-0B65-174C-A832-8F76934966BD}" type="slidenum">
               <a:rPr lang="en-US" sz="1300" b="0">
                 <a:latin typeface="Times New Roman" charset="0"/>
               </a:rPr>
@@ -2506,7 +2504,7 @@
       </p:sp>
       <p:sp>
         <p:nvSpPr>
-          <p:cNvPr id="94211" name="Rectangle 2"/>
+          <p:cNvPr id="64515" name="Rectangle 2"/>
           <p:cNvSpPr>
             <a:spLocks noGrp="1" noRot="1" noChangeAspect="1" noChangeArrowheads="1"/>
           </p:cNvSpPr>
@@ -2523,7 +2521,7 @@
       </p:sp>
       <p:sp>
         <p:nvSpPr>
-          <p:cNvPr id="94212" name="Rectangle 3"/>
+          <p:cNvPr id="64516" name="Rectangle 3"/>
           <p:cNvSpPr>
             <a:spLocks noGrp="1" noChangeArrowheads="1"/>
           </p:cNvSpPr>
@@ -2560,7 +2558,7 @@
     </p:spTree>
     <p:extLst>
       <p:ext uri="{BB962C8B-B14F-4D97-AF65-F5344CB8AC3E}">
-        <p14:creationId xmlns:p14="http://schemas.microsoft.com/office/powerpoint/2010/main" val="1689235107"/>
+        <p14:creationId xmlns:p14="http://schemas.microsoft.com/office/powerpoint/2010/main" val="618252872"/>
       </p:ext>
     </p:extLst>
   </p:cSld>
@@ -2589,275 +2587,26 @@
       </p:grpSpPr>
       <p:sp>
         <p:nvSpPr>
-          <p:cNvPr id="64514" name="Rectangle 7"/>
+          <p:cNvPr id="2" name="Slide Image Placeholder 1"/>
           <p:cNvSpPr>
-            <a:spLocks noGrp="1" noChangeArrowheads="1"/>
-          </p:cNvSpPr>
-          <p:nvPr>
-            <p:ph type="sldNum" sz="quarter" idx="5"/>
-          </p:nvPr>
-        </p:nvSpPr>
-        <p:spPr>
-          <a:noFill/>
-          <a:ln/>
-          <a:extLst>
-            <a:ext uri="{909E8E84-426E-40dd-AFC4-6F175D3DCCD1}">
-              <a14:hiddenFill xmlns:a14="http://schemas.microsoft.com/office/drawing/2010/main" xmlns="">
-                <a:solidFill>
-                  <a:srgbClr val="FFFFFF"/>
-                </a:solidFill>
-              </a14:hiddenFill>
-            </a:ext>
-            <a:ext uri="{91240B29-F687-4f45-9708-019B960494DF}">
-              <a14:hiddenLine xmlns:a14="http://schemas.microsoft.com/office/drawing/2010/main" xmlns="" w="9525">
-                <a:solidFill>
-                  <a:srgbClr val="000000"/>
-                </a:solidFill>
-                <a:miter lim="800000"/>
-                <a:headEnd/>
-                <a:tailEnd/>
-              </a14:hiddenLine>
-            </a:ext>
-          </a:extLst>
-        </p:spPr>
-        <p:txBody>
-          <a:bodyPr/>
-          <a:lstStyle>
-            <a:lvl1pPr defTabSz="957263" eaLnBrk="0" hangingPunct="0">
-              <a:defRPr sz="2000" b="1">
-                <a:solidFill>
-                  <a:schemeClr val="tx1"/>
-                </a:solidFill>
-                <a:latin typeface="Courier New" charset="0"/>
-                <a:ea typeface="ＭＳ Ｐゴシック" charset="0"/>
-                <a:cs typeface="Arial" charset="0"/>
-              </a:defRPr>
-            </a:lvl1pPr>
-            <a:lvl2pPr marL="37931725" indent="-37474525" defTabSz="957263" eaLnBrk="0" hangingPunct="0">
-              <a:defRPr sz="2000" b="1">
-                <a:solidFill>
-                  <a:schemeClr val="tx1"/>
-                </a:solidFill>
-                <a:latin typeface="Courier New" charset="0"/>
-                <a:ea typeface="Arial" charset="0"/>
-                <a:cs typeface="Arial" charset="0"/>
-              </a:defRPr>
-            </a:lvl2pPr>
-            <a:lvl3pPr eaLnBrk="0" hangingPunct="0">
-              <a:defRPr sz="2000" b="1">
-                <a:solidFill>
-                  <a:schemeClr val="tx1"/>
-                </a:solidFill>
-                <a:latin typeface="Courier New" charset="0"/>
-                <a:ea typeface="Arial" charset="0"/>
-                <a:cs typeface="Arial" charset="0"/>
-              </a:defRPr>
-            </a:lvl3pPr>
-            <a:lvl4pPr eaLnBrk="0" hangingPunct="0">
-              <a:defRPr sz="2000" b="1">
-                <a:solidFill>
-                  <a:schemeClr val="tx1"/>
-                </a:solidFill>
-                <a:latin typeface="Courier New" charset="0"/>
-                <a:ea typeface="Arial" charset="0"/>
-                <a:cs typeface="Arial" charset="0"/>
-              </a:defRPr>
-            </a:lvl4pPr>
-            <a:lvl5pPr eaLnBrk="0" hangingPunct="0">
-              <a:defRPr sz="2000" b="1">
-                <a:solidFill>
-                  <a:schemeClr val="tx1"/>
-                </a:solidFill>
-                <a:latin typeface="Courier New" charset="0"/>
-                <a:ea typeface="Arial" charset="0"/>
-                <a:cs typeface="Arial" charset="0"/>
-              </a:defRPr>
-            </a:lvl5pPr>
-            <a:lvl6pPr marL="457200" eaLnBrk="0" fontAlgn="base" hangingPunct="0">
-              <a:spcBef>
-                <a:spcPct val="0"/>
-              </a:spcBef>
-              <a:spcAft>
-                <a:spcPct val="0"/>
-              </a:spcAft>
-              <a:defRPr sz="2000" b="1">
-                <a:solidFill>
-                  <a:schemeClr val="tx1"/>
-                </a:solidFill>
-                <a:latin typeface="Courier New" charset="0"/>
-                <a:ea typeface="Arial" charset="0"/>
-                <a:cs typeface="Arial" charset="0"/>
-              </a:defRPr>
-            </a:lvl6pPr>
-            <a:lvl7pPr marL="914400" eaLnBrk="0" fontAlgn="base" hangingPunct="0">
-              <a:spcBef>
-                <a:spcPct val="0"/>
-              </a:spcBef>
-              <a:spcAft>
-                <a:spcPct val="0"/>
-              </a:spcAft>
-              <a:defRPr sz="2000" b="1">
-                <a:solidFill>
-                  <a:schemeClr val="tx1"/>
-                </a:solidFill>
-                <a:latin typeface="Courier New" charset="0"/>
-                <a:ea typeface="Arial" charset="0"/>
-                <a:cs typeface="Arial" charset="0"/>
-              </a:defRPr>
-            </a:lvl7pPr>
-            <a:lvl8pPr marL="1371600" eaLnBrk="0" fontAlgn="base" hangingPunct="0">
-              <a:spcBef>
-                <a:spcPct val="0"/>
-              </a:spcBef>
-              <a:spcAft>
-                <a:spcPct val="0"/>
-              </a:spcAft>
-              <a:defRPr sz="2000" b="1">
-                <a:solidFill>
-                  <a:schemeClr val="tx1"/>
-                </a:solidFill>
-                <a:latin typeface="Courier New" charset="0"/>
-                <a:ea typeface="Arial" charset="0"/>
-                <a:cs typeface="Arial" charset="0"/>
-              </a:defRPr>
-            </a:lvl8pPr>
-            <a:lvl9pPr marL="1828800" eaLnBrk="0" fontAlgn="base" hangingPunct="0">
-              <a:spcBef>
-                <a:spcPct val="0"/>
-              </a:spcBef>
-              <a:spcAft>
-                <a:spcPct val="0"/>
-              </a:spcAft>
-              <a:defRPr sz="2000" b="1">
-                <a:solidFill>
-                  <a:schemeClr val="tx1"/>
-                </a:solidFill>
-                <a:latin typeface="Courier New" charset="0"/>
-                <a:ea typeface="Arial" charset="0"/>
-                <a:cs typeface="Arial" charset="0"/>
-              </a:defRPr>
-            </a:lvl9pPr>
-          </a:lstStyle>
-          <a:p>
-            <a:pPr eaLnBrk="1" hangingPunct="1"/>
-            <a:fld id="{F2A1D53B-0B65-174C-A832-8F76934966BD}" type="slidenum">
-              <a:rPr lang="en-US" sz="1300" b="0">
-                <a:latin typeface="Times New Roman" charset="0"/>
-              </a:rPr>
-              <a:pPr eaLnBrk="1" hangingPunct="1"/>
-              <a:t>45</a:t>
-            </a:fld>
-            <a:endParaRPr lang="en-US" sz="1300" b="0">
-              <a:latin typeface="Times New Roman" charset="0"/>
-            </a:endParaRPr>
-          </a:p>
-        </p:txBody>
-      </p:sp>
-      <p:sp>
-        <p:nvSpPr>
-          <p:cNvPr id="64515" name="Rectangle 2"/>
-          <p:cNvSpPr>
-            <a:spLocks noGrp="1" noRot="1" noChangeAspect="1" noChangeArrowheads="1"/>
+            <a:spLocks noGrp="1" noRot="1" noChangeAspect="1"/>
           </p:cNvSpPr>
           <p:nvPr>
             <p:ph type="sldImg"/>
           </p:nvPr>
         </p:nvSpPr>
-        <p:spPr>
-          <a:solidFill>
-            <a:srgbClr val="FFFFFF"/>
-          </a:solidFill>
-          <a:ln/>
-        </p:spPr>
-      </p:sp>
-      <p:sp>
-        <p:nvSpPr>
-          <p:cNvPr id="64516" name="Rectangle 3"/>
+        <p:spPr/>
+      </p:sp>
+      <p:sp>
+        <p:nvSpPr>
+          <p:cNvPr id="3" name="Notes Placeholder 2"/>
           <p:cNvSpPr>
-            <a:spLocks noGrp="1" noChangeArrowheads="1"/>
+            <a:spLocks noGrp="1"/>
           </p:cNvSpPr>
           <p:nvPr>
             <p:ph type="body" idx="1"/>
           </p:nvPr>
         </p:nvSpPr>
-        <p:spPr>
-          <a:solidFill>
-            <a:srgbClr val="FFFFFF"/>
-          </a:solidFill>
-          <a:ln>
-            <a:solidFill>
-              <a:srgbClr val="000000"/>
-            </a:solidFill>
-          </a:ln>
-          <a:extLst>
-            <a:ext uri="{FAA26D3D-D897-4be2-8F04-BA451C77F1D7}">
-              <ma14:placeholderFlag xmlns:ma14="http://schemas.microsoft.com/office/mac/drawingml/2011/main" xmlns="" val="1"/>
-            </a:ext>
-          </a:extLst>
-        </p:spPr>
-        <p:txBody>
-          <a:bodyPr/>
-          <a:lstStyle/>
-          <a:p>
-            <a:endParaRPr lang="en-US">
-              <a:ea typeface="ＭＳ Ｐゴシック" charset="0"/>
-              <a:cs typeface="ＭＳ Ｐゴシック" charset="0"/>
-            </a:endParaRPr>
-          </a:p>
-        </p:txBody>
-      </p:sp>
-    </p:spTree>
-    <p:extLst>
-      <p:ext uri="{BB962C8B-B14F-4D97-AF65-F5344CB8AC3E}">
-        <p14:creationId xmlns:p14="http://schemas.microsoft.com/office/powerpoint/2010/main" val="618252872"/>
-      </p:ext>
-    </p:extLst>
-  </p:cSld>
-  <p:clrMapOvr>
-    <a:masterClrMapping/>
-  </p:clrMapOvr>
-</p:notes>
-</file>
-
-<file path=ppt/notesSlides/notesSlide18.xml><?xml version="1.0" encoding="utf-8"?>
-<p:notes xmlns:a="http://schemas.openxmlformats.org/drawingml/2006/main" xmlns:r="http://schemas.openxmlformats.org/officeDocument/2006/relationships" xmlns:p="http://schemas.openxmlformats.org/presentationml/2006/main">
-  <p:cSld>
-    <p:spTree>
-      <p:nvGrpSpPr>
-        <p:cNvPr id="1" name=""/>
-        <p:cNvGrpSpPr/>
-        <p:nvPr/>
-      </p:nvGrpSpPr>
-      <p:grpSpPr>
-        <a:xfrm>
-          <a:off x="0" y="0"/>
-          <a:ext cx="0" cy="0"/>
-          <a:chOff x="0" y="0"/>
-          <a:chExt cx="0" cy="0"/>
-        </a:xfrm>
-      </p:grpSpPr>
-      <p:sp>
-        <p:nvSpPr>
-          <p:cNvPr id="2" name="Slide Image Placeholder 1"/>
-          <p:cNvSpPr>
-            <a:spLocks noGrp="1" noRot="1" noChangeAspect="1"/>
-          </p:cNvSpPr>
-          <p:nvPr>
-            <p:ph type="sldImg"/>
-          </p:nvPr>
-        </p:nvSpPr>
-        <p:spPr/>
-      </p:sp>
-      <p:sp>
-        <p:nvSpPr>
-          <p:cNvPr id="3" name="Notes Placeholder 2"/>
-          <p:cNvSpPr>
-            <a:spLocks noGrp="1"/>
-          </p:cNvSpPr>
-          <p:nvPr>
-            <p:ph type="body" idx="1"/>
-          </p:nvPr>
-        </p:nvSpPr>
         <p:spPr/>
         <p:txBody>
           <a:bodyPr/>
@@ -2885,7 +2634,7 @@
             <a:fld id="{C7E9A20B-E167-2E4E-BE18-AA9F5BF5FBB1}" type="slidenum">
               <a:rPr lang="en-US" smtClean="0"/>
               <a:pPr/>
-              <a:t>46</a:t>
+              <a:t>44</a:t>
             </a:fld>
             <a:endParaRPr lang="en-US"/>
           </a:p>
@@ -7659,9 +7408,9 @@
       </p:grpSpPr>
       <p:sp>
         <p:nvSpPr>
-          <p:cNvPr id="1622018" name="Rectangle 2"/>
+          <p:cNvPr id="7" name="Title 6"/>
           <p:cNvSpPr>
-            <a:spLocks noGrp="1" noChangeArrowheads="1"/>
+            <a:spLocks noGrp="1"/>
           </p:cNvSpPr>
           <p:nvPr>
             <p:ph type="title"/>
@@ -7674,19 +7423,19 @@
           <a:p>
             <a:r>
               <a:rPr lang="en-US" dirty="0"/>
-              <a:t>Internet names &amp; addresses</a:t>
-            </a:r>
-          </a:p>
-        </p:txBody>
-      </p:sp>
-      <p:sp>
-        <p:nvSpPr>
-          <p:cNvPr id="1622019" name="Rectangle 3"/>
+              <a:t>DNS: Domain name system</a:t>
+            </a:r>
+          </a:p>
+        </p:txBody>
+      </p:sp>
+      <p:sp>
+        <p:nvSpPr>
+          <p:cNvPr id="8" name="Text Placeholder 7"/>
           <p:cNvSpPr>
-            <a:spLocks noGrp="1" noChangeArrowheads="1"/>
+            <a:spLocks noGrp="1"/>
           </p:cNvSpPr>
           <p:nvPr>
-            <p:ph idx="1"/>
+            <p:ph type="body" idx="1"/>
           </p:nvPr>
         </p:nvSpPr>
         <p:spPr/>
@@ -7694,104 +7443,13 @@
           <a:bodyPr/>
           <a:lstStyle/>
           <a:p>
-            <a:r>
-              <a:rPr lang="en-US" dirty="0"/>
-              <a:t>Machine addresses: e.g., 141.212.113.143</a:t>
-            </a:r>
-          </a:p>
-          <a:p>
-            <a:pPr lvl="1"/>
-            <a:r>
-              <a:rPr lang="en-US" dirty="0"/>
-              <a:t>Router-usable labels for machines</a:t>
-            </a:r>
-          </a:p>
-          <a:p>
-            <a:pPr lvl="1"/>
-            <a:r>
-              <a:rPr lang="en-US" dirty="0"/>
-              <a:t>Conforms to network structure (the “</a:t>
-            </a:r>
-            <a:r>
-              <a:rPr lang="en-US" dirty="0">
-                <a:solidFill>
-                  <a:srgbClr val="0000FF"/>
-                </a:solidFill>
-              </a:rPr>
-              <a:t>where</a:t>
-            </a:r>
-            <a:r>
-              <a:rPr lang="en-US" dirty="0"/>
-              <a:t>”)</a:t>
-            </a:r>
-          </a:p>
-          <a:p>
-            <a:r>
-              <a:rPr lang="en-US" dirty="0"/>
-              <a:t>Machine names: e.g., </a:t>
-            </a:r>
-            <a:r>
-              <a:rPr lang="en-US" dirty="0" err="1"/>
-              <a:t>cse.umich.edu</a:t>
-            </a:r>
-            <a:endParaRPr lang="en-US" dirty="0"/>
-          </a:p>
-          <a:p>
-            <a:pPr lvl="1"/>
-            <a:r>
-              <a:rPr lang="en-US" dirty="0"/>
-              <a:t>Human-usable labels for machines</a:t>
-            </a:r>
-          </a:p>
-          <a:p>
-            <a:pPr lvl="1"/>
-            <a:r>
-              <a:rPr lang="en-US" dirty="0"/>
-              <a:t>Conforms to organizational structure (the “</a:t>
-            </a:r>
-            <a:r>
-              <a:rPr lang="en-US" dirty="0">
-                <a:solidFill>
-                  <a:srgbClr val="0000FF"/>
-                </a:solidFill>
-              </a:rPr>
-              <a:t>who</a:t>
-            </a:r>
-            <a:r>
-              <a:rPr lang="en-US" dirty="0"/>
-              <a:t>”)</a:t>
-            </a:r>
-          </a:p>
-          <a:p>
-            <a:r>
-              <a:rPr lang="en-US" dirty="0"/>
-              <a:t>The Domain Name System (DNS) is how we map from one to the other</a:t>
-            </a:r>
-          </a:p>
-          <a:p>
-            <a:pPr lvl="1"/>
-            <a:r>
-              <a:rPr lang="en-US" dirty="0"/>
-              <a:t>A </a:t>
-            </a:r>
-            <a:r>
-              <a:rPr lang="en-US" dirty="0">
-                <a:solidFill>
-                  <a:srgbClr val="0000FF"/>
-                </a:solidFill>
-              </a:rPr>
-              <a:t>directory</a:t>
-            </a:r>
-            <a:r>
-              <a:rPr lang="en-US" dirty="0"/>
-              <a:t> service</a:t>
-            </a:r>
-          </a:p>
-        </p:txBody>
-      </p:sp>
-      <p:sp>
-        <p:nvSpPr>
-          <p:cNvPr id="7" name="Date Placeholder 6"/>
+            <a:endParaRPr lang="en-US"/>
+          </a:p>
+        </p:txBody>
+      </p:sp>
+      <p:sp>
+        <p:nvSpPr>
+          <p:cNvPr id="4" name="Date Placeholder 3"/>
           <p:cNvSpPr>
             <a:spLocks noGrp="1"/>
           </p:cNvSpPr>
@@ -7816,7 +7474,7 @@
       </p:sp>
       <p:sp>
         <p:nvSpPr>
-          <p:cNvPr id="8" name="Footer Placeholder 7"/>
+          <p:cNvPr id="5" name="Footer Placeholder 4"/>
           <p:cNvSpPr>
             <a:spLocks noGrp="1"/>
           </p:cNvSpPr>
@@ -7841,7 +7499,7 @@
       </p:sp>
       <p:sp>
         <p:nvSpPr>
-          <p:cNvPr id="9" name="Slide Number Placeholder 8"/>
+          <p:cNvPr id="6" name="Slide Number Placeholder 5"/>
           <p:cNvSpPr>
             <a:spLocks noGrp="1"/>
           </p:cNvSpPr>
@@ -7858,6 +7516,242 @@
               <a:rPr lang="en-US" smtClean="0"/>
               <a:pPr/>
               <a:t>10</a:t>
+            </a:fld>
+            <a:endParaRPr lang="en-US"/>
+          </a:p>
+        </p:txBody>
+      </p:sp>
+    </p:spTree>
+    <p:extLst>
+      <p:ext uri="{BB962C8B-B14F-4D97-AF65-F5344CB8AC3E}">
+        <p14:creationId xmlns:p14="http://schemas.microsoft.com/office/powerpoint/2010/main" val="2027691114"/>
+      </p:ext>
+    </p:extLst>
+  </p:cSld>
+  <p:clrMapOvr>
+    <a:masterClrMapping/>
+  </p:clrMapOvr>
+</p:sld>
+</file>
+
+<file path=ppt/slides/slide11.xml><?xml version="1.0" encoding="utf-8"?>
+<p:sld xmlns:a="http://schemas.openxmlformats.org/drawingml/2006/main" xmlns:r="http://schemas.openxmlformats.org/officeDocument/2006/relationships" xmlns:p="http://schemas.openxmlformats.org/presentationml/2006/main">
+  <p:cSld>
+    <p:spTree>
+      <p:nvGrpSpPr>
+        <p:cNvPr id="1" name=""/>
+        <p:cNvGrpSpPr/>
+        <p:nvPr/>
+      </p:nvGrpSpPr>
+      <p:grpSpPr>
+        <a:xfrm>
+          <a:off x="0" y="0"/>
+          <a:ext cx="0" cy="0"/>
+          <a:chOff x="0" y="0"/>
+          <a:chExt cx="0" cy="0"/>
+        </a:xfrm>
+      </p:grpSpPr>
+      <p:sp>
+        <p:nvSpPr>
+          <p:cNvPr id="1622018" name="Rectangle 2"/>
+          <p:cNvSpPr>
+            <a:spLocks noGrp="1" noChangeArrowheads="1"/>
+          </p:cNvSpPr>
+          <p:nvPr>
+            <p:ph type="title"/>
+          </p:nvPr>
+        </p:nvSpPr>
+        <p:spPr/>
+        <p:txBody>
+          <a:bodyPr/>
+          <a:lstStyle/>
+          <a:p>
+            <a:r>
+              <a:rPr lang="en-US" dirty="0"/>
+              <a:t>Internet names &amp; addresses</a:t>
+            </a:r>
+          </a:p>
+        </p:txBody>
+      </p:sp>
+      <p:sp>
+        <p:nvSpPr>
+          <p:cNvPr id="1622019" name="Rectangle 3"/>
+          <p:cNvSpPr>
+            <a:spLocks noGrp="1" noChangeArrowheads="1"/>
+          </p:cNvSpPr>
+          <p:nvPr>
+            <p:ph idx="1"/>
+          </p:nvPr>
+        </p:nvSpPr>
+        <p:spPr/>
+        <p:txBody>
+          <a:bodyPr/>
+          <a:lstStyle/>
+          <a:p>
+            <a:r>
+              <a:rPr lang="en-US" dirty="0"/>
+              <a:t>Machine addresses: e.g., 141.212.113.143</a:t>
+            </a:r>
+          </a:p>
+          <a:p>
+            <a:pPr lvl="1"/>
+            <a:r>
+              <a:rPr lang="en-US" dirty="0"/>
+              <a:t>Router-usable labels for machines</a:t>
+            </a:r>
+          </a:p>
+          <a:p>
+            <a:pPr lvl="1"/>
+            <a:r>
+              <a:rPr lang="en-US" dirty="0"/>
+              <a:t>Conforms to network structure (the “</a:t>
+            </a:r>
+            <a:r>
+              <a:rPr lang="en-US" dirty="0">
+                <a:solidFill>
+                  <a:srgbClr val="0000FF"/>
+                </a:solidFill>
+              </a:rPr>
+              <a:t>where</a:t>
+            </a:r>
+            <a:r>
+              <a:rPr lang="en-US" dirty="0"/>
+              <a:t>”)</a:t>
+            </a:r>
+          </a:p>
+          <a:p>
+            <a:r>
+              <a:rPr lang="en-US" dirty="0"/>
+              <a:t>Machine names: e.g., </a:t>
+            </a:r>
+            <a:r>
+              <a:rPr lang="en-US" dirty="0" err="1"/>
+              <a:t>cse.umich.edu</a:t>
+            </a:r>
+            <a:endParaRPr lang="en-US" dirty="0"/>
+          </a:p>
+          <a:p>
+            <a:pPr lvl="1"/>
+            <a:r>
+              <a:rPr lang="en-US" dirty="0"/>
+              <a:t>Human-usable labels for machines</a:t>
+            </a:r>
+          </a:p>
+          <a:p>
+            <a:pPr lvl="1"/>
+            <a:r>
+              <a:rPr lang="en-US" dirty="0"/>
+              <a:t>Conforms to organizational structure (the “</a:t>
+            </a:r>
+            <a:r>
+              <a:rPr lang="en-US" dirty="0">
+                <a:solidFill>
+                  <a:srgbClr val="0000FF"/>
+                </a:solidFill>
+              </a:rPr>
+              <a:t>who</a:t>
+            </a:r>
+            <a:r>
+              <a:rPr lang="en-US" dirty="0"/>
+              <a:t>”)</a:t>
+            </a:r>
+          </a:p>
+          <a:p>
+            <a:r>
+              <a:rPr lang="en-US" dirty="0"/>
+              <a:t>The Domain Name System (DNS) is how we map from one to the other</a:t>
+            </a:r>
+          </a:p>
+          <a:p>
+            <a:pPr lvl="1"/>
+            <a:r>
+              <a:rPr lang="en-US" dirty="0"/>
+              <a:t>A </a:t>
+            </a:r>
+            <a:r>
+              <a:rPr lang="en-US" dirty="0">
+                <a:solidFill>
+                  <a:srgbClr val="0000FF"/>
+                </a:solidFill>
+              </a:rPr>
+              <a:t>directory</a:t>
+            </a:r>
+            <a:r>
+              <a:rPr lang="en-US" dirty="0"/>
+              <a:t> service</a:t>
+            </a:r>
+          </a:p>
+        </p:txBody>
+      </p:sp>
+      <p:sp>
+        <p:nvSpPr>
+          <p:cNvPr id="7" name="Date Placeholder 6"/>
+          <p:cNvSpPr>
+            <a:spLocks noGrp="1"/>
+          </p:cNvSpPr>
+          <p:nvPr>
+            <p:ph type="dt" sz="half" idx="10"/>
+          </p:nvPr>
+        </p:nvSpPr>
+        <p:spPr/>
+        <p:txBody>
+          <a:bodyPr/>
+          <a:lstStyle/>
+          <a:p>
+            <a:r>
+              <a:rPr lang="en-US"/>
+              <a:t>September 19, 2018</a:t>
+            </a:r>
+            <a:endParaRPr lang="en-US" sz="1050" b="0">
+              <a:latin typeface="Times New Roman" charset="0"/>
+            </a:endParaRPr>
+          </a:p>
+        </p:txBody>
+      </p:sp>
+      <p:sp>
+        <p:nvSpPr>
+          <p:cNvPr id="8" name="Footer Placeholder 7"/>
+          <p:cNvSpPr>
+            <a:spLocks noGrp="1"/>
+          </p:cNvSpPr>
+          <p:nvPr>
+            <p:ph type="ftr" sz="quarter" idx="11"/>
+          </p:nvPr>
+        </p:nvSpPr>
+        <p:spPr/>
+        <p:txBody>
+          <a:bodyPr/>
+          <a:lstStyle/>
+          <a:p>
+            <a:r>
+              <a:rPr lang="en-US"/>
+              <a:t>EECS 489 – Lecture 5</a:t>
+            </a:r>
+            <a:endParaRPr lang="en-US" sz="1050" b="0">
+              <a:latin typeface="Times New Roman" charset="0"/>
+            </a:endParaRPr>
+          </a:p>
+        </p:txBody>
+      </p:sp>
+      <p:sp>
+        <p:nvSpPr>
+          <p:cNvPr id="9" name="Slide Number Placeholder 8"/>
+          <p:cNvSpPr>
+            <a:spLocks noGrp="1"/>
+          </p:cNvSpPr>
+          <p:nvPr>
+            <p:ph type="sldNum" sz="quarter" idx="12"/>
+          </p:nvPr>
+        </p:nvSpPr>
+        <p:spPr/>
+        <p:txBody>
+          <a:bodyPr/>
+          <a:lstStyle/>
+          <a:p>
+            <a:fld id="{A190D881-957A-7944-A8D0-1584E528B88F}" type="slidenum">
+              <a:rPr lang="en-US" smtClean="0"/>
+              <a:pPr/>
+              <a:t>11</a:t>
             </a:fld>
             <a:endParaRPr lang="en-US"/>
           </a:p>
@@ -8211,7 +8105,7 @@
 </p:sld>
 </file>
 
-<file path=ppt/slides/slide11.xml><?xml version="1.0" encoding="utf-8"?>
+<file path=ppt/slides/slide12.xml><?xml version="1.0" encoding="utf-8"?>
 <p:sld xmlns:a="http://schemas.openxmlformats.org/drawingml/2006/main" xmlns:r="http://schemas.openxmlformats.org/officeDocument/2006/relationships" xmlns:p="http://schemas.openxmlformats.org/presentationml/2006/main">
   <p:cSld>
     <p:spTree>
@@ -8393,7 +8287,7 @@
             <a:fld id="{A190D881-957A-7944-A8D0-1584E528B88F}" type="slidenum">
               <a:rPr lang="en-US" smtClean="0"/>
               <a:pPr/>
-              <a:t>11</a:t>
+              <a:t>12</a:t>
             </a:fld>
             <a:endParaRPr lang="en-US"/>
           </a:p>
@@ -8636,235 +8530,6 @@
 </p:sld>
 </file>
 
-<file path=ppt/slides/slide12.xml><?xml version="1.0" encoding="utf-8"?>
-<p:sld xmlns:a="http://schemas.openxmlformats.org/drawingml/2006/main" xmlns:r="http://schemas.openxmlformats.org/officeDocument/2006/relationships" xmlns:p="http://schemas.openxmlformats.org/presentationml/2006/main" showMasterPhAnim="0">
-  <p:cSld>
-    <p:spTree>
-      <p:nvGrpSpPr>
-        <p:cNvPr id="1" name=""/>
-        <p:cNvGrpSpPr/>
-        <p:nvPr/>
-      </p:nvGrpSpPr>
-      <p:grpSpPr>
-        <a:xfrm>
-          <a:off x="0" y="0"/>
-          <a:ext cx="0" cy="0"/>
-          <a:chOff x="0" y="0"/>
-          <a:chExt cx="0" cy="0"/>
-        </a:xfrm>
-      </p:grpSpPr>
-      <p:sp>
-        <p:nvSpPr>
-          <p:cNvPr id="1623042" name="Rectangle 2"/>
-          <p:cNvSpPr>
-            <a:spLocks noGrp="1" noChangeArrowheads="1"/>
-          </p:cNvSpPr>
-          <p:nvPr>
-            <p:ph type="title"/>
-          </p:nvPr>
-        </p:nvSpPr>
-        <p:spPr/>
-        <p:txBody>
-          <a:bodyPr/>
-          <a:lstStyle/>
-          <a:p>
-            <a:r>
-              <a:rPr lang="en-US" dirty="0"/>
-              <a:t>DNS: History</a:t>
-            </a:r>
-          </a:p>
-        </p:txBody>
-      </p:sp>
-      <p:sp>
-        <p:nvSpPr>
-          <p:cNvPr id="1623043" name="Rectangle 3"/>
-          <p:cNvSpPr>
-            <a:spLocks noGrp="1" noChangeArrowheads="1"/>
-          </p:cNvSpPr>
-          <p:nvPr>
-            <p:ph idx="1"/>
-          </p:nvPr>
-        </p:nvSpPr>
-        <p:spPr/>
-        <p:txBody>
-          <a:bodyPr/>
-          <a:lstStyle/>
-          <a:p>
-            <a:r>
-              <a:rPr lang="en-US" dirty="0"/>
-              <a:t>Initially all host-address mappings were in a </a:t>
-            </a:r>
-            <a:r>
-              <a:rPr lang="en-US" dirty="0" err="1">
-                <a:latin typeface="Lucida Console" charset="0"/>
-                <a:ea typeface="Lucida Console" charset="0"/>
-                <a:cs typeface="Lucida Console" charset="0"/>
-              </a:rPr>
-              <a:t>hosts.txt</a:t>
-            </a:r>
-            <a:r>
-              <a:rPr lang="en-US" dirty="0"/>
-              <a:t> file (in </a:t>
-            </a:r>
-            <a:r>
-              <a:rPr lang="en-US" dirty="0">
-                <a:latin typeface="Lucida Console" charset="0"/>
-                <a:ea typeface="Lucida Console" charset="0"/>
-                <a:cs typeface="Lucida Console" charset="0"/>
-              </a:rPr>
-              <a:t>/</a:t>
-            </a:r>
-            <a:r>
-              <a:rPr lang="en-US" dirty="0" err="1">
-                <a:latin typeface="Lucida Console" charset="0"/>
-                <a:ea typeface="Lucida Console" charset="0"/>
-                <a:cs typeface="Lucida Console" charset="0"/>
-              </a:rPr>
-              <a:t>etc</a:t>
-            </a:r>
-            <a:r>
-              <a:rPr lang="en-US" dirty="0">
-                <a:latin typeface="Lucida Console" charset="0"/>
-                <a:ea typeface="Lucida Console" charset="0"/>
-                <a:cs typeface="Lucida Console" charset="0"/>
-              </a:rPr>
-              <a:t>/hosts</a:t>
-            </a:r>
-            <a:r>
-              <a:rPr lang="en-US" dirty="0"/>
-              <a:t>):</a:t>
-            </a:r>
-          </a:p>
-          <a:p>
-            <a:pPr lvl="1"/>
-            <a:r>
-              <a:rPr lang="en-US" dirty="0"/>
-              <a:t>Maintained by the Stanford Research Institute (SRI)</a:t>
-            </a:r>
-          </a:p>
-          <a:p>
-            <a:pPr lvl="1"/>
-            <a:r>
-              <a:rPr lang="en-US" dirty="0"/>
-              <a:t>Changes were submitted to SRI by email</a:t>
-            </a:r>
-          </a:p>
-          <a:p>
-            <a:pPr lvl="1"/>
-            <a:r>
-              <a:rPr lang="en-US" dirty="0"/>
-              <a:t>New versions of </a:t>
-            </a:r>
-            <a:r>
-              <a:rPr lang="en-US" dirty="0" err="1">
-                <a:latin typeface="Lucida Console" charset="0"/>
-                <a:ea typeface="Lucida Console" charset="0"/>
-                <a:cs typeface="Lucida Console" charset="0"/>
-              </a:rPr>
-              <a:t>hosts.txt</a:t>
-            </a:r>
-            <a:r>
-              <a:rPr lang="en-US" dirty="0"/>
-              <a:t> periodically </a:t>
-            </a:r>
-            <a:r>
-              <a:rPr lang="en-US" dirty="0" err="1"/>
-              <a:t>FTP’d</a:t>
-            </a:r>
-            <a:r>
-              <a:rPr lang="en-US" dirty="0"/>
-              <a:t> from SRI</a:t>
-            </a:r>
-          </a:p>
-        </p:txBody>
-      </p:sp>
-      <p:sp>
-        <p:nvSpPr>
-          <p:cNvPr id="4" name="Date Placeholder 3"/>
-          <p:cNvSpPr>
-            <a:spLocks noGrp="1"/>
-          </p:cNvSpPr>
-          <p:nvPr>
-            <p:ph type="dt" sz="half" idx="10"/>
-          </p:nvPr>
-        </p:nvSpPr>
-        <p:spPr/>
-        <p:txBody>
-          <a:bodyPr/>
-          <a:lstStyle/>
-          <a:p>
-            <a:r>
-              <a:rPr lang="en-US"/>
-              <a:t>September 19, 2018</a:t>
-            </a:r>
-            <a:endParaRPr lang="en-US" sz="1050" b="0">
-              <a:latin typeface="Times New Roman" charset="0"/>
-            </a:endParaRPr>
-          </a:p>
-        </p:txBody>
-      </p:sp>
-      <p:sp>
-        <p:nvSpPr>
-          <p:cNvPr id="5" name="Footer Placeholder 4"/>
-          <p:cNvSpPr>
-            <a:spLocks noGrp="1"/>
-          </p:cNvSpPr>
-          <p:nvPr>
-            <p:ph type="ftr" sz="quarter" idx="11"/>
-          </p:nvPr>
-        </p:nvSpPr>
-        <p:spPr/>
-        <p:txBody>
-          <a:bodyPr/>
-          <a:lstStyle/>
-          <a:p>
-            <a:r>
-              <a:rPr lang="en-US"/>
-              <a:t>EECS 489 – Lecture 5</a:t>
-            </a:r>
-            <a:endParaRPr lang="en-US" sz="1050" b="0">
-              <a:latin typeface="Times New Roman" charset="0"/>
-            </a:endParaRPr>
-          </a:p>
-        </p:txBody>
-      </p:sp>
-      <p:sp>
-        <p:nvSpPr>
-          <p:cNvPr id="6" name="Slide Number Placeholder 5"/>
-          <p:cNvSpPr>
-            <a:spLocks noGrp="1"/>
-          </p:cNvSpPr>
-          <p:nvPr>
-            <p:ph type="sldNum" sz="quarter" idx="12"/>
-          </p:nvPr>
-        </p:nvSpPr>
-        <p:spPr/>
-        <p:txBody>
-          <a:bodyPr/>
-          <a:lstStyle/>
-          <a:p>
-            <a:fld id="{A190D881-957A-7944-A8D0-1584E528B88F}" type="slidenum">
-              <a:rPr lang="en-US" smtClean="0"/>
-              <a:pPr/>
-              <a:t>12</a:t>
-            </a:fld>
-            <a:endParaRPr lang="en-US"/>
-          </a:p>
-        </p:txBody>
-      </p:sp>
-    </p:spTree>
-    <p:extLst>
-      <p:ext uri="{BB962C8B-B14F-4D97-AF65-F5344CB8AC3E}">
-        <p14:creationId xmlns:p14="http://schemas.microsoft.com/office/powerpoint/2010/main" val="1325638844"/>
-      </p:ext>
-    </p:extLst>
-  </p:cSld>
-  <p:clrMapOvr>
-    <a:masterClrMapping/>
-  </p:clrMapOvr>
-</p:sld>
-</file>
-
 <file path=ppt/slides/slide13.xml><?xml version="1.0" encoding="utf-8"?>
 <p:sld xmlns:a="http://schemas.openxmlformats.org/drawingml/2006/main" xmlns:r="http://schemas.openxmlformats.org/officeDocument/2006/relationships" xmlns:p="http://schemas.openxmlformats.org/presentationml/2006/main" showMasterPhAnim="0">
   <p:cSld>
@@ -8899,7 +8564,7 @@
           <a:p>
             <a:r>
               <a:rPr lang="en-US" dirty="0"/>
-              <a:t>DNS: History (cont’d)</a:t>
+              <a:t>DNS: History</a:t>
             </a:r>
           </a:p>
         </p:txBody>
@@ -8921,28 +8586,7 @@
           <a:p>
             <a:r>
               <a:rPr lang="en-US" dirty="0"/>
-              <a:t>As the Internet grew this system broke down</a:t>
-            </a:r>
-          </a:p>
-          <a:p>
-            <a:pPr lvl="1"/>
-            <a:r>
-              <a:rPr lang="en-US" dirty="0"/>
-              <a:t>SRI couldn’t handle the load</a:t>
-            </a:r>
-          </a:p>
-          <a:p>
-            <a:pPr lvl="1"/>
-            <a:r>
-              <a:rPr lang="en-US" dirty="0"/>
-              <a:t>Names were not unique</a:t>
-            </a:r>
-          </a:p>
-          <a:p>
-            <a:pPr lvl="1"/>
-            <a:r>
-              <a:rPr lang="en-US" dirty="0"/>
-              <a:t>Hosts had inaccurate copies of </a:t>
+              <a:t>Initially all host-address mappings were in a </a:t>
             </a:r>
             <a:r>
               <a:rPr lang="en-US" dirty="0" err="1">
@@ -8952,23 +8596,91 @@
               </a:rPr>
               <a:t>hosts.txt</a:t>
             </a:r>
+            <a:r>
+              <a:rPr lang="en-US" dirty="0"/>
+              <a:t> file (in </a:t>
+            </a:r>
+            <a:r>
+              <a:rPr lang="en-US" dirty="0">
+                <a:latin typeface="Lucida Console" charset="0"/>
+                <a:ea typeface="Lucida Console" charset="0"/>
+                <a:cs typeface="Lucida Console" charset="0"/>
+              </a:rPr>
+              <a:t>/</a:t>
+            </a:r>
+            <a:r>
+              <a:rPr lang="en-US" dirty="0" err="1">
+                <a:latin typeface="Lucida Console" charset="0"/>
+                <a:ea typeface="Lucida Console" charset="0"/>
+                <a:cs typeface="Lucida Console" charset="0"/>
+              </a:rPr>
+              <a:t>etc</a:t>
+            </a:r>
+            <a:r>
+              <a:rPr lang="en-US" dirty="0">
+                <a:latin typeface="Lucida Console" charset="0"/>
+                <a:ea typeface="Lucida Console" charset="0"/>
+                <a:cs typeface="Lucida Console" charset="0"/>
+              </a:rPr>
+              <a:t>/hosts</a:t>
+            </a:r>
+            <a:r>
+              <a:rPr lang="en-US" dirty="0"/>
+              <a:t>):</a:t>
+            </a:r>
+          </a:p>
+          <a:p>
+            <a:pPr lvl="1"/>
+            <a:r>
+              <a:rPr lang="en-US" dirty="0"/>
+              <a:t>Maintained by the Stanford Research Institute (SRI)</a:t>
+            </a:r>
+          </a:p>
+          <a:p>
+            <a:pPr lvl="1"/>
+            <a:r>
+              <a:rPr lang="en-US" dirty="0"/>
+              <a:t>Changes were submitted by email and updates downloaded periodically from SRI</a:t>
+            </a:r>
+          </a:p>
+          <a:p>
+            <a:r>
+              <a:rPr lang="en-US" dirty="0"/>
+              <a:t>As the Internet grew SRI couldn’t handle load</a:t>
+            </a:r>
+          </a:p>
+          <a:p>
+            <a:pPr lvl="1"/>
+            <a:r>
+              <a:rPr lang="en-US" dirty="0"/>
+              <a:t>Names were not unique anymore</a:t>
+            </a:r>
+          </a:p>
+          <a:p>
+            <a:pPr lvl="1"/>
+            <a:r>
+              <a:rPr lang="en-US" dirty="0"/>
+              <a:t>Hosts had inaccurate copies of </a:t>
+            </a:r>
+            <a:r>
+              <a:rPr lang="en-US" dirty="0" err="1">
+                <a:latin typeface="Lucida Console" charset="0"/>
+                <a:ea typeface="Lucida Console" charset="0"/>
+                <a:cs typeface="Lucida Console" charset="0"/>
+              </a:rPr>
+              <a:t>hosts.txt</a:t>
+            </a:r>
             <a:endParaRPr lang="en-US" dirty="0">
               <a:latin typeface="Lucida Console" charset="0"/>
               <a:ea typeface="Lucida Console" charset="0"/>
               <a:cs typeface="Lucida Console" charset="0"/>
             </a:endParaRPr>
           </a:p>
-          <a:p>
-            <a:r>
-              <a:rPr lang="en-US" dirty="0"/>
-              <a:t>The Domain Name System (DNS) was invented to fix this</a:t>
-            </a:r>
-          </a:p>
-        </p:txBody>
-      </p:sp>
-      <p:sp>
-        <p:nvSpPr>
-          <p:cNvPr id="2" name="Date Placeholder 1"/>
+        </p:txBody>
+      </p:sp>
+      <p:sp>
+        <p:nvSpPr>
+          <p:cNvPr id="4" name="Date Placeholder 3"/>
           <p:cNvSpPr>
             <a:spLocks noGrp="1"/>
           </p:cNvSpPr>
@@ -8993,7 +8705,7 @@
       </p:sp>
       <p:sp>
         <p:nvSpPr>
-          <p:cNvPr id="3" name="Footer Placeholder 2"/>
+          <p:cNvPr id="5" name="Footer Placeholder 4"/>
           <p:cNvSpPr>
             <a:spLocks noGrp="1"/>
           </p:cNvSpPr>
@@ -9018,7 +8730,7 @@
       </p:sp>
       <p:sp>
         <p:nvSpPr>
-          <p:cNvPr id="4" name="Slide Number Placeholder 3"/>
+          <p:cNvPr id="6" name="Slide Number Placeholder 5"/>
           <p:cNvSpPr>
             <a:spLocks noGrp="1"/>
           </p:cNvSpPr>
@@ -9043,7 +8755,7 @@
     </p:spTree>
     <p:extLst>
       <p:ext uri="{BB962C8B-B14F-4D97-AF65-F5344CB8AC3E}">
-        <p14:creationId xmlns:p14="http://schemas.microsoft.com/office/powerpoint/2010/main" val="1061395262"/>
+        <p14:creationId xmlns:p14="http://schemas.microsoft.com/office/powerpoint/2010/main" val="1325638844"/>
       </p:ext>
     </p:extLst>
   </p:cSld>
@@ -16631,7 +16343,7 @@
           <a:p>
             <a:r>
               <a:rPr lang="en-US" dirty="0"/>
-              <a:t>Each server needs to know other servers that are responsible for the other portions of the hierarchy</a:t>
+              <a:t>Each server needs to know other servers responsible for other portions of the hierarchy</a:t>
             </a:r>
           </a:p>
           <a:p>
@@ -19408,9 +19120,9 @@
       </p:grpSpPr>
       <p:sp>
         <p:nvSpPr>
-          <p:cNvPr id="75779" name="Rectangle 2"/>
+          <p:cNvPr id="7" name="Title 6"/>
           <p:cNvSpPr>
-            <a:spLocks noGrp="1" noChangeArrowheads="1"/>
+            <a:spLocks noGrp="1"/>
           </p:cNvSpPr>
           <p:nvPr>
             <p:ph type="title"/>
@@ -19423,19 +19135,19 @@
           <a:p>
             <a:r>
               <a:rPr lang="en-US" dirty="0"/>
-              <a:t>DNS root servers</a:t>
-            </a:r>
-          </a:p>
-        </p:txBody>
-      </p:sp>
-      <p:sp>
-        <p:nvSpPr>
-          <p:cNvPr id="4" name="Content Placeholder 3"/>
+              <a:t>5-minute break!</a:t>
+            </a:r>
+          </a:p>
+        </p:txBody>
+      </p:sp>
+      <p:sp>
+        <p:nvSpPr>
+          <p:cNvPr id="8" name="Text Placeholder 7"/>
           <p:cNvSpPr>
             <a:spLocks noGrp="1"/>
           </p:cNvSpPr>
           <p:nvPr>
-            <p:ph idx="1"/>
+            <p:ph type="body" idx="1"/>
           </p:nvPr>
         </p:nvSpPr>
         <p:spPr/>
@@ -19443,1822 +19155,13 @@
           <a:bodyPr/>
           <a:lstStyle/>
           <a:p>
-            <a:r>
-              <a:rPr lang="en-US" dirty="0"/>
-              <a:t>13 root servers replicated via </a:t>
-            </a:r>
-            <a:r>
-              <a:rPr lang="en-US" dirty="0">
-                <a:solidFill>
-                  <a:srgbClr val="0000FF"/>
-                </a:solidFill>
-              </a:rPr>
-              <a:t>anycast</a:t>
-            </a:r>
-          </a:p>
-        </p:txBody>
-      </p:sp>
-      <p:sp>
-        <p:nvSpPr>
-          <p:cNvPr id="75781" name="AutoShape 4"/>
-          <p:cNvSpPr>
-            <a:spLocks noChangeAspect="1" noChangeArrowheads="1"/>
-          </p:cNvSpPr>
-          <p:nvPr/>
-        </p:nvSpPr>
-        <p:spPr bwMode="auto">
-          <a:xfrm>
-            <a:off x="457200" y="3214688"/>
-            <a:ext cx="7234238" cy="3643312"/>
-          </a:xfrm>
-          <a:prstGeom prst="rect">
-            <a:avLst/>
-          </a:prstGeom>
-          <a:noFill/>
-          <a:ln>
-            <a:noFill/>
-          </a:ln>
-          <a:extLst>
-            <a:ext uri="{909E8E84-426E-40dd-AFC4-6F175D3DCCD1}">
-              <a14:hiddenFill xmlns:a14="http://schemas.microsoft.com/office/drawing/2010/main" xmlns="">
-                <a:solidFill>
-                  <a:srgbClr val="FFFFFF"/>
-                </a:solidFill>
-              </a14:hiddenFill>
-            </a:ext>
-            <a:ext uri="{91240B29-F687-4f45-9708-019B960494DF}">
-              <a14:hiddenLine xmlns:a14="http://schemas.microsoft.com/office/drawing/2010/main" xmlns="" w="9525">
-                <a:solidFill>
-                  <a:srgbClr val="000000"/>
-                </a:solidFill>
-                <a:miter lim="800000"/>
-                <a:headEnd/>
-                <a:tailEnd/>
-              </a14:hiddenLine>
-            </a:ext>
-          </a:extLst>
-        </p:spPr>
-        <p:txBody>
-          <a:bodyPr/>
-          <a:lstStyle/>
-          <a:p>
             <a:endParaRPr lang="en-US"/>
           </a:p>
         </p:txBody>
       </p:sp>
-      <p:pic>
-        <p:nvPicPr>
-          <p:cNvPr id="75782" name="Picture 5" descr="worldf"/>
-          <p:cNvPicPr>
-            <a:picLocks noChangeAspect="1" noChangeArrowheads="1"/>
-          </p:cNvPicPr>
-          <p:nvPr/>
-        </p:nvPicPr>
-        <p:blipFill>
-          <a:blip r:embed="rId3">
-            <a:extLst>
-              <a:ext uri="{28A0092B-C50C-407E-A947-70E740481C1C}">
-                <a14:useLocalDpi xmlns:a14="http://schemas.microsoft.com/office/drawing/2010/main" val="0"/>
-              </a:ext>
-            </a:extLst>
-          </a:blip>
-          <a:srcRect/>
-          <a:stretch>
-            <a:fillRect/>
-          </a:stretch>
-        </p:blipFill>
-        <p:spPr bwMode="auto">
-          <a:xfrm>
-            <a:off x="2133600" y="4065588"/>
-            <a:ext cx="5400675" cy="2667000"/>
-          </a:xfrm>
-          <a:prstGeom prst="rect">
-            <a:avLst/>
-          </a:prstGeom>
-          <a:noFill/>
-          <a:ln>
-            <a:noFill/>
-          </a:ln>
-          <a:extLst>
-            <a:ext uri="{909E8E84-426E-40dd-AFC4-6F175D3DCCD1}">
-              <a14:hiddenFill xmlns:a14="http://schemas.microsoft.com/office/drawing/2010/main" xmlns="">
-                <a:solidFill>
-                  <a:srgbClr val="FFFFFF"/>
-                </a:solidFill>
-              </a14:hiddenFill>
-            </a:ext>
-            <a:ext uri="{91240B29-F687-4f45-9708-019B960494DF}">
-              <a14:hiddenLine xmlns:a14="http://schemas.microsoft.com/office/drawing/2010/main" xmlns="" w="9525">
-                <a:solidFill>
-                  <a:srgbClr val="000000"/>
-                </a:solidFill>
-                <a:miter lim="800000"/>
-                <a:headEnd/>
-                <a:tailEnd/>
-              </a14:hiddenLine>
-            </a:ext>
-          </a:extLst>
-        </p:spPr>
-      </p:pic>
-      <p:sp>
-        <p:nvSpPr>
-          <p:cNvPr id="75783" name="Freeform 6"/>
-          <p:cNvSpPr>
-            <a:spLocks/>
-          </p:cNvSpPr>
-          <p:nvPr/>
-        </p:nvSpPr>
-        <p:spPr bwMode="auto">
-          <a:xfrm>
-            <a:off x="2605088" y="3267075"/>
-            <a:ext cx="804862" cy="1511300"/>
-          </a:xfrm>
-          <a:custGeom>
-            <a:avLst/>
-            <a:gdLst>
-              <a:gd name="T0" fmla="*/ 0 w 963"/>
-              <a:gd name="T1" fmla="*/ 0 h 1893"/>
-              <a:gd name="T2" fmla="*/ 0 w 963"/>
-              <a:gd name="T3" fmla="*/ 742477 h 1893"/>
-              <a:gd name="T4" fmla="*/ 804862 w 963"/>
-              <a:gd name="T5" fmla="*/ 1511300 h 1893"/>
-              <a:gd name="T6" fmla="*/ 0 60000 65536"/>
-              <a:gd name="T7" fmla="*/ 0 60000 65536"/>
-              <a:gd name="T8" fmla="*/ 0 60000 65536"/>
-              <a:gd name="T9" fmla="*/ 0 w 963"/>
-              <a:gd name="T10" fmla="*/ 0 h 1893"/>
-              <a:gd name="T11" fmla="*/ 963 w 963"/>
-              <a:gd name="T12" fmla="*/ 1893 h 1893"/>
-            </a:gdLst>
-            <a:ahLst/>
-            <a:cxnLst>
-              <a:cxn ang="T6">
-                <a:pos x="T0" y="T1"/>
-              </a:cxn>
-              <a:cxn ang="T7">
-                <a:pos x="T2" y="T3"/>
-              </a:cxn>
-              <a:cxn ang="T8">
-                <a:pos x="T4" y="T5"/>
-              </a:cxn>
-            </a:cxnLst>
-            <a:rect l="T9" t="T10" r="T11" b="T12"/>
-            <a:pathLst>
-              <a:path w="963" h="1893">
-                <a:moveTo>
-                  <a:pt x="0" y="0"/>
-                </a:moveTo>
-                <a:lnTo>
-                  <a:pt x="0" y="930"/>
-                </a:lnTo>
-                <a:lnTo>
-                  <a:pt x="963" y="1893"/>
-                </a:lnTo>
-              </a:path>
-            </a:pathLst>
-          </a:custGeom>
-          <a:noFill/>
-          <a:ln w="19050">
-            <a:solidFill>
-              <a:srgbClr val="000000"/>
-            </a:solidFill>
-            <a:round/>
-            <a:headEnd/>
-            <a:tailEnd type="triangle" w="med" len="med"/>
-          </a:ln>
-          <a:extLst>
-            <a:ext uri="{909E8E84-426E-40dd-AFC4-6F175D3DCCD1}">
-              <a14:hiddenFill xmlns:a14="http://schemas.microsoft.com/office/drawing/2010/main" xmlns="">
-                <a:solidFill>
-                  <a:srgbClr val="FFFFFF"/>
-                </a:solidFill>
-              </a14:hiddenFill>
-            </a:ext>
-          </a:extLst>
-        </p:spPr>
-        <p:txBody>
-          <a:bodyPr/>
-          <a:lstStyle/>
-          <a:p>
-            <a:endParaRPr lang="en-US"/>
-          </a:p>
-        </p:txBody>
-      </p:sp>
-      <p:sp>
-        <p:nvSpPr>
-          <p:cNvPr id="75784" name="Text Box 7"/>
-          <p:cNvSpPr txBox="1">
-            <a:spLocks noChangeArrowheads="1"/>
-          </p:cNvSpPr>
-          <p:nvPr/>
-        </p:nvSpPr>
-        <p:spPr bwMode="auto">
-          <a:xfrm>
-            <a:off x="654050" y="5627688"/>
-            <a:ext cx="2633663" cy="452437"/>
-          </a:xfrm>
-          <a:prstGeom prst="rect">
-            <a:avLst/>
-          </a:prstGeom>
-          <a:noFill/>
-          <a:ln>
-            <a:noFill/>
-          </a:ln>
-          <a:extLst>
-            <a:ext uri="{909E8E84-426E-40dd-AFC4-6F175D3DCCD1}">
-              <a14:hiddenFill xmlns:a14="http://schemas.microsoft.com/office/drawing/2010/main" xmlns="">
-                <a:solidFill>
-                  <a:srgbClr val="FFFFFF"/>
-                </a:solidFill>
-              </a14:hiddenFill>
-            </a:ext>
-            <a:ext uri="{91240B29-F687-4f45-9708-019B960494DF}">
-              <a14:hiddenLine xmlns:a14="http://schemas.microsoft.com/office/drawing/2010/main" xmlns="" w="9525">
-                <a:solidFill>
-                  <a:srgbClr val="000000"/>
-                </a:solidFill>
-                <a:miter lim="800000"/>
-                <a:headEnd/>
-                <a:tailEnd/>
-              </a14:hiddenLine>
-            </a:ext>
-          </a:extLst>
-        </p:spPr>
-        <p:txBody>
-          <a:bodyPr lIns="71323" tIns="35662" rIns="71323" bIns="35662"/>
-          <a:lstStyle>
-            <a:lvl1pPr eaLnBrk="0" hangingPunct="0">
-              <a:defRPr sz="2000" b="1">
-                <a:solidFill>
-                  <a:schemeClr val="tx1"/>
-                </a:solidFill>
-                <a:latin typeface="Courier New" charset="0"/>
-                <a:ea typeface="ＭＳ Ｐゴシック" charset="0"/>
-                <a:cs typeface="Arial" charset="0"/>
-              </a:defRPr>
-            </a:lvl1pPr>
-            <a:lvl2pPr marL="37931725" indent="-37474525" eaLnBrk="0" hangingPunct="0">
-              <a:defRPr sz="2000" b="1">
-                <a:solidFill>
-                  <a:schemeClr val="tx1"/>
-                </a:solidFill>
-                <a:latin typeface="Courier New" charset="0"/>
-                <a:ea typeface="Arial" charset="0"/>
-                <a:cs typeface="Arial" charset="0"/>
-              </a:defRPr>
-            </a:lvl2pPr>
-            <a:lvl3pPr eaLnBrk="0" hangingPunct="0">
-              <a:defRPr sz="2000" b="1">
-                <a:solidFill>
-                  <a:schemeClr val="tx1"/>
-                </a:solidFill>
-                <a:latin typeface="Courier New" charset="0"/>
-                <a:ea typeface="Arial" charset="0"/>
-                <a:cs typeface="Arial" charset="0"/>
-              </a:defRPr>
-            </a:lvl3pPr>
-            <a:lvl4pPr eaLnBrk="0" hangingPunct="0">
-              <a:defRPr sz="2000" b="1">
-                <a:solidFill>
-                  <a:schemeClr val="tx1"/>
-                </a:solidFill>
-                <a:latin typeface="Courier New" charset="0"/>
-                <a:ea typeface="Arial" charset="0"/>
-                <a:cs typeface="Arial" charset="0"/>
-              </a:defRPr>
-            </a:lvl4pPr>
-            <a:lvl5pPr eaLnBrk="0" hangingPunct="0">
-              <a:defRPr sz="2000" b="1">
-                <a:solidFill>
-                  <a:schemeClr val="tx1"/>
-                </a:solidFill>
-                <a:latin typeface="Courier New" charset="0"/>
-                <a:ea typeface="Arial" charset="0"/>
-                <a:cs typeface="Arial" charset="0"/>
-              </a:defRPr>
-            </a:lvl5pPr>
-            <a:lvl6pPr marL="457200" eaLnBrk="0" fontAlgn="base" hangingPunct="0">
-              <a:spcBef>
-                <a:spcPct val="0"/>
-              </a:spcBef>
-              <a:spcAft>
-                <a:spcPct val="0"/>
-              </a:spcAft>
-              <a:defRPr sz="2000" b="1">
-                <a:solidFill>
-                  <a:schemeClr val="tx1"/>
-                </a:solidFill>
-                <a:latin typeface="Courier New" charset="0"/>
-                <a:ea typeface="Arial" charset="0"/>
-                <a:cs typeface="Arial" charset="0"/>
-              </a:defRPr>
-            </a:lvl6pPr>
-            <a:lvl7pPr marL="914400" eaLnBrk="0" fontAlgn="base" hangingPunct="0">
-              <a:spcBef>
-                <a:spcPct val="0"/>
-              </a:spcBef>
-              <a:spcAft>
-                <a:spcPct val="0"/>
-              </a:spcAft>
-              <a:defRPr sz="2000" b="1">
-                <a:solidFill>
-                  <a:schemeClr val="tx1"/>
-                </a:solidFill>
-                <a:latin typeface="Courier New" charset="0"/>
-                <a:ea typeface="Arial" charset="0"/>
-                <a:cs typeface="Arial" charset="0"/>
-              </a:defRPr>
-            </a:lvl7pPr>
-            <a:lvl8pPr marL="1371600" eaLnBrk="0" fontAlgn="base" hangingPunct="0">
-              <a:spcBef>
-                <a:spcPct val="0"/>
-              </a:spcBef>
-              <a:spcAft>
-                <a:spcPct val="0"/>
-              </a:spcAft>
-              <a:defRPr sz="2000" b="1">
-                <a:solidFill>
-                  <a:schemeClr val="tx1"/>
-                </a:solidFill>
-                <a:latin typeface="Courier New" charset="0"/>
-                <a:ea typeface="Arial" charset="0"/>
-                <a:cs typeface="Arial" charset="0"/>
-              </a:defRPr>
-            </a:lvl8pPr>
-            <a:lvl9pPr marL="1828800" eaLnBrk="0" fontAlgn="base" hangingPunct="0">
-              <a:spcBef>
-                <a:spcPct val="0"/>
-              </a:spcBef>
-              <a:spcAft>
-                <a:spcPct val="0"/>
-              </a:spcAft>
-              <a:defRPr sz="2000" b="1">
-                <a:solidFill>
-                  <a:schemeClr val="tx1"/>
-                </a:solidFill>
-                <a:latin typeface="Courier New" charset="0"/>
-                <a:ea typeface="Arial" charset="0"/>
-                <a:cs typeface="Arial" charset="0"/>
-              </a:defRPr>
-            </a:lvl9pPr>
-          </a:lstStyle>
-          <a:p>
-            <a:pPr algn="l"/>
-            <a:r>
-              <a:rPr lang="en-US" sz="1400" b="0">
-                <a:solidFill>
-                  <a:srgbClr val="000000"/>
-                </a:solidFill>
-                <a:latin typeface="Arial" charset="0"/>
-              </a:rPr>
-              <a:t>B USC-ISI Marina del Rey, CA</a:t>
-            </a:r>
-          </a:p>
-          <a:p>
-            <a:pPr algn="l"/>
-            <a:r>
-              <a:rPr lang="en-US" sz="1400" b="0">
-                <a:solidFill>
-                  <a:srgbClr val="000000"/>
-                </a:solidFill>
-                <a:latin typeface="Arial" charset="0"/>
-              </a:rPr>
-              <a:t>L ICANN Los Angeles, CA</a:t>
-            </a:r>
-          </a:p>
-          <a:p>
-            <a:pPr algn="ctr"/>
-            <a:endParaRPr lang="en-US" sz="2400" b="0">
-              <a:latin typeface="Times New Roman" charset="0"/>
-            </a:endParaRPr>
-          </a:p>
-        </p:txBody>
-      </p:sp>
-      <p:sp>
-        <p:nvSpPr>
-          <p:cNvPr id="75785" name="Freeform 8"/>
-          <p:cNvSpPr>
-            <a:spLocks/>
-          </p:cNvSpPr>
-          <p:nvPr/>
-        </p:nvSpPr>
-        <p:spPr bwMode="auto">
-          <a:xfrm>
-            <a:off x="1789113" y="4965700"/>
-            <a:ext cx="952500" cy="668338"/>
-          </a:xfrm>
-          <a:custGeom>
-            <a:avLst/>
-            <a:gdLst>
-              <a:gd name="T0" fmla="*/ 0 w 582"/>
-              <a:gd name="T1" fmla="*/ 668338 h 426"/>
-              <a:gd name="T2" fmla="*/ 952500 w 582"/>
-              <a:gd name="T3" fmla="*/ 0 h 426"/>
-              <a:gd name="T4" fmla="*/ 0 60000 65536"/>
-              <a:gd name="T5" fmla="*/ 0 60000 65536"/>
-              <a:gd name="T6" fmla="*/ 0 w 582"/>
-              <a:gd name="T7" fmla="*/ 0 h 426"/>
-              <a:gd name="T8" fmla="*/ 582 w 582"/>
-              <a:gd name="T9" fmla="*/ 426 h 426"/>
-            </a:gdLst>
-            <a:ahLst/>
-            <a:cxnLst>
-              <a:cxn ang="T4">
-                <a:pos x="T0" y="T1"/>
-              </a:cxn>
-              <a:cxn ang="T5">
-                <a:pos x="T2" y="T3"/>
-              </a:cxn>
-            </a:cxnLst>
-            <a:rect l="T6" t="T7" r="T8" b="T9"/>
-            <a:pathLst>
-              <a:path w="582" h="426">
-                <a:moveTo>
-                  <a:pt x="0" y="426"/>
-                </a:moveTo>
-                <a:lnTo>
-                  <a:pt x="582" y="0"/>
-                </a:lnTo>
-              </a:path>
-            </a:pathLst>
-          </a:custGeom>
-          <a:noFill/>
-          <a:ln w="19050">
-            <a:solidFill>
-              <a:srgbClr val="000000"/>
-            </a:solidFill>
-            <a:round/>
-            <a:headEnd/>
-            <a:tailEnd type="triangle" w="med" len="med"/>
-          </a:ln>
-          <a:extLst>
-            <a:ext uri="{909E8E84-426E-40dd-AFC4-6F175D3DCCD1}">
-              <a14:hiddenFill xmlns:a14="http://schemas.microsoft.com/office/drawing/2010/main" xmlns="">
-                <a:solidFill>
-                  <a:srgbClr val="FFFFFF"/>
-                </a:solidFill>
-              </a14:hiddenFill>
-            </a:ext>
-          </a:extLst>
-        </p:spPr>
-        <p:txBody>
-          <a:bodyPr/>
-          <a:lstStyle/>
-          <a:p>
-            <a:endParaRPr lang="en-US"/>
-          </a:p>
-        </p:txBody>
-      </p:sp>
-      <p:sp>
-        <p:nvSpPr>
-          <p:cNvPr id="75786" name="Text Box 9"/>
-          <p:cNvSpPr txBox="1">
-            <a:spLocks noChangeArrowheads="1"/>
-          </p:cNvSpPr>
-          <p:nvPr/>
-        </p:nvSpPr>
-        <p:spPr bwMode="auto">
-          <a:xfrm>
-            <a:off x="347663" y="3903663"/>
-            <a:ext cx="2573337" cy="960437"/>
-          </a:xfrm>
-          <a:prstGeom prst="rect">
-            <a:avLst/>
-          </a:prstGeom>
-          <a:noFill/>
-          <a:ln>
-            <a:noFill/>
-          </a:ln>
-          <a:extLst>
-            <a:ext uri="{909E8E84-426E-40dd-AFC4-6F175D3DCCD1}">
-              <a14:hiddenFill xmlns:a14="http://schemas.microsoft.com/office/drawing/2010/main" xmlns="">
-                <a:solidFill>
-                  <a:srgbClr val="FFFFFF"/>
-                </a:solidFill>
-              </a14:hiddenFill>
-            </a:ext>
-            <a:ext uri="{91240B29-F687-4f45-9708-019B960494DF}">
-              <a14:hiddenLine xmlns:a14="http://schemas.microsoft.com/office/drawing/2010/main" xmlns="" w="9525">
-                <a:solidFill>
-                  <a:srgbClr val="000000"/>
-                </a:solidFill>
-                <a:miter lim="800000"/>
-                <a:headEnd/>
-                <a:tailEnd/>
-              </a14:hiddenLine>
-            </a:ext>
-          </a:extLst>
-        </p:spPr>
-        <p:txBody>
-          <a:bodyPr lIns="71323" tIns="35662" rIns="71323" bIns="35662"/>
-          <a:lstStyle>
-            <a:lvl1pPr eaLnBrk="0" hangingPunct="0">
-              <a:defRPr sz="2000" b="1">
-                <a:solidFill>
-                  <a:schemeClr val="tx1"/>
-                </a:solidFill>
-                <a:latin typeface="Courier New" charset="0"/>
-                <a:ea typeface="ＭＳ Ｐゴシック" charset="0"/>
-                <a:cs typeface="Arial" charset="0"/>
-              </a:defRPr>
-            </a:lvl1pPr>
-            <a:lvl2pPr marL="37931725" indent="-37474525" eaLnBrk="0" hangingPunct="0">
-              <a:defRPr sz="2000" b="1">
-                <a:solidFill>
-                  <a:schemeClr val="tx1"/>
-                </a:solidFill>
-                <a:latin typeface="Courier New" charset="0"/>
-                <a:ea typeface="Arial" charset="0"/>
-                <a:cs typeface="Arial" charset="0"/>
-              </a:defRPr>
-            </a:lvl2pPr>
-            <a:lvl3pPr eaLnBrk="0" hangingPunct="0">
-              <a:defRPr sz="2000" b="1">
-                <a:solidFill>
-                  <a:schemeClr val="tx1"/>
-                </a:solidFill>
-                <a:latin typeface="Courier New" charset="0"/>
-                <a:ea typeface="Arial" charset="0"/>
-                <a:cs typeface="Arial" charset="0"/>
-              </a:defRPr>
-            </a:lvl3pPr>
-            <a:lvl4pPr eaLnBrk="0" hangingPunct="0">
-              <a:defRPr sz="2000" b="1">
-                <a:solidFill>
-                  <a:schemeClr val="tx1"/>
-                </a:solidFill>
-                <a:latin typeface="Courier New" charset="0"/>
-                <a:ea typeface="Arial" charset="0"/>
-                <a:cs typeface="Arial" charset="0"/>
-              </a:defRPr>
-            </a:lvl4pPr>
-            <a:lvl5pPr eaLnBrk="0" hangingPunct="0">
-              <a:defRPr sz="2000" b="1">
-                <a:solidFill>
-                  <a:schemeClr val="tx1"/>
-                </a:solidFill>
-                <a:latin typeface="Courier New" charset="0"/>
-                <a:ea typeface="Arial" charset="0"/>
-                <a:cs typeface="Arial" charset="0"/>
-              </a:defRPr>
-            </a:lvl5pPr>
-            <a:lvl6pPr marL="457200" eaLnBrk="0" fontAlgn="base" hangingPunct="0">
-              <a:spcBef>
-                <a:spcPct val="0"/>
-              </a:spcBef>
-              <a:spcAft>
-                <a:spcPct val="0"/>
-              </a:spcAft>
-              <a:defRPr sz="2000" b="1">
-                <a:solidFill>
-                  <a:schemeClr val="tx1"/>
-                </a:solidFill>
-                <a:latin typeface="Courier New" charset="0"/>
-                <a:ea typeface="Arial" charset="0"/>
-                <a:cs typeface="Arial" charset="0"/>
-              </a:defRPr>
-            </a:lvl6pPr>
-            <a:lvl7pPr marL="914400" eaLnBrk="0" fontAlgn="base" hangingPunct="0">
-              <a:spcBef>
-                <a:spcPct val="0"/>
-              </a:spcBef>
-              <a:spcAft>
-                <a:spcPct val="0"/>
-              </a:spcAft>
-              <a:defRPr sz="2000" b="1">
-                <a:solidFill>
-                  <a:schemeClr val="tx1"/>
-                </a:solidFill>
-                <a:latin typeface="Courier New" charset="0"/>
-                <a:ea typeface="Arial" charset="0"/>
-                <a:cs typeface="Arial" charset="0"/>
-              </a:defRPr>
-            </a:lvl7pPr>
-            <a:lvl8pPr marL="1371600" eaLnBrk="0" fontAlgn="base" hangingPunct="0">
-              <a:spcBef>
-                <a:spcPct val="0"/>
-              </a:spcBef>
-              <a:spcAft>
-                <a:spcPct val="0"/>
-              </a:spcAft>
-              <a:defRPr sz="2000" b="1">
-                <a:solidFill>
-                  <a:schemeClr val="tx1"/>
-                </a:solidFill>
-                <a:latin typeface="Courier New" charset="0"/>
-                <a:ea typeface="Arial" charset="0"/>
-                <a:cs typeface="Arial" charset="0"/>
-              </a:defRPr>
-            </a:lvl8pPr>
-            <a:lvl9pPr marL="1828800" eaLnBrk="0" fontAlgn="base" hangingPunct="0">
-              <a:spcBef>
-                <a:spcPct val="0"/>
-              </a:spcBef>
-              <a:spcAft>
-                <a:spcPct val="0"/>
-              </a:spcAft>
-              <a:defRPr sz="2000" b="1">
-                <a:solidFill>
-                  <a:schemeClr val="tx1"/>
-                </a:solidFill>
-                <a:latin typeface="Courier New" charset="0"/>
-                <a:ea typeface="Arial" charset="0"/>
-                <a:cs typeface="Arial" charset="0"/>
-              </a:defRPr>
-            </a:lvl9pPr>
-          </a:lstStyle>
-          <a:p>
-            <a:pPr algn="l"/>
-            <a:r>
-              <a:rPr lang="en-US" sz="1400" b="0">
-                <a:solidFill>
-                  <a:srgbClr val="000000"/>
-                </a:solidFill>
-                <a:latin typeface="Arial" charset="0"/>
-              </a:rPr>
-              <a:t>E NASA Mt View, CA</a:t>
-            </a:r>
-          </a:p>
-          <a:p>
-            <a:pPr algn="l"/>
-            <a:r>
-              <a:rPr lang="en-US" sz="1400" b="0">
-                <a:solidFill>
-                  <a:srgbClr val="000000"/>
-                </a:solidFill>
-                <a:latin typeface="Arial" charset="0"/>
-              </a:rPr>
-              <a:t>F  Internet Software</a:t>
-            </a:r>
-          </a:p>
-          <a:p>
-            <a:pPr algn="l"/>
-            <a:r>
-              <a:rPr lang="en-US" sz="1400" b="0">
-                <a:solidFill>
-                  <a:srgbClr val="000000"/>
-                </a:solidFill>
-                <a:latin typeface="Arial" charset="0"/>
-              </a:rPr>
-              <a:t>    Consortium,</a:t>
-            </a:r>
-          </a:p>
-          <a:p>
-            <a:pPr algn="l"/>
-            <a:r>
-              <a:rPr lang="en-US" sz="1400" b="0">
-                <a:solidFill>
-                  <a:srgbClr val="000000"/>
-                </a:solidFill>
-                <a:latin typeface="Arial" charset="0"/>
-              </a:rPr>
-              <a:t>    Palo</a:t>
-            </a:r>
-            <a:r>
-              <a:rPr lang="en-US" sz="1200" b="0">
-                <a:solidFill>
-                  <a:srgbClr val="000000"/>
-                </a:solidFill>
-                <a:latin typeface="Arial" charset="0"/>
-              </a:rPr>
-              <a:t> </a:t>
-            </a:r>
-            <a:r>
-              <a:rPr lang="en-US" sz="1400" b="0">
-                <a:solidFill>
-                  <a:srgbClr val="000000"/>
-                </a:solidFill>
-                <a:latin typeface="Arial" charset="0"/>
-              </a:rPr>
-              <a:t>Alto, CA</a:t>
-            </a:r>
-          </a:p>
-          <a:p>
-            <a:pPr algn="l"/>
-            <a:r>
-              <a:rPr lang="en-US" sz="1400" b="0">
-                <a:solidFill>
-                  <a:srgbClr val="000000"/>
-                </a:solidFill>
-                <a:latin typeface="Arial" charset="0"/>
-              </a:rPr>
-              <a:t>   (and 37 other locations)</a:t>
-            </a:r>
-          </a:p>
-          <a:p>
-            <a:pPr algn="ctr"/>
-            <a:endParaRPr lang="en-US" sz="3200" b="0">
-              <a:latin typeface="Times New Roman" charset="0"/>
-            </a:endParaRPr>
-          </a:p>
-        </p:txBody>
-      </p:sp>
-      <p:sp>
-        <p:nvSpPr>
-          <p:cNvPr id="75787" name="Freeform 10"/>
-          <p:cNvSpPr>
-            <a:spLocks/>
-          </p:cNvSpPr>
-          <p:nvPr/>
-        </p:nvSpPr>
-        <p:spPr bwMode="auto">
-          <a:xfrm flipV="1">
-            <a:off x="1660525" y="4665663"/>
-            <a:ext cx="1022350" cy="225425"/>
-          </a:xfrm>
-          <a:custGeom>
-            <a:avLst/>
-            <a:gdLst>
-              <a:gd name="T0" fmla="*/ 0 w 582"/>
-              <a:gd name="T1" fmla="*/ 225425 h 426"/>
-              <a:gd name="T2" fmla="*/ 1022350 w 582"/>
-              <a:gd name="T3" fmla="*/ 0 h 426"/>
-              <a:gd name="T4" fmla="*/ 0 60000 65536"/>
-              <a:gd name="T5" fmla="*/ 0 60000 65536"/>
-              <a:gd name="T6" fmla="*/ 0 w 582"/>
-              <a:gd name="T7" fmla="*/ 0 h 426"/>
-              <a:gd name="T8" fmla="*/ 582 w 582"/>
-              <a:gd name="T9" fmla="*/ 426 h 426"/>
-            </a:gdLst>
-            <a:ahLst/>
-            <a:cxnLst>
-              <a:cxn ang="T4">
-                <a:pos x="T0" y="T1"/>
-              </a:cxn>
-              <a:cxn ang="T5">
-                <a:pos x="T2" y="T3"/>
-              </a:cxn>
-            </a:cxnLst>
-            <a:rect l="T6" t="T7" r="T8" b="T9"/>
-            <a:pathLst>
-              <a:path w="582" h="426">
-                <a:moveTo>
-                  <a:pt x="0" y="426"/>
-                </a:moveTo>
-                <a:lnTo>
-                  <a:pt x="582" y="0"/>
-                </a:lnTo>
-              </a:path>
-            </a:pathLst>
-          </a:custGeom>
-          <a:noFill/>
-          <a:ln w="19050">
-            <a:solidFill>
-              <a:srgbClr val="000000"/>
-            </a:solidFill>
-            <a:round/>
-            <a:headEnd/>
-            <a:tailEnd type="triangle" w="med" len="med"/>
-          </a:ln>
-          <a:extLst>
-            <a:ext uri="{909E8E84-426E-40dd-AFC4-6F175D3DCCD1}">
-              <a14:hiddenFill xmlns:a14="http://schemas.microsoft.com/office/drawing/2010/main" xmlns="">
-                <a:solidFill>
-                  <a:srgbClr val="FFFFFF"/>
-                </a:solidFill>
-              </a14:hiddenFill>
-            </a:ext>
-          </a:extLst>
-        </p:spPr>
-        <p:txBody>
-          <a:bodyPr/>
-          <a:lstStyle/>
-          <a:p>
-            <a:endParaRPr lang="en-US"/>
-          </a:p>
-        </p:txBody>
-      </p:sp>
-      <p:sp>
-        <p:nvSpPr>
-          <p:cNvPr id="75788" name="Text Box 11"/>
-          <p:cNvSpPr txBox="1">
-            <a:spLocks noChangeArrowheads="1"/>
-          </p:cNvSpPr>
-          <p:nvPr/>
-        </p:nvSpPr>
-        <p:spPr bwMode="auto">
-          <a:xfrm>
-            <a:off x="5253038" y="3570288"/>
-            <a:ext cx="2498725" cy="273050"/>
-          </a:xfrm>
-          <a:prstGeom prst="rect">
-            <a:avLst/>
-          </a:prstGeom>
-          <a:noFill/>
-          <a:ln>
-            <a:noFill/>
-          </a:ln>
-          <a:extLst>
-            <a:ext uri="{909E8E84-426E-40dd-AFC4-6F175D3DCCD1}">
-              <a14:hiddenFill xmlns:a14="http://schemas.microsoft.com/office/drawing/2010/main" xmlns="">
-                <a:solidFill>
-                  <a:srgbClr val="FFFFFF"/>
-                </a:solidFill>
-              </a14:hiddenFill>
-            </a:ext>
-            <a:ext uri="{91240B29-F687-4f45-9708-019B960494DF}">
-              <a14:hiddenLine xmlns:a14="http://schemas.microsoft.com/office/drawing/2010/main" xmlns="" w="9525">
-                <a:solidFill>
-                  <a:srgbClr val="000000"/>
-                </a:solidFill>
-                <a:miter lim="800000"/>
-                <a:headEnd/>
-                <a:tailEnd/>
-              </a14:hiddenLine>
-            </a:ext>
-          </a:extLst>
-        </p:spPr>
-        <p:txBody>
-          <a:bodyPr lIns="71323" tIns="35662" rIns="71323" bIns="35662"/>
-          <a:lstStyle>
-            <a:lvl1pPr eaLnBrk="0" hangingPunct="0">
-              <a:defRPr sz="2000" b="1">
-                <a:solidFill>
-                  <a:schemeClr val="tx1"/>
-                </a:solidFill>
-                <a:latin typeface="Courier New" charset="0"/>
-                <a:ea typeface="ＭＳ Ｐゴシック" charset="0"/>
-                <a:cs typeface="Arial" charset="0"/>
-              </a:defRPr>
-            </a:lvl1pPr>
-            <a:lvl2pPr marL="37931725" indent="-37474525" eaLnBrk="0" hangingPunct="0">
-              <a:defRPr sz="2000" b="1">
-                <a:solidFill>
-                  <a:schemeClr val="tx1"/>
-                </a:solidFill>
-                <a:latin typeface="Courier New" charset="0"/>
-                <a:ea typeface="Arial" charset="0"/>
-                <a:cs typeface="Arial" charset="0"/>
-              </a:defRPr>
-            </a:lvl2pPr>
-            <a:lvl3pPr eaLnBrk="0" hangingPunct="0">
-              <a:defRPr sz="2000" b="1">
-                <a:solidFill>
-                  <a:schemeClr val="tx1"/>
-                </a:solidFill>
-                <a:latin typeface="Courier New" charset="0"/>
-                <a:ea typeface="Arial" charset="0"/>
-                <a:cs typeface="Arial" charset="0"/>
-              </a:defRPr>
-            </a:lvl3pPr>
-            <a:lvl4pPr eaLnBrk="0" hangingPunct="0">
-              <a:defRPr sz="2000" b="1">
-                <a:solidFill>
-                  <a:schemeClr val="tx1"/>
-                </a:solidFill>
-                <a:latin typeface="Courier New" charset="0"/>
-                <a:ea typeface="Arial" charset="0"/>
-                <a:cs typeface="Arial" charset="0"/>
-              </a:defRPr>
-            </a:lvl4pPr>
-            <a:lvl5pPr eaLnBrk="0" hangingPunct="0">
-              <a:defRPr sz="2000" b="1">
-                <a:solidFill>
-                  <a:schemeClr val="tx1"/>
-                </a:solidFill>
-                <a:latin typeface="Courier New" charset="0"/>
-                <a:ea typeface="Arial" charset="0"/>
-                <a:cs typeface="Arial" charset="0"/>
-              </a:defRPr>
-            </a:lvl5pPr>
-            <a:lvl6pPr marL="457200" eaLnBrk="0" fontAlgn="base" hangingPunct="0">
-              <a:spcBef>
-                <a:spcPct val="0"/>
-              </a:spcBef>
-              <a:spcAft>
-                <a:spcPct val="0"/>
-              </a:spcAft>
-              <a:defRPr sz="2000" b="1">
-                <a:solidFill>
-                  <a:schemeClr val="tx1"/>
-                </a:solidFill>
-                <a:latin typeface="Courier New" charset="0"/>
-                <a:ea typeface="Arial" charset="0"/>
-                <a:cs typeface="Arial" charset="0"/>
-              </a:defRPr>
-            </a:lvl6pPr>
-            <a:lvl7pPr marL="914400" eaLnBrk="0" fontAlgn="base" hangingPunct="0">
-              <a:spcBef>
-                <a:spcPct val="0"/>
-              </a:spcBef>
-              <a:spcAft>
-                <a:spcPct val="0"/>
-              </a:spcAft>
-              <a:defRPr sz="2000" b="1">
-                <a:solidFill>
-                  <a:schemeClr val="tx1"/>
-                </a:solidFill>
-                <a:latin typeface="Courier New" charset="0"/>
-                <a:ea typeface="Arial" charset="0"/>
-                <a:cs typeface="Arial" charset="0"/>
-              </a:defRPr>
-            </a:lvl7pPr>
-            <a:lvl8pPr marL="1371600" eaLnBrk="0" fontAlgn="base" hangingPunct="0">
-              <a:spcBef>
-                <a:spcPct val="0"/>
-              </a:spcBef>
-              <a:spcAft>
-                <a:spcPct val="0"/>
-              </a:spcAft>
-              <a:defRPr sz="2000" b="1">
-                <a:solidFill>
-                  <a:schemeClr val="tx1"/>
-                </a:solidFill>
-                <a:latin typeface="Courier New" charset="0"/>
-                <a:ea typeface="Arial" charset="0"/>
-                <a:cs typeface="Arial" charset="0"/>
-              </a:defRPr>
-            </a:lvl8pPr>
-            <a:lvl9pPr marL="1828800" eaLnBrk="0" fontAlgn="base" hangingPunct="0">
-              <a:spcBef>
-                <a:spcPct val="0"/>
-              </a:spcBef>
-              <a:spcAft>
-                <a:spcPct val="0"/>
-              </a:spcAft>
-              <a:defRPr sz="2000" b="1">
-                <a:solidFill>
-                  <a:schemeClr val="tx1"/>
-                </a:solidFill>
-                <a:latin typeface="Courier New" charset="0"/>
-                <a:ea typeface="Arial" charset="0"/>
-                <a:cs typeface="Arial" charset="0"/>
-              </a:defRPr>
-            </a:lvl9pPr>
-          </a:lstStyle>
-          <a:p>
-            <a:r>
-              <a:rPr lang="en-US" sz="1400" b="0">
-                <a:solidFill>
-                  <a:srgbClr val="000000"/>
-                </a:solidFill>
-                <a:latin typeface="Arial" charset="0"/>
-              </a:rPr>
-              <a:t>I </a:t>
-            </a:r>
-            <a:r>
-              <a:rPr lang="en-US" sz="1400" b="0">
-                <a:latin typeface="Arial" charset="0"/>
-              </a:rPr>
-              <a:t>Autonomica,</a:t>
-            </a:r>
-            <a:r>
-              <a:rPr lang="en-US" sz="1400" b="0">
-                <a:solidFill>
-                  <a:srgbClr val="000000"/>
-                </a:solidFill>
-                <a:latin typeface="Arial" charset="0"/>
-              </a:rPr>
-              <a:t> Stockholm (plus 29 other locations)</a:t>
-            </a:r>
-          </a:p>
-        </p:txBody>
-      </p:sp>
-      <p:sp>
-        <p:nvSpPr>
-          <p:cNvPr id="75789" name="Freeform 12"/>
-          <p:cNvSpPr>
-            <a:spLocks/>
-          </p:cNvSpPr>
-          <p:nvPr/>
-        </p:nvSpPr>
-        <p:spPr bwMode="auto">
-          <a:xfrm>
-            <a:off x="4797425" y="3813175"/>
-            <a:ext cx="849313" cy="674688"/>
-          </a:xfrm>
-          <a:custGeom>
-            <a:avLst/>
-            <a:gdLst>
-              <a:gd name="T0" fmla="*/ 849313 w 666"/>
-              <a:gd name="T1" fmla="*/ 0 h 1005"/>
-              <a:gd name="T2" fmla="*/ 0 w 666"/>
-              <a:gd name="T3" fmla="*/ 674688 h 1005"/>
-              <a:gd name="T4" fmla="*/ 0 60000 65536"/>
-              <a:gd name="T5" fmla="*/ 0 60000 65536"/>
-              <a:gd name="T6" fmla="*/ 0 w 666"/>
-              <a:gd name="T7" fmla="*/ 0 h 1005"/>
-              <a:gd name="T8" fmla="*/ 666 w 666"/>
-              <a:gd name="T9" fmla="*/ 1005 h 1005"/>
-            </a:gdLst>
-            <a:ahLst/>
-            <a:cxnLst>
-              <a:cxn ang="T4">
-                <a:pos x="T0" y="T1"/>
-              </a:cxn>
-              <a:cxn ang="T5">
-                <a:pos x="T2" y="T3"/>
-              </a:cxn>
-            </a:cxnLst>
-            <a:rect l="T6" t="T7" r="T8" b="T9"/>
-            <a:pathLst>
-              <a:path w="666" h="1005">
-                <a:moveTo>
-                  <a:pt x="666" y="0"/>
-                </a:moveTo>
-                <a:lnTo>
-                  <a:pt x="0" y="1005"/>
-                </a:lnTo>
-              </a:path>
-            </a:pathLst>
-          </a:custGeom>
-          <a:noFill/>
-          <a:ln w="19050">
-            <a:solidFill>
-              <a:srgbClr val="000000"/>
-            </a:solidFill>
-            <a:round/>
-            <a:headEnd/>
-            <a:tailEnd type="triangle" w="med" len="med"/>
-          </a:ln>
-          <a:extLst>
-            <a:ext uri="{909E8E84-426E-40dd-AFC4-6F175D3DCCD1}">
-              <a14:hiddenFill xmlns:a14="http://schemas.microsoft.com/office/drawing/2010/main" xmlns="">
-                <a:solidFill>
-                  <a:srgbClr val="FFFFFF"/>
-                </a:solidFill>
-              </a14:hiddenFill>
-            </a:ext>
-          </a:extLst>
-        </p:spPr>
-        <p:txBody>
-          <a:bodyPr/>
-          <a:lstStyle/>
-          <a:p>
-            <a:endParaRPr lang="en-US"/>
-          </a:p>
-        </p:txBody>
-      </p:sp>
-      <p:sp>
-        <p:nvSpPr>
-          <p:cNvPr id="75790" name="Text Box 13"/>
-          <p:cNvSpPr txBox="1">
-            <a:spLocks noChangeArrowheads="1"/>
-          </p:cNvSpPr>
-          <p:nvPr/>
-        </p:nvSpPr>
-        <p:spPr bwMode="auto">
-          <a:xfrm>
-            <a:off x="5299075" y="3216275"/>
-            <a:ext cx="3844925" cy="225425"/>
-          </a:xfrm>
-          <a:prstGeom prst="rect">
-            <a:avLst/>
-          </a:prstGeom>
-          <a:noFill/>
-          <a:ln>
-            <a:noFill/>
-          </a:ln>
-          <a:extLst>
-            <a:ext uri="{909E8E84-426E-40dd-AFC4-6F175D3DCCD1}">
-              <a14:hiddenFill xmlns:a14="http://schemas.microsoft.com/office/drawing/2010/main" xmlns="">
-                <a:solidFill>
-                  <a:srgbClr val="FFFFFF"/>
-                </a:solidFill>
-              </a14:hiddenFill>
-            </a:ext>
-            <a:ext uri="{91240B29-F687-4f45-9708-019B960494DF}">
-              <a14:hiddenLine xmlns:a14="http://schemas.microsoft.com/office/drawing/2010/main" xmlns="" w="9525">
-                <a:solidFill>
-                  <a:srgbClr val="000000"/>
-                </a:solidFill>
-                <a:miter lim="800000"/>
-                <a:headEnd/>
-                <a:tailEnd/>
-              </a14:hiddenLine>
-            </a:ext>
-          </a:extLst>
-        </p:spPr>
-        <p:txBody>
-          <a:bodyPr lIns="71323" tIns="35662" rIns="71323" bIns="35662"/>
-          <a:lstStyle>
-            <a:lvl1pPr eaLnBrk="0" hangingPunct="0">
-              <a:defRPr sz="2000" b="1">
-                <a:solidFill>
-                  <a:schemeClr val="tx1"/>
-                </a:solidFill>
-                <a:latin typeface="Courier New" charset="0"/>
-                <a:ea typeface="ＭＳ Ｐゴシック" charset="0"/>
-                <a:cs typeface="Arial" charset="0"/>
-              </a:defRPr>
-            </a:lvl1pPr>
-            <a:lvl2pPr marL="37931725" indent="-37474525" eaLnBrk="0" hangingPunct="0">
-              <a:defRPr sz="2000" b="1">
-                <a:solidFill>
-                  <a:schemeClr val="tx1"/>
-                </a:solidFill>
-                <a:latin typeface="Courier New" charset="0"/>
-                <a:ea typeface="Arial" charset="0"/>
-                <a:cs typeface="Arial" charset="0"/>
-              </a:defRPr>
-            </a:lvl2pPr>
-            <a:lvl3pPr eaLnBrk="0" hangingPunct="0">
-              <a:defRPr sz="2000" b="1">
-                <a:solidFill>
-                  <a:schemeClr val="tx1"/>
-                </a:solidFill>
-                <a:latin typeface="Courier New" charset="0"/>
-                <a:ea typeface="Arial" charset="0"/>
-                <a:cs typeface="Arial" charset="0"/>
-              </a:defRPr>
-            </a:lvl3pPr>
-            <a:lvl4pPr eaLnBrk="0" hangingPunct="0">
-              <a:defRPr sz="2000" b="1">
-                <a:solidFill>
-                  <a:schemeClr val="tx1"/>
-                </a:solidFill>
-                <a:latin typeface="Courier New" charset="0"/>
-                <a:ea typeface="Arial" charset="0"/>
-                <a:cs typeface="Arial" charset="0"/>
-              </a:defRPr>
-            </a:lvl4pPr>
-            <a:lvl5pPr eaLnBrk="0" hangingPunct="0">
-              <a:defRPr sz="2000" b="1">
-                <a:solidFill>
-                  <a:schemeClr val="tx1"/>
-                </a:solidFill>
-                <a:latin typeface="Courier New" charset="0"/>
-                <a:ea typeface="Arial" charset="0"/>
-                <a:cs typeface="Arial" charset="0"/>
-              </a:defRPr>
-            </a:lvl5pPr>
-            <a:lvl6pPr marL="457200" eaLnBrk="0" fontAlgn="base" hangingPunct="0">
-              <a:spcBef>
-                <a:spcPct val="0"/>
-              </a:spcBef>
-              <a:spcAft>
-                <a:spcPct val="0"/>
-              </a:spcAft>
-              <a:defRPr sz="2000" b="1">
-                <a:solidFill>
-                  <a:schemeClr val="tx1"/>
-                </a:solidFill>
-                <a:latin typeface="Courier New" charset="0"/>
-                <a:ea typeface="Arial" charset="0"/>
-                <a:cs typeface="Arial" charset="0"/>
-              </a:defRPr>
-            </a:lvl6pPr>
-            <a:lvl7pPr marL="914400" eaLnBrk="0" fontAlgn="base" hangingPunct="0">
-              <a:spcBef>
-                <a:spcPct val="0"/>
-              </a:spcBef>
-              <a:spcAft>
-                <a:spcPct val="0"/>
-              </a:spcAft>
-              <a:defRPr sz="2000" b="1">
-                <a:solidFill>
-                  <a:schemeClr val="tx1"/>
-                </a:solidFill>
-                <a:latin typeface="Courier New" charset="0"/>
-                <a:ea typeface="Arial" charset="0"/>
-                <a:cs typeface="Arial" charset="0"/>
-              </a:defRPr>
-            </a:lvl7pPr>
-            <a:lvl8pPr marL="1371600" eaLnBrk="0" fontAlgn="base" hangingPunct="0">
-              <a:spcBef>
-                <a:spcPct val="0"/>
-              </a:spcBef>
-              <a:spcAft>
-                <a:spcPct val="0"/>
-              </a:spcAft>
-              <a:defRPr sz="2000" b="1">
-                <a:solidFill>
-                  <a:schemeClr val="tx1"/>
-                </a:solidFill>
-                <a:latin typeface="Courier New" charset="0"/>
-                <a:ea typeface="Arial" charset="0"/>
-                <a:cs typeface="Arial" charset="0"/>
-              </a:defRPr>
-            </a:lvl8pPr>
-            <a:lvl9pPr marL="1828800" eaLnBrk="0" fontAlgn="base" hangingPunct="0">
-              <a:spcBef>
-                <a:spcPct val="0"/>
-              </a:spcBef>
-              <a:spcAft>
-                <a:spcPct val="0"/>
-              </a:spcAft>
-              <a:defRPr sz="2000" b="1">
-                <a:solidFill>
-                  <a:schemeClr val="tx1"/>
-                </a:solidFill>
-                <a:latin typeface="Courier New" charset="0"/>
-                <a:ea typeface="Arial" charset="0"/>
-                <a:cs typeface="Arial" charset="0"/>
-              </a:defRPr>
-            </a:lvl9pPr>
-          </a:lstStyle>
-          <a:p>
-            <a:pPr algn="l"/>
-            <a:r>
-              <a:rPr lang="en-US" sz="1400" b="0">
-                <a:solidFill>
-                  <a:srgbClr val="000000"/>
-                </a:solidFill>
-                <a:latin typeface="Arial" charset="0"/>
-              </a:rPr>
-              <a:t>K RIPE London (plus 16 other locations)</a:t>
-            </a:r>
-            <a:endParaRPr lang="en-US" sz="3200" b="0">
-              <a:latin typeface="Times New Roman" charset="0"/>
-            </a:endParaRPr>
-          </a:p>
-        </p:txBody>
-      </p:sp>
-      <p:sp>
-        <p:nvSpPr>
-          <p:cNvPr id="75791" name="Freeform 14"/>
-          <p:cNvSpPr>
-            <a:spLocks/>
-          </p:cNvSpPr>
-          <p:nvPr/>
-        </p:nvSpPr>
-        <p:spPr bwMode="auto">
-          <a:xfrm>
-            <a:off x="4570413" y="3433763"/>
-            <a:ext cx="771525" cy="1158875"/>
-          </a:xfrm>
-          <a:custGeom>
-            <a:avLst/>
-            <a:gdLst>
-              <a:gd name="T0" fmla="*/ 771525 w 922"/>
-              <a:gd name="T1" fmla="*/ 0 h 1448"/>
-              <a:gd name="T2" fmla="*/ 0 w 922"/>
-              <a:gd name="T3" fmla="*/ 1158875 h 1448"/>
-              <a:gd name="T4" fmla="*/ 0 60000 65536"/>
-              <a:gd name="T5" fmla="*/ 0 60000 65536"/>
-              <a:gd name="T6" fmla="*/ 0 w 922"/>
-              <a:gd name="T7" fmla="*/ 0 h 1448"/>
-              <a:gd name="T8" fmla="*/ 922 w 922"/>
-              <a:gd name="T9" fmla="*/ 1448 h 1448"/>
-            </a:gdLst>
-            <a:ahLst/>
-            <a:cxnLst>
-              <a:cxn ang="T4">
-                <a:pos x="T0" y="T1"/>
-              </a:cxn>
-              <a:cxn ang="T5">
-                <a:pos x="T2" y="T3"/>
-              </a:cxn>
-            </a:cxnLst>
-            <a:rect l="T6" t="T7" r="T8" b="T9"/>
-            <a:pathLst>
-              <a:path w="922" h="1448">
-                <a:moveTo>
-                  <a:pt x="922" y="0"/>
-                </a:moveTo>
-                <a:lnTo>
-                  <a:pt x="0" y="1448"/>
-                </a:lnTo>
-              </a:path>
-            </a:pathLst>
-          </a:custGeom>
-          <a:noFill/>
-          <a:ln w="19050">
-            <a:solidFill>
-              <a:srgbClr val="000000"/>
-            </a:solidFill>
-            <a:round/>
-            <a:headEnd/>
-            <a:tailEnd type="triangle" w="med" len="med"/>
-          </a:ln>
-          <a:extLst>
-            <a:ext uri="{909E8E84-426E-40dd-AFC4-6F175D3DCCD1}">
-              <a14:hiddenFill xmlns:a14="http://schemas.microsoft.com/office/drawing/2010/main" xmlns="">
-                <a:solidFill>
-                  <a:srgbClr val="FFFFFF"/>
-                </a:solidFill>
-              </a14:hiddenFill>
-            </a:ext>
-          </a:extLst>
-        </p:spPr>
-        <p:txBody>
-          <a:bodyPr/>
-          <a:lstStyle/>
-          <a:p>
-            <a:endParaRPr lang="en-US"/>
-          </a:p>
-        </p:txBody>
-      </p:sp>
-      <p:sp>
-        <p:nvSpPr>
-          <p:cNvPr id="75792" name="Text Box 15"/>
-          <p:cNvSpPr txBox="1">
-            <a:spLocks noChangeArrowheads="1"/>
-          </p:cNvSpPr>
-          <p:nvPr/>
-        </p:nvSpPr>
-        <p:spPr bwMode="auto">
-          <a:xfrm>
-            <a:off x="7221538" y="4402138"/>
-            <a:ext cx="1693862" cy="627062"/>
-          </a:xfrm>
-          <a:prstGeom prst="rect">
-            <a:avLst/>
-          </a:prstGeom>
-          <a:noFill/>
-          <a:ln>
-            <a:noFill/>
-          </a:ln>
-          <a:extLst>
-            <a:ext uri="{909E8E84-426E-40dd-AFC4-6F175D3DCCD1}">
-              <a14:hiddenFill xmlns:a14="http://schemas.microsoft.com/office/drawing/2010/main" xmlns="">
-                <a:solidFill>
-                  <a:srgbClr val="FFFFFF"/>
-                </a:solidFill>
-              </a14:hiddenFill>
-            </a:ext>
-            <a:ext uri="{91240B29-F687-4f45-9708-019B960494DF}">
-              <a14:hiddenLine xmlns:a14="http://schemas.microsoft.com/office/drawing/2010/main" xmlns="" w="9525">
-                <a:solidFill>
-                  <a:srgbClr val="000000"/>
-                </a:solidFill>
-                <a:miter lim="800000"/>
-                <a:headEnd/>
-                <a:tailEnd/>
-              </a14:hiddenLine>
-            </a:ext>
-          </a:extLst>
-        </p:spPr>
-        <p:txBody>
-          <a:bodyPr lIns="71323" tIns="35662" rIns="71323" bIns="35662"/>
-          <a:lstStyle>
-            <a:lvl1pPr eaLnBrk="0" hangingPunct="0">
-              <a:defRPr sz="2000" b="1">
-                <a:solidFill>
-                  <a:schemeClr val="tx1"/>
-                </a:solidFill>
-                <a:latin typeface="Courier New" charset="0"/>
-                <a:ea typeface="ＭＳ Ｐゴシック" charset="0"/>
-                <a:cs typeface="Arial" charset="0"/>
-              </a:defRPr>
-            </a:lvl1pPr>
-            <a:lvl2pPr marL="37931725" indent="-37474525" eaLnBrk="0" hangingPunct="0">
-              <a:defRPr sz="2000" b="1">
-                <a:solidFill>
-                  <a:schemeClr val="tx1"/>
-                </a:solidFill>
-                <a:latin typeface="Courier New" charset="0"/>
-                <a:ea typeface="Arial" charset="0"/>
-                <a:cs typeface="Arial" charset="0"/>
-              </a:defRPr>
-            </a:lvl2pPr>
-            <a:lvl3pPr eaLnBrk="0" hangingPunct="0">
-              <a:defRPr sz="2000" b="1">
-                <a:solidFill>
-                  <a:schemeClr val="tx1"/>
-                </a:solidFill>
-                <a:latin typeface="Courier New" charset="0"/>
-                <a:ea typeface="Arial" charset="0"/>
-                <a:cs typeface="Arial" charset="0"/>
-              </a:defRPr>
-            </a:lvl3pPr>
-            <a:lvl4pPr eaLnBrk="0" hangingPunct="0">
-              <a:defRPr sz="2000" b="1">
-                <a:solidFill>
-                  <a:schemeClr val="tx1"/>
-                </a:solidFill>
-                <a:latin typeface="Courier New" charset="0"/>
-                <a:ea typeface="Arial" charset="0"/>
-                <a:cs typeface="Arial" charset="0"/>
-              </a:defRPr>
-            </a:lvl4pPr>
-            <a:lvl5pPr eaLnBrk="0" hangingPunct="0">
-              <a:defRPr sz="2000" b="1">
-                <a:solidFill>
-                  <a:schemeClr val="tx1"/>
-                </a:solidFill>
-                <a:latin typeface="Courier New" charset="0"/>
-                <a:ea typeface="Arial" charset="0"/>
-                <a:cs typeface="Arial" charset="0"/>
-              </a:defRPr>
-            </a:lvl5pPr>
-            <a:lvl6pPr marL="457200" eaLnBrk="0" fontAlgn="base" hangingPunct="0">
-              <a:spcBef>
-                <a:spcPct val="0"/>
-              </a:spcBef>
-              <a:spcAft>
-                <a:spcPct val="0"/>
-              </a:spcAft>
-              <a:defRPr sz="2000" b="1">
-                <a:solidFill>
-                  <a:schemeClr val="tx1"/>
-                </a:solidFill>
-                <a:latin typeface="Courier New" charset="0"/>
-                <a:ea typeface="Arial" charset="0"/>
-                <a:cs typeface="Arial" charset="0"/>
-              </a:defRPr>
-            </a:lvl6pPr>
-            <a:lvl7pPr marL="914400" eaLnBrk="0" fontAlgn="base" hangingPunct="0">
-              <a:spcBef>
-                <a:spcPct val="0"/>
-              </a:spcBef>
-              <a:spcAft>
-                <a:spcPct val="0"/>
-              </a:spcAft>
-              <a:defRPr sz="2000" b="1">
-                <a:solidFill>
-                  <a:schemeClr val="tx1"/>
-                </a:solidFill>
-                <a:latin typeface="Courier New" charset="0"/>
-                <a:ea typeface="Arial" charset="0"/>
-                <a:cs typeface="Arial" charset="0"/>
-              </a:defRPr>
-            </a:lvl7pPr>
-            <a:lvl8pPr marL="1371600" eaLnBrk="0" fontAlgn="base" hangingPunct="0">
-              <a:spcBef>
-                <a:spcPct val="0"/>
-              </a:spcBef>
-              <a:spcAft>
-                <a:spcPct val="0"/>
-              </a:spcAft>
-              <a:defRPr sz="2000" b="1">
-                <a:solidFill>
-                  <a:schemeClr val="tx1"/>
-                </a:solidFill>
-                <a:latin typeface="Courier New" charset="0"/>
-                <a:ea typeface="Arial" charset="0"/>
-                <a:cs typeface="Arial" charset="0"/>
-              </a:defRPr>
-            </a:lvl8pPr>
-            <a:lvl9pPr marL="1828800" eaLnBrk="0" fontAlgn="base" hangingPunct="0">
-              <a:spcBef>
-                <a:spcPct val="0"/>
-              </a:spcBef>
-              <a:spcAft>
-                <a:spcPct val="0"/>
-              </a:spcAft>
-              <a:defRPr sz="2000" b="1">
-                <a:solidFill>
-                  <a:schemeClr val="tx1"/>
-                </a:solidFill>
-                <a:latin typeface="Courier New" charset="0"/>
-                <a:ea typeface="Arial" charset="0"/>
-                <a:cs typeface="Arial" charset="0"/>
-              </a:defRPr>
-            </a:lvl9pPr>
-          </a:lstStyle>
-          <a:p>
-            <a:pPr algn="l"/>
-            <a:r>
-              <a:rPr lang="en-US" sz="1400" b="0">
-                <a:solidFill>
-                  <a:srgbClr val="000000"/>
-                </a:solidFill>
-                <a:latin typeface="Arial" charset="0"/>
-              </a:rPr>
-              <a:t>M WIDE Tokyo</a:t>
-            </a:r>
-          </a:p>
-          <a:p>
-            <a:pPr algn="l"/>
-            <a:r>
-              <a:rPr lang="en-US" sz="1400" b="0">
-                <a:solidFill>
-                  <a:srgbClr val="000000"/>
-                </a:solidFill>
-                <a:latin typeface="Arial" charset="0"/>
-              </a:rPr>
-              <a:t> plus Seoul, Paris,</a:t>
-            </a:r>
-            <a:br>
-              <a:rPr lang="en-US" sz="1400" b="0">
-                <a:solidFill>
-                  <a:srgbClr val="000000"/>
-                </a:solidFill>
-                <a:latin typeface="Arial" charset="0"/>
-              </a:rPr>
-            </a:br>
-            <a:r>
-              <a:rPr lang="en-US" sz="1400" b="0">
-                <a:solidFill>
-                  <a:srgbClr val="000000"/>
-                </a:solidFill>
-                <a:latin typeface="Arial" charset="0"/>
-              </a:rPr>
-              <a:t> San Francisco</a:t>
-            </a:r>
-            <a:endParaRPr lang="en-US" sz="3200" b="0">
-              <a:latin typeface="Times New Roman" charset="0"/>
-            </a:endParaRPr>
-          </a:p>
-        </p:txBody>
-      </p:sp>
-      <p:sp>
-        <p:nvSpPr>
-          <p:cNvPr id="75793" name="Freeform 16"/>
-          <p:cNvSpPr>
-            <a:spLocks/>
-          </p:cNvSpPr>
-          <p:nvPr/>
-        </p:nvSpPr>
-        <p:spPr bwMode="auto">
-          <a:xfrm>
-            <a:off x="6851650" y="4632325"/>
-            <a:ext cx="331788" cy="231775"/>
-          </a:xfrm>
-          <a:custGeom>
-            <a:avLst/>
-            <a:gdLst>
-              <a:gd name="T0" fmla="*/ 331788 w 252"/>
-              <a:gd name="T1" fmla="*/ 0 h 462"/>
-              <a:gd name="T2" fmla="*/ 0 w 252"/>
-              <a:gd name="T3" fmla="*/ 231775 h 462"/>
-              <a:gd name="T4" fmla="*/ 0 60000 65536"/>
-              <a:gd name="T5" fmla="*/ 0 60000 65536"/>
-              <a:gd name="T6" fmla="*/ 0 w 252"/>
-              <a:gd name="T7" fmla="*/ 0 h 462"/>
-              <a:gd name="T8" fmla="*/ 252 w 252"/>
-              <a:gd name="T9" fmla="*/ 462 h 462"/>
-            </a:gdLst>
-            <a:ahLst/>
-            <a:cxnLst>
-              <a:cxn ang="T4">
-                <a:pos x="T0" y="T1"/>
-              </a:cxn>
-              <a:cxn ang="T5">
-                <a:pos x="T2" y="T3"/>
-              </a:cxn>
-            </a:cxnLst>
-            <a:rect l="T6" t="T7" r="T8" b="T9"/>
-            <a:pathLst>
-              <a:path w="252" h="462">
-                <a:moveTo>
-                  <a:pt x="252" y="0"/>
-                </a:moveTo>
-                <a:lnTo>
-                  <a:pt x="0" y="462"/>
-                </a:lnTo>
-              </a:path>
-            </a:pathLst>
-          </a:custGeom>
-          <a:noFill/>
-          <a:ln w="19050">
-            <a:solidFill>
-              <a:srgbClr val="000000"/>
-            </a:solidFill>
-            <a:round/>
-            <a:headEnd/>
-            <a:tailEnd type="triangle" w="med" len="med"/>
-          </a:ln>
-          <a:extLst>
-            <a:ext uri="{909E8E84-426E-40dd-AFC4-6F175D3DCCD1}">
-              <a14:hiddenFill xmlns:a14="http://schemas.microsoft.com/office/drawing/2010/main" xmlns="">
-                <a:solidFill>
-                  <a:srgbClr val="FFFFFF"/>
-                </a:solidFill>
-              </a14:hiddenFill>
-            </a:ext>
-          </a:extLst>
-        </p:spPr>
-        <p:txBody>
-          <a:bodyPr/>
-          <a:lstStyle/>
-          <a:p>
-            <a:endParaRPr lang="en-US"/>
-          </a:p>
-        </p:txBody>
-      </p:sp>
-      <p:sp>
-        <p:nvSpPr>
-          <p:cNvPr id="75794" name="Text Box 17"/>
-          <p:cNvSpPr txBox="1">
-            <a:spLocks noChangeArrowheads="1"/>
-          </p:cNvSpPr>
-          <p:nvPr/>
-        </p:nvSpPr>
-        <p:spPr bwMode="auto">
-          <a:xfrm>
-            <a:off x="2665413" y="2559050"/>
-            <a:ext cx="4878387" cy="1304925"/>
-          </a:xfrm>
-          <a:prstGeom prst="rect">
-            <a:avLst/>
-          </a:prstGeom>
-          <a:noFill/>
-          <a:ln>
-            <a:noFill/>
-          </a:ln>
-          <a:extLst>
-            <a:ext uri="{909E8E84-426E-40dd-AFC4-6F175D3DCCD1}">
-              <a14:hiddenFill xmlns:a14="http://schemas.microsoft.com/office/drawing/2010/main" xmlns="">
-                <a:solidFill>
-                  <a:srgbClr val="FFFFFF"/>
-                </a:solidFill>
-              </a14:hiddenFill>
-            </a:ext>
-            <a:ext uri="{91240B29-F687-4f45-9708-019B960494DF}">
-              <a14:hiddenLine xmlns:a14="http://schemas.microsoft.com/office/drawing/2010/main" xmlns="" w="9525">
-                <a:solidFill>
-                  <a:srgbClr val="000000"/>
-                </a:solidFill>
-                <a:miter lim="800000"/>
-                <a:headEnd/>
-                <a:tailEnd/>
-              </a14:hiddenLine>
-            </a:ext>
-          </a:extLst>
-        </p:spPr>
-        <p:txBody>
-          <a:bodyPr lIns="71323" tIns="35662" rIns="71323" bIns="35662"/>
-          <a:lstStyle>
-            <a:lvl1pPr eaLnBrk="0" hangingPunct="0">
-              <a:defRPr sz="2000" b="1">
-                <a:solidFill>
-                  <a:schemeClr val="tx1"/>
-                </a:solidFill>
-                <a:latin typeface="Courier New" charset="0"/>
-                <a:ea typeface="ＭＳ Ｐゴシック" charset="0"/>
-                <a:cs typeface="Arial" charset="0"/>
-              </a:defRPr>
-            </a:lvl1pPr>
-            <a:lvl2pPr marL="37931725" indent="-37474525" eaLnBrk="0" hangingPunct="0">
-              <a:defRPr sz="2000" b="1">
-                <a:solidFill>
-                  <a:schemeClr val="tx1"/>
-                </a:solidFill>
-                <a:latin typeface="Courier New" charset="0"/>
-                <a:ea typeface="Arial" charset="0"/>
-                <a:cs typeface="Arial" charset="0"/>
-              </a:defRPr>
-            </a:lvl2pPr>
-            <a:lvl3pPr eaLnBrk="0" hangingPunct="0">
-              <a:defRPr sz="2000" b="1">
-                <a:solidFill>
-                  <a:schemeClr val="tx1"/>
-                </a:solidFill>
-                <a:latin typeface="Courier New" charset="0"/>
-                <a:ea typeface="Arial" charset="0"/>
-                <a:cs typeface="Arial" charset="0"/>
-              </a:defRPr>
-            </a:lvl3pPr>
-            <a:lvl4pPr eaLnBrk="0" hangingPunct="0">
-              <a:defRPr sz="2000" b="1">
-                <a:solidFill>
-                  <a:schemeClr val="tx1"/>
-                </a:solidFill>
-                <a:latin typeface="Courier New" charset="0"/>
-                <a:ea typeface="Arial" charset="0"/>
-                <a:cs typeface="Arial" charset="0"/>
-              </a:defRPr>
-            </a:lvl4pPr>
-            <a:lvl5pPr eaLnBrk="0" hangingPunct="0">
-              <a:defRPr sz="2000" b="1">
-                <a:solidFill>
-                  <a:schemeClr val="tx1"/>
-                </a:solidFill>
-                <a:latin typeface="Courier New" charset="0"/>
-                <a:ea typeface="Arial" charset="0"/>
-                <a:cs typeface="Arial" charset="0"/>
-              </a:defRPr>
-            </a:lvl5pPr>
-            <a:lvl6pPr marL="457200" eaLnBrk="0" fontAlgn="base" hangingPunct="0">
-              <a:spcBef>
-                <a:spcPct val="0"/>
-              </a:spcBef>
-              <a:spcAft>
-                <a:spcPct val="0"/>
-              </a:spcAft>
-              <a:defRPr sz="2000" b="1">
-                <a:solidFill>
-                  <a:schemeClr val="tx1"/>
-                </a:solidFill>
-                <a:latin typeface="Courier New" charset="0"/>
-                <a:ea typeface="Arial" charset="0"/>
-                <a:cs typeface="Arial" charset="0"/>
-              </a:defRPr>
-            </a:lvl6pPr>
-            <a:lvl7pPr marL="914400" eaLnBrk="0" fontAlgn="base" hangingPunct="0">
-              <a:spcBef>
-                <a:spcPct val="0"/>
-              </a:spcBef>
-              <a:spcAft>
-                <a:spcPct val="0"/>
-              </a:spcAft>
-              <a:defRPr sz="2000" b="1">
-                <a:solidFill>
-                  <a:schemeClr val="tx1"/>
-                </a:solidFill>
-                <a:latin typeface="Courier New" charset="0"/>
-                <a:ea typeface="Arial" charset="0"/>
-                <a:cs typeface="Arial" charset="0"/>
-              </a:defRPr>
-            </a:lvl7pPr>
-            <a:lvl8pPr marL="1371600" eaLnBrk="0" fontAlgn="base" hangingPunct="0">
-              <a:spcBef>
-                <a:spcPct val="0"/>
-              </a:spcBef>
-              <a:spcAft>
-                <a:spcPct val="0"/>
-              </a:spcAft>
-              <a:defRPr sz="2000" b="1">
-                <a:solidFill>
-                  <a:schemeClr val="tx1"/>
-                </a:solidFill>
-                <a:latin typeface="Courier New" charset="0"/>
-                <a:ea typeface="Arial" charset="0"/>
-                <a:cs typeface="Arial" charset="0"/>
-              </a:defRPr>
-            </a:lvl8pPr>
-            <a:lvl9pPr marL="1828800" eaLnBrk="0" fontAlgn="base" hangingPunct="0">
-              <a:spcBef>
-                <a:spcPct val="0"/>
-              </a:spcBef>
-              <a:spcAft>
-                <a:spcPct val="0"/>
-              </a:spcAft>
-              <a:defRPr sz="2000" b="1">
-                <a:solidFill>
-                  <a:schemeClr val="tx1"/>
-                </a:solidFill>
-                <a:latin typeface="Courier New" charset="0"/>
-                <a:ea typeface="Arial" charset="0"/>
-                <a:cs typeface="Arial" charset="0"/>
-              </a:defRPr>
-            </a:lvl9pPr>
-          </a:lstStyle>
-          <a:p>
-            <a:pPr algn="l"/>
-            <a:r>
-              <a:rPr lang="en-US" sz="1400" b="0" dirty="0">
-                <a:solidFill>
-                  <a:srgbClr val="000000"/>
-                </a:solidFill>
-                <a:latin typeface="Arial" charset="0"/>
-              </a:rPr>
-              <a:t>A Verisign, Dulles, VA</a:t>
-            </a:r>
-          </a:p>
-          <a:p>
-            <a:pPr algn="l"/>
-            <a:r>
-              <a:rPr lang="en-US" sz="1400" b="0" dirty="0">
-                <a:solidFill>
-                  <a:srgbClr val="000000"/>
-                </a:solidFill>
-                <a:latin typeface="Arial" charset="0"/>
-              </a:rPr>
-              <a:t>C Cogent, Herndon, VA (also Los Angeles, NY, Chicago)</a:t>
-            </a:r>
-          </a:p>
-          <a:p>
-            <a:pPr algn="l"/>
-            <a:r>
-              <a:rPr lang="en-US" sz="1400" b="0" dirty="0">
-                <a:solidFill>
-                  <a:srgbClr val="000000"/>
-                </a:solidFill>
-                <a:latin typeface="Arial" charset="0"/>
-              </a:rPr>
-              <a:t>D U Maryland College Park, MD</a:t>
-            </a:r>
-          </a:p>
-          <a:p>
-            <a:pPr algn="l"/>
-            <a:r>
-              <a:rPr lang="en-US" sz="1400" b="0" dirty="0">
-                <a:solidFill>
-                  <a:srgbClr val="000000"/>
-                </a:solidFill>
-                <a:latin typeface="Arial" charset="0"/>
-              </a:rPr>
-              <a:t>G US DoD Vienna, VA</a:t>
-            </a:r>
-          </a:p>
-          <a:p>
-            <a:pPr algn="l"/>
-            <a:r>
-              <a:rPr lang="en-US" sz="1400" b="0" dirty="0">
-                <a:solidFill>
-                  <a:srgbClr val="000000"/>
-                </a:solidFill>
-                <a:latin typeface="Arial" charset="0"/>
-              </a:rPr>
-              <a:t>H ARL Aberdeen, MD</a:t>
-            </a:r>
-          </a:p>
-          <a:p>
-            <a:pPr algn="l"/>
-            <a:r>
-              <a:rPr lang="en-US" sz="1400" b="0" dirty="0">
-                <a:solidFill>
-                  <a:srgbClr val="000000"/>
-                </a:solidFill>
-                <a:latin typeface="Arial" charset="0"/>
-              </a:rPr>
-              <a:t>J Verisign (21 locations)</a:t>
-            </a:r>
-          </a:p>
-          <a:p>
-            <a:pPr algn="ctr"/>
-            <a:endParaRPr lang="en-US" sz="2800" b="0" dirty="0">
-              <a:latin typeface="Times New Roman" charset="0"/>
-            </a:endParaRPr>
-          </a:p>
-        </p:txBody>
-      </p:sp>
-      <p:sp>
-        <p:nvSpPr>
-          <p:cNvPr id="5" name="Date Placeholder 4"/>
+      <p:sp>
+        <p:nvSpPr>
+          <p:cNvPr id="4" name="Date Placeholder 3"/>
           <p:cNvSpPr>
             <a:spLocks noGrp="1"/>
           </p:cNvSpPr>
@@ -21283,7 +19186,7 @@
       </p:sp>
       <p:sp>
         <p:nvSpPr>
-          <p:cNvPr id="6" name="Footer Placeholder 5"/>
+          <p:cNvPr id="5" name="Footer Placeholder 4"/>
           <p:cNvSpPr>
             <a:spLocks noGrp="1"/>
           </p:cNvSpPr>
@@ -21308,7 +19211,7 @@
       </p:sp>
       <p:sp>
         <p:nvSpPr>
-          <p:cNvPr id="7" name="Slide Number Placeholder 6"/>
+          <p:cNvPr id="6" name="Slide Number Placeholder 5"/>
           <p:cNvSpPr>
             <a:spLocks noGrp="1"/>
           </p:cNvSpPr>
@@ -21333,7 +19236,7 @@
     </p:spTree>
     <p:extLst>
       <p:ext uri="{BB962C8B-B14F-4D97-AF65-F5344CB8AC3E}">
-        <p14:creationId xmlns:p14="http://schemas.microsoft.com/office/powerpoint/2010/main" val="49042467"/>
+        <p14:creationId xmlns:p14="http://schemas.microsoft.com/office/powerpoint/2010/main" val="202957718"/>
       </p:ext>
     </p:extLst>
   </p:cSld>
@@ -21362,7 +19265,7 @@
       </p:grpSpPr>
       <p:sp>
         <p:nvSpPr>
-          <p:cNvPr id="6" name="Title 5"/>
+          <p:cNvPr id="7" name="Title 6"/>
           <p:cNvSpPr>
             <a:spLocks noGrp="1"/>
           </p:cNvSpPr>
@@ -21377,14 +19280,14 @@
           <a:p>
             <a:r>
               <a:rPr lang="en-US" dirty="0"/>
-              <a:t>Anycast in a nutshell</a:t>
-            </a:r>
-          </a:p>
-        </p:txBody>
-      </p:sp>
-      <p:sp>
-        <p:nvSpPr>
-          <p:cNvPr id="7" name="Content Placeholder 6"/>
+              <a:t>Announcements</a:t>
+            </a:r>
+          </a:p>
+        </p:txBody>
+      </p:sp>
+      <p:sp>
+        <p:nvSpPr>
+          <p:cNvPr id="8" name="Content Placeholder 7"/>
           <p:cNvSpPr>
             <a:spLocks noGrp="1"/>
           </p:cNvSpPr>
@@ -21398,39 +19301,16 @@
           <a:lstStyle/>
           <a:p>
             <a:r>
-              <a:rPr lang="en-US" dirty="0"/>
-              <a:t>Routing finds shortest paths to destination</a:t>
-            </a:r>
-          </a:p>
-          <a:p>
-            <a:r>
-              <a:rPr lang="en-US" dirty="0"/>
-              <a:t>If several locations are given the same address, then the network will deliver the packet to the closest location with that address</a:t>
-            </a:r>
-          </a:p>
-          <a:p>
-            <a:pPr lvl="1"/>
+              <a:rPr lang="en-US" b="1" dirty="0">
+                <a:solidFill>
+                  <a:srgbClr val="0000FF"/>
+                </a:solidFill>
+              </a:rPr>
+              <a:t>Assignment 1 due on September 28</a:t>
+            </a:r>
+          </a:p>
+          <a:p>
             <a:endParaRPr lang="en-US" dirty="0"/>
-          </a:p>
-          <a:p>
-            <a:r>
-              <a:rPr lang="en-US" dirty="0"/>
-              <a:t>Characteristics</a:t>
-            </a:r>
-          </a:p>
-          <a:p>
-            <a:pPr lvl="1"/>
-            <a:r>
-              <a:rPr lang="en-US" dirty="0"/>
-              <a:t>Very robust </a:t>
-            </a:r>
-          </a:p>
-          <a:p>
-            <a:pPr lvl="1"/>
-            <a:r>
-              <a:rPr lang="en-US" dirty="0"/>
-              <a:t>Requires no modification to routing algorithms</a:t>
-            </a:r>
           </a:p>
         </p:txBody>
       </p:sp>
@@ -21486,7 +19366,7 @@
       </p:sp>
       <p:sp>
         <p:nvSpPr>
-          <p:cNvPr id="8" name="Slide Number Placeholder 7"/>
+          <p:cNvPr id="6" name="Slide Number Placeholder 5"/>
           <p:cNvSpPr>
             <a:spLocks noGrp="1"/>
           </p:cNvSpPr>
@@ -21499,7 +19379,7 @@
           <a:bodyPr/>
           <a:lstStyle/>
           <a:p>
-            <a:fld id="{A190D881-957A-7944-A8D0-1584E528B88F}" type="slidenum">
+            <a:fld id="{81F2EB77-FB6C-2244-A076-ADF097535D48}" type="slidenum">
               <a:rPr lang="en-US" smtClean="0"/>
               <a:pPr/>
               <a:t>24</a:t>
@@ -21511,255 +19391,13 @@
     </p:spTree>
     <p:extLst>
       <p:ext uri="{BB962C8B-B14F-4D97-AF65-F5344CB8AC3E}">
-        <p14:creationId xmlns:p14="http://schemas.microsoft.com/office/powerpoint/2010/main" val="1362072044"/>
+        <p14:creationId xmlns:p14="http://schemas.microsoft.com/office/powerpoint/2010/main" val="1677897595"/>
       </p:ext>
     </p:extLst>
   </p:cSld>
   <p:clrMapOvr>
     <a:masterClrMapping/>
   </p:clrMapOvr>
-  <p:timing>
-    <p:tnLst>
-      <p:par>
-        <p:cTn id="1" dur="indefinite" restart="never" nodeType="tmRoot">
-          <p:childTnLst>
-            <p:seq concurrent="1" nextAc="seek">
-              <p:cTn id="2" dur="indefinite" nodeType="mainSeq">
-                <p:childTnLst>
-                  <p:par>
-                    <p:cTn id="3" fill="hold">
-                      <p:stCondLst>
-                        <p:cond delay="indefinite"/>
-                      </p:stCondLst>
-                      <p:childTnLst>
-                        <p:par>
-                          <p:cTn id="4" fill="hold">
-                            <p:stCondLst>
-                              <p:cond delay="0"/>
-                            </p:stCondLst>
-                            <p:childTnLst>
-                              <p:par>
-                                <p:cTn id="5" presetID="1" presetClass="entr" presetSubtype="0" fill="hold" grpId="0" nodeType="clickEffect">
-                                  <p:stCondLst>
-                                    <p:cond delay="0"/>
-                                  </p:stCondLst>
-                                  <p:childTnLst>
-                                    <p:set>
-                                      <p:cBhvr>
-                                        <p:cTn id="6" dur="1" fill="hold">
-                                          <p:stCondLst>
-                                            <p:cond delay="0"/>
-                                          </p:stCondLst>
-                                        </p:cTn>
-                                        <p:tgtEl>
-                                          <p:spTgt spid="7">
-                                            <p:txEl>
-                                              <p:pRg st="0" end="0"/>
-                                            </p:txEl>
-                                          </p:spTgt>
-                                        </p:tgtEl>
-                                        <p:attrNameLst>
-                                          <p:attrName>style.visibility</p:attrName>
-                                        </p:attrNameLst>
-                                      </p:cBhvr>
-                                      <p:to>
-                                        <p:strVal val="visible"/>
-                                      </p:to>
-                                    </p:set>
-                                  </p:childTnLst>
-                                </p:cTn>
-                              </p:par>
-                            </p:childTnLst>
-                          </p:cTn>
-                        </p:par>
-                      </p:childTnLst>
-                    </p:cTn>
-                  </p:par>
-                  <p:par>
-                    <p:cTn id="7" fill="hold">
-                      <p:stCondLst>
-                        <p:cond delay="indefinite"/>
-                      </p:stCondLst>
-                      <p:childTnLst>
-                        <p:par>
-                          <p:cTn id="8" fill="hold">
-                            <p:stCondLst>
-                              <p:cond delay="0"/>
-                            </p:stCondLst>
-                            <p:childTnLst>
-                              <p:par>
-                                <p:cTn id="9" presetID="1" presetClass="entr" presetSubtype="0" fill="hold" grpId="0" nodeType="clickEffect">
-                                  <p:stCondLst>
-                                    <p:cond delay="0"/>
-                                  </p:stCondLst>
-                                  <p:childTnLst>
-                                    <p:set>
-                                      <p:cBhvr>
-                                        <p:cTn id="10" dur="1" fill="hold">
-                                          <p:stCondLst>
-                                            <p:cond delay="0"/>
-                                          </p:stCondLst>
-                                        </p:cTn>
-                                        <p:tgtEl>
-                                          <p:spTgt spid="7">
-                                            <p:txEl>
-                                              <p:pRg st="1" end="1"/>
-                                            </p:txEl>
-                                          </p:spTgt>
-                                        </p:tgtEl>
-                                        <p:attrNameLst>
-                                          <p:attrName>style.visibility</p:attrName>
-                                        </p:attrNameLst>
-                                      </p:cBhvr>
-                                      <p:to>
-                                        <p:strVal val="visible"/>
-                                      </p:to>
-                                    </p:set>
-                                  </p:childTnLst>
-                                </p:cTn>
-                              </p:par>
-                            </p:childTnLst>
-                          </p:cTn>
-                        </p:par>
-                      </p:childTnLst>
-                    </p:cTn>
-                  </p:par>
-                  <p:par>
-                    <p:cTn id="11" fill="hold">
-                      <p:stCondLst>
-                        <p:cond delay="indefinite"/>
-                      </p:stCondLst>
-                      <p:childTnLst>
-                        <p:par>
-                          <p:cTn id="12" fill="hold">
-                            <p:stCondLst>
-                              <p:cond delay="0"/>
-                            </p:stCondLst>
-                            <p:childTnLst>
-                              <p:par>
-                                <p:cTn id="13" presetID="1" presetClass="entr" presetSubtype="0" fill="hold" grpId="0" nodeType="clickEffect">
-                                  <p:stCondLst>
-                                    <p:cond delay="0"/>
-                                  </p:stCondLst>
-                                  <p:childTnLst>
-                                    <p:set>
-                                      <p:cBhvr>
-                                        <p:cTn id="14" dur="1" fill="hold">
-                                          <p:stCondLst>
-                                            <p:cond delay="0"/>
-                                          </p:stCondLst>
-                                        </p:cTn>
-                                        <p:tgtEl>
-                                          <p:spTgt spid="7">
-                                            <p:txEl>
-                                              <p:pRg st="3" end="3"/>
-                                            </p:txEl>
-                                          </p:spTgt>
-                                        </p:tgtEl>
-                                        <p:attrNameLst>
-                                          <p:attrName>style.visibility</p:attrName>
-                                        </p:attrNameLst>
-                                      </p:cBhvr>
-                                      <p:to>
-                                        <p:strVal val="visible"/>
-                                      </p:to>
-                                    </p:set>
-                                  </p:childTnLst>
-                                </p:cTn>
-                              </p:par>
-                              <p:par>
-                                <p:cTn id="15" presetID="1" presetClass="entr" presetSubtype="0" fill="hold" grpId="0" nodeType="withEffect">
-                                  <p:stCondLst>
-                                    <p:cond delay="0"/>
-                                  </p:stCondLst>
-                                  <p:childTnLst>
-                                    <p:set>
-                                      <p:cBhvr>
-                                        <p:cTn id="16" dur="1" fill="hold">
-                                          <p:stCondLst>
-                                            <p:cond delay="0"/>
-                                          </p:stCondLst>
-                                        </p:cTn>
-                                        <p:tgtEl>
-                                          <p:spTgt spid="7">
-                                            <p:txEl>
-                                              <p:pRg st="4" end="4"/>
-                                            </p:txEl>
-                                          </p:spTgt>
-                                        </p:tgtEl>
-                                        <p:attrNameLst>
-                                          <p:attrName>style.visibility</p:attrName>
-                                        </p:attrNameLst>
-                                      </p:cBhvr>
-                                      <p:to>
-                                        <p:strVal val="visible"/>
-                                      </p:to>
-                                    </p:set>
-                                  </p:childTnLst>
-                                </p:cTn>
-                              </p:par>
-                              <p:par>
-                                <p:cTn id="17" presetID="1" presetClass="entr" presetSubtype="0" fill="hold" grpId="0" nodeType="withEffect">
-                                  <p:stCondLst>
-                                    <p:cond delay="0"/>
-                                  </p:stCondLst>
-                                  <p:childTnLst>
-                                    <p:set>
-                                      <p:cBhvr>
-                                        <p:cTn id="18" dur="1" fill="hold">
-                                          <p:stCondLst>
-                                            <p:cond delay="0"/>
-                                          </p:stCondLst>
-                                        </p:cTn>
-                                        <p:tgtEl>
-                                          <p:spTgt spid="7">
-                                            <p:txEl>
-                                              <p:pRg st="5" end="5"/>
-                                            </p:txEl>
-                                          </p:spTgt>
-                                        </p:tgtEl>
-                                        <p:attrNameLst>
-                                          <p:attrName>style.visibility</p:attrName>
-                                        </p:attrNameLst>
-                                      </p:cBhvr>
-                                      <p:to>
-                                        <p:strVal val="visible"/>
-                                      </p:to>
-                                    </p:set>
-                                  </p:childTnLst>
-                                </p:cTn>
-                              </p:par>
-                            </p:childTnLst>
-                          </p:cTn>
-                        </p:par>
-                      </p:childTnLst>
-                    </p:cTn>
-                  </p:par>
-                </p:childTnLst>
-              </p:cTn>
-              <p:prevCondLst>
-                <p:cond evt="onPrev" delay="0">
-                  <p:tgtEl>
-                    <p:sldTgt/>
-                  </p:tgtEl>
-                </p:cond>
-              </p:prevCondLst>
-              <p:nextCondLst>
-                <p:cond evt="onNext" delay="0">
-                  <p:tgtEl>
-                    <p:sldTgt/>
-                  </p:tgtEl>
-                </p:cond>
-              </p:nextCondLst>
-            </p:seq>
-          </p:childTnLst>
-        </p:cTn>
-      </p:par>
-    </p:tnLst>
-    <p:bldLst>
-      <p:bldP spid="7" grpId="0" build="p"/>
-    </p:bldLst>
-  </p:timing>
 </p:sld>
 </file>
 
@@ -22729,9 +20367,9 @@
       </p:grpSpPr>
       <p:sp>
         <p:nvSpPr>
-          <p:cNvPr id="7" name="Title 6"/>
+          <p:cNvPr id="101379" name="Rectangle 2"/>
           <p:cNvSpPr>
-            <a:spLocks noGrp="1"/>
+            <a:spLocks noGrp="1" noChangeArrowheads="1"/>
           </p:cNvSpPr>
           <p:nvPr>
             <p:ph type="title"/>
@@ -22743,20 +20381,21 @@
           <a:lstStyle/>
           <a:p>
             <a:r>
-              <a:rPr lang="en-US" dirty="0"/>
-              <a:t>5-minute break!</a:t>
-            </a:r>
-          </a:p>
-        </p:txBody>
-      </p:sp>
-      <p:sp>
-        <p:nvSpPr>
-          <p:cNvPr id="8" name="Text Placeholder 7"/>
+              <a:rPr lang="en-US"/>
+              <a:t>Inserting Resource Records into DNS</a:t>
+            </a:r>
+            <a:endParaRPr lang="en-US" dirty="0"/>
+          </a:p>
+        </p:txBody>
+      </p:sp>
+      <p:sp>
+        <p:nvSpPr>
+          <p:cNvPr id="971779" name="Rectangle 3"/>
           <p:cNvSpPr>
-            <a:spLocks noGrp="1"/>
+            <a:spLocks noGrp="1" noChangeArrowheads="1"/>
           </p:cNvSpPr>
           <p:nvPr>
-            <p:ph type="body" idx="1"/>
+            <p:ph idx="1"/>
           </p:nvPr>
         </p:nvSpPr>
         <p:spPr/>
@@ -22764,13 +20403,90 @@
           <a:bodyPr/>
           <a:lstStyle/>
           <a:p>
-            <a:endParaRPr lang="en-US"/>
-          </a:p>
-        </p:txBody>
-      </p:sp>
-      <p:sp>
-        <p:nvSpPr>
-          <p:cNvPr id="4" name="Date Placeholder 3"/>
+            <a:r>
+              <a:rPr lang="en-US" dirty="0"/>
+              <a:t>Register </a:t>
+            </a:r>
+            <a:r>
+              <a:rPr lang="en-US" dirty="0" err="1"/>
+              <a:t>foobar.com</a:t>
+            </a:r>
+            <a:r>
+              <a:rPr lang="en-US" dirty="0"/>
+              <a:t> at registrar </a:t>
+            </a:r>
+          </a:p>
+          <a:p>
+            <a:pPr lvl="1"/>
+            <a:r>
+              <a:rPr lang="en-US" dirty="0"/>
+              <a:t>Provide registrar with names and IP addresses of your authoritative name server(s)</a:t>
+            </a:r>
+          </a:p>
+          <a:p>
+            <a:pPr lvl="1"/>
+            <a:r>
+              <a:rPr lang="en-US" dirty="0"/>
+              <a:t>Registrar inserts RR pairs into the .com TLD server:</a:t>
+            </a:r>
+          </a:p>
+          <a:p>
+            <a:pPr lvl="2"/>
+            <a:r>
+              <a:rPr lang="en-US" dirty="0"/>
+              <a:t>(</a:t>
+            </a:r>
+            <a:r>
+              <a:rPr lang="en-US" dirty="0" err="1"/>
+              <a:t>foobar.com</a:t>
+            </a:r>
+            <a:r>
+              <a:rPr lang="en-US" dirty="0"/>
+              <a:t>, dns1.foobar.com, NS)</a:t>
+            </a:r>
+          </a:p>
+          <a:p>
+            <a:pPr lvl="2"/>
+            <a:r>
+              <a:rPr lang="en-US" dirty="0"/>
+              <a:t>(dns1.foobar.com, 212.44.9.129, A)</a:t>
+            </a:r>
+          </a:p>
+          <a:p>
+            <a:r>
+              <a:rPr lang="en-US" dirty="0"/>
+              <a:t>Store resource records in your server dns1.foobar.com</a:t>
+            </a:r>
+          </a:p>
+          <a:p>
+            <a:pPr lvl="1"/>
+            <a:r>
+              <a:rPr lang="en-US" dirty="0"/>
+              <a:t>e.g., type A record for </a:t>
+            </a:r>
+            <a:r>
+              <a:rPr lang="en-US" dirty="0" err="1"/>
+              <a:t>www.foobar.com</a:t>
+            </a:r>
+            <a:endParaRPr lang="en-US" dirty="0"/>
+          </a:p>
+          <a:p>
+            <a:pPr lvl="1"/>
+            <a:r>
+              <a:rPr lang="en-US" dirty="0"/>
+              <a:t>e.g., type MX record for </a:t>
+            </a:r>
+            <a:r>
+              <a:rPr lang="en-US" dirty="0" err="1"/>
+              <a:t>foobar.com</a:t>
+            </a:r>
+            <a:endParaRPr lang="en-US" dirty="0"/>
+          </a:p>
+        </p:txBody>
+      </p:sp>
+      <p:sp>
+        <p:nvSpPr>
+          <p:cNvPr id="2" name="Date Placeholder 1"/>
           <p:cNvSpPr>
             <a:spLocks noGrp="1"/>
           </p:cNvSpPr>
@@ -22795,7 +20511,7 @@
       </p:sp>
       <p:sp>
         <p:nvSpPr>
-          <p:cNvPr id="5" name="Footer Placeholder 4"/>
+          <p:cNvPr id="3" name="Footer Placeholder 2"/>
           <p:cNvSpPr>
             <a:spLocks noGrp="1"/>
           </p:cNvSpPr>
@@ -22820,7 +20536,7 @@
       </p:sp>
       <p:sp>
         <p:nvSpPr>
-          <p:cNvPr id="6" name="Slide Number Placeholder 5"/>
+          <p:cNvPr id="4" name="Slide Number Placeholder 3"/>
           <p:cNvSpPr>
             <a:spLocks noGrp="1"/>
           </p:cNvSpPr>
@@ -22837,392 +20553,6 @@
               <a:rPr lang="en-US" smtClean="0"/>
               <a:pPr/>
               <a:t>27</a:t>
-            </a:fld>
-            <a:endParaRPr lang="en-US"/>
-          </a:p>
-        </p:txBody>
-      </p:sp>
-    </p:spTree>
-    <p:extLst>
-      <p:ext uri="{BB962C8B-B14F-4D97-AF65-F5344CB8AC3E}">
-        <p14:creationId xmlns:p14="http://schemas.microsoft.com/office/powerpoint/2010/main" val="202957718"/>
-      </p:ext>
-    </p:extLst>
-  </p:cSld>
-  <p:clrMapOvr>
-    <a:masterClrMapping/>
-  </p:clrMapOvr>
-</p:sld>
-</file>
-
-<file path=ppt/slides/slide28.xml><?xml version="1.0" encoding="utf-8"?>
-<p:sld xmlns:a="http://schemas.openxmlformats.org/drawingml/2006/main" xmlns:r="http://schemas.openxmlformats.org/officeDocument/2006/relationships" xmlns:p="http://schemas.openxmlformats.org/presentationml/2006/main">
-  <p:cSld>
-    <p:spTree>
-      <p:nvGrpSpPr>
-        <p:cNvPr id="1" name=""/>
-        <p:cNvGrpSpPr/>
-        <p:nvPr/>
-      </p:nvGrpSpPr>
-      <p:grpSpPr>
-        <a:xfrm>
-          <a:off x="0" y="0"/>
-          <a:ext cx="0" cy="0"/>
-          <a:chOff x="0" y="0"/>
-          <a:chExt cx="0" cy="0"/>
-        </a:xfrm>
-      </p:grpSpPr>
-      <p:sp>
-        <p:nvSpPr>
-          <p:cNvPr id="7" name="Title 6"/>
-          <p:cNvSpPr>
-            <a:spLocks noGrp="1"/>
-          </p:cNvSpPr>
-          <p:nvPr>
-            <p:ph type="title"/>
-          </p:nvPr>
-        </p:nvSpPr>
-        <p:spPr/>
-        <p:txBody>
-          <a:bodyPr/>
-          <a:lstStyle/>
-          <a:p>
-            <a:r>
-              <a:rPr lang="en-US" dirty="0"/>
-              <a:t>Announcements</a:t>
-            </a:r>
-          </a:p>
-        </p:txBody>
-      </p:sp>
-      <p:sp>
-        <p:nvSpPr>
-          <p:cNvPr id="8" name="Content Placeholder 7"/>
-          <p:cNvSpPr>
-            <a:spLocks noGrp="1"/>
-          </p:cNvSpPr>
-          <p:nvPr>
-            <p:ph idx="1"/>
-          </p:nvPr>
-        </p:nvSpPr>
-        <p:spPr/>
-        <p:txBody>
-          <a:bodyPr/>
-          <a:lstStyle/>
-          <a:p>
-            <a:r>
-              <a:rPr lang="en-US" b="1" dirty="0">
-                <a:solidFill>
-                  <a:srgbClr val="0000FF"/>
-                </a:solidFill>
-              </a:rPr>
-              <a:t>Assignment 1 due on September 28</a:t>
-            </a:r>
-          </a:p>
-          <a:p>
-            <a:endParaRPr lang="en-US" dirty="0"/>
-          </a:p>
-        </p:txBody>
-      </p:sp>
-      <p:sp>
-        <p:nvSpPr>
-          <p:cNvPr id="4" name="Date Placeholder 3"/>
-          <p:cNvSpPr>
-            <a:spLocks noGrp="1"/>
-          </p:cNvSpPr>
-          <p:nvPr>
-            <p:ph type="dt" sz="half" idx="10"/>
-          </p:nvPr>
-        </p:nvSpPr>
-        <p:spPr/>
-        <p:txBody>
-          <a:bodyPr/>
-          <a:lstStyle/>
-          <a:p>
-            <a:r>
-              <a:rPr lang="en-US"/>
-              <a:t>September 19, 2018</a:t>
-            </a:r>
-            <a:endParaRPr lang="en-US" sz="1050" b="0">
-              <a:latin typeface="Times New Roman" charset="0"/>
-            </a:endParaRPr>
-          </a:p>
-        </p:txBody>
-      </p:sp>
-      <p:sp>
-        <p:nvSpPr>
-          <p:cNvPr id="5" name="Footer Placeholder 4"/>
-          <p:cNvSpPr>
-            <a:spLocks noGrp="1"/>
-          </p:cNvSpPr>
-          <p:nvPr>
-            <p:ph type="ftr" sz="quarter" idx="11"/>
-          </p:nvPr>
-        </p:nvSpPr>
-        <p:spPr/>
-        <p:txBody>
-          <a:bodyPr/>
-          <a:lstStyle/>
-          <a:p>
-            <a:r>
-              <a:rPr lang="en-US"/>
-              <a:t>EECS 489 – Lecture 5</a:t>
-            </a:r>
-            <a:endParaRPr lang="en-US" sz="1050" b="0">
-              <a:latin typeface="Times New Roman" charset="0"/>
-            </a:endParaRPr>
-          </a:p>
-        </p:txBody>
-      </p:sp>
-      <p:sp>
-        <p:nvSpPr>
-          <p:cNvPr id="6" name="Slide Number Placeholder 5"/>
-          <p:cNvSpPr>
-            <a:spLocks noGrp="1"/>
-          </p:cNvSpPr>
-          <p:nvPr>
-            <p:ph type="sldNum" sz="quarter" idx="12"/>
-          </p:nvPr>
-        </p:nvSpPr>
-        <p:spPr/>
-        <p:txBody>
-          <a:bodyPr/>
-          <a:lstStyle/>
-          <a:p>
-            <a:fld id="{81F2EB77-FB6C-2244-A076-ADF097535D48}" type="slidenum">
-              <a:rPr lang="en-US" smtClean="0"/>
-              <a:pPr/>
-              <a:t>28</a:t>
-            </a:fld>
-            <a:endParaRPr lang="en-US"/>
-          </a:p>
-        </p:txBody>
-      </p:sp>
-    </p:spTree>
-    <p:extLst>
-      <p:ext uri="{BB962C8B-B14F-4D97-AF65-F5344CB8AC3E}">
-        <p14:creationId xmlns:p14="http://schemas.microsoft.com/office/powerpoint/2010/main" val="1677897595"/>
-      </p:ext>
-    </p:extLst>
-  </p:cSld>
-  <p:clrMapOvr>
-    <a:masterClrMapping/>
-  </p:clrMapOvr>
-</p:sld>
-</file>
-
-<file path=ppt/slides/slide29.xml><?xml version="1.0" encoding="utf-8"?>
-<p:sld xmlns:a="http://schemas.openxmlformats.org/drawingml/2006/main" xmlns:r="http://schemas.openxmlformats.org/officeDocument/2006/relationships" xmlns:p="http://schemas.openxmlformats.org/presentationml/2006/main">
-  <p:cSld>
-    <p:spTree>
-      <p:nvGrpSpPr>
-        <p:cNvPr id="1" name=""/>
-        <p:cNvGrpSpPr/>
-        <p:nvPr/>
-      </p:nvGrpSpPr>
-      <p:grpSpPr>
-        <a:xfrm>
-          <a:off x="0" y="0"/>
-          <a:ext cx="0" cy="0"/>
-          <a:chOff x="0" y="0"/>
-          <a:chExt cx="0" cy="0"/>
-        </a:xfrm>
-      </p:grpSpPr>
-      <p:sp>
-        <p:nvSpPr>
-          <p:cNvPr id="101379" name="Rectangle 2"/>
-          <p:cNvSpPr>
-            <a:spLocks noGrp="1" noChangeArrowheads="1"/>
-          </p:cNvSpPr>
-          <p:nvPr>
-            <p:ph type="title"/>
-          </p:nvPr>
-        </p:nvSpPr>
-        <p:spPr/>
-        <p:txBody>
-          <a:bodyPr/>
-          <a:lstStyle/>
-          <a:p>
-            <a:r>
-              <a:rPr lang="en-US"/>
-              <a:t>Inserting Resource Records into DNS</a:t>
-            </a:r>
-            <a:endParaRPr lang="en-US" dirty="0"/>
-          </a:p>
-        </p:txBody>
-      </p:sp>
-      <p:sp>
-        <p:nvSpPr>
-          <p:cNvPr id="971779" name="Rectangle 3"/>
-          <p:cNvSpPr>
-            <a:spLocks noGrp="1" noChangeArrowheads="1"/>
-          </p:cNvSpPr>
-          <p:nvPr>
-            <p:ph idx="1"/>
-          </p:nvPr>
-        </p:nvSpPr>
-        <p:spPr/>
-        <p:txBody>
-          <a:bodyPr/>
-          <a:lstStyle/>
-          <a:p>
-            <a:r>
-              <a:rPr lang="en-US" dirty="0"/>
-              <a:t>Register </a:t>
-            </a:r>
-            <a:r>
-              <a:rPr lang="en-US" dirty="0" err="1"/>
-              <a:t>foobar.com</a:t>
-            </a:r>
-            <a:r>
-              <a:rPr lang="en-US" dirty="0"/>
-              <a:t> at registrar (</a:t>
-            </a:r>
-            <a:r>
-              <a:rPr lang="en-US" dirty="0" err="1"/>
-              <a:t>GoDaddy</a:t>
-            </a:r>
-            <a:r>
-              <a:rPr lang="en-US" dirty="0"/>
-              <a:t>) </a:t>
-            </a:r>
-          </a:p>
-          <a:p>
-            <a:pPr lvl="1"/>
-            <a:r>
-              <a:rPr lang="en-US" dirty="0"/>
-              <a:t>Provide registrar with names and IP addresses of your authoritative name server(s)</a:t>
-            </a:r>
-          </a:p>
-          <a:p>
-            <a:pPr lvl="1"/>
-            <a:r>
-              <a:rPr lang="en-US" dirty="0"/>
-              <a:t>Registrar inserts RR pairs into the .com TLD server:</a:t>
-            </a:r>
-          </a:p>
-          <a:p>
-            <a:pPr lvl="2"/>
-            <a:r>
-              <a:rPr lang="en-US" dirty="0"/>
-              <a:t>(</a:t>
-            </a:r>
-            <a:r>
-              <a:rPr lang="en-US" dirty="0" err="1"/>
-              <a:t>foobar.com</a:t>
-            </a:r>
-            <a:r>
-              <a:rPr lang="en-US" dirty="0"/>
-              <a:t>, dns1.foobar.com, NS)</a:t>
-            </a:r>
-          </a:p>
-          <a:p>
-            <a:pPr lvl="2"/>
-            <a:r>
-              <a:rPr lang="en-US" dirty="0"/>
-              <a:t>(dns1.foobar.com, 212.44.9.129, A)</a:t>
-            </a:r>
-          </a:p>
-          <a:p>
-            <a:r>
-              <a:rPr lang="en-US" dirty="0"/>
-              <a:t>Store resource records in your server dns1.foobar.com</a:t>
-            </a:r>
-          </a:p>
-          <a:p>
-            <a:pPr lvl="1"/>
-            <a:r>
-              <a:rPr lang="en-US" dirty="0"/>
-              <a:t>e.g., type A record for </a:t>
-            </a:r>
-            <a:r>
-              <a:rPr lang="en-US" dirty="0" err="1"/>
-              <a:t>www.foobar.com</a:t>
-            </a:r>
-            <a:endParaRPr lang="en-US" dirty="0"/>
-          </a:p>
-          <a:p>
-            <a:pPr lvl="1"/>
-            <a:r>
-              <a:rPr lang="en-US" dirty="0"/>
-              <a:t>e.g., type MX record for </a:t>
-            </a:r>
-            <a:r>
-              <a:rPr lang="en-US" dirty="0" err="1"/>
-              <a:t>foobar.com</a:t>
-            </a:r>
-            <a:endParaRPr lang="en-US" dirty="0"/>
-          </a:p>
-        </p:txBody>
-      </p:sp>
-      <p:sp>
-        <p:nvSpPr>
-          <p:cNvPr id="2" name="Date Placeholder 1"/>
-          <p:cNvSpPr>
-            <a:spLocks noGrp="1"/>
-          </p:cNvSpPr>
-          <p:nvPr>
-            <p:ph type="dt" sz="half" idx="10"/>
-          </p:nvPr>
-        </p:nvSpPr>
-        <p:spPr/>
-        <p:txBody>
-          <a:bodyPr/>
-          <a:lstStyle/>
-          <a:p>
-            <a:r>
-              <a:rPr lang="en-US"/>
-              <a:t>September 19, 2018</a:t>
-            </a:r>
-            <a:endParaRPr lang="en-US" sz="1050" b="0">
-              <a:latin typeface="Times New Roman" charset="0"/>
-            </a:endParaRPr>
-          </a:p>
-        </p:txBody>
-      </p:sp>
-      <p:sp>
-        <p:nvSpPr>
-          <p:cNvPr id="3" name="Footer Placeholder 2"/>
-          <p:cNvSpPr>
-            <a:spLocks noGrp="1"/>
-          </p:cNvSpPr>
-          <p:nvPr>
-            <p:ph type="ftr" sz="quarter" idx="11"/>
-          </p:nvPr>
-        </p:nvSpPr>
-        <p:spPr/>
-        <p:txBody>
-          <a:bodyPr/>
-          <a:lstStyle/>
-          <a:p>
-            <a:r>
-              <a:rPr lang="en-US"/>
-              <a:t>EECS 489 – Lecture 5</a:t>
-            </a:r>
-            <a:endParaRPr lang="en-US" sz="1050" b="0">
-              <a:latin typeface="Times New Roman" charset="0"/>
-            </a:endParaRPr>
-          </a:p>
-        </p:txBody>
-      </p:sp>
-      <p:sp>
-        <p:nvSpPr>
-          <p:cNvPr id="4" name="Slide Number Placeholder 3"/>
-          <p:cNvSpPr>
-            <a:spLocks noGrp="1"/>
-          </p:cNvSpPr>
-          <p:nvPr>
-            <p:ph type="sldNum" sz="quarter" idx="12"/>
-          </p:nvPr>
-        </p:nvSpPr>
-        <p:spPr/>
-        <p:txBody>
-          <a:bodyPr/>
-          <a:lstStyle/>
-          <a:p>
-            <a:fld id="{A190D881-957A-7944-A8D0-1584E528B88F}" type="slidenum">
-              <a:rPr lang="en-US" smtClean="0"/>
-              <a:pPr/>
-              <a:t>29</a:t>
             </a:fld>
             <a:endParaRPr lang="en-US"/>
           </a:p>
@@ -23558,7 +20888,7 @@
 </p:sld>
 </file>
 
-<file path=ppt/slides/slide3.xml><?xml version="1.0" encoding="utf-8"?>
+<file path=ppt/slides/slide28.xml><?xml version="1.0" encoding="utf-8"?>
 <p:sld xmlns:a="http://schemas.openxmlformats.org/drawingml/2006/main" xmlns:r="http://schemas.openxmlformats.org/officeDocument/2006/relationships" xmlns:p="http://schemas.openxmlformats.org/presentationml/2006/main">
   <p:cSld>
     <p:spTree>
@@ -23577,573 +20907,6 @@
       </p:grpSpPr>
       <p:sp>
         <p:nvSpPr>
-          <p:cNvPr id="2" name="Title 1"/>
-          <p:cNvSpPr>
-            <a:spLocks noGrp="1"/>
-          </p:cNvSpPr>
-          <p:nvPr>
-            <p:ph type="title"/>
-          </p:nvPr>
-        </p:nvSpPr>
-        <p:spPr/>
-        <p:txBody>
-          <a:bodyPr/>
-          <a:lstStyle/>
-          <a:p>
-            <a:r>
-              <a:rPr lang="en-US" dirty="0"/>
-              <a:t>Recap:</a:t>
-            </a:r>
-            <a:br>
-              <a:rPr lang="en-US" dirty="0"/>
-            </a:br>
-            <a:r>
-              <a:rPr lang="en-US" dirty="0"/>
-              <a:t>Improving HTTP performance</a:t>
-            </a:r>
-          </a:p>
-        </p:txBody>
-      </p:sp>
-      <p:sp>
-        <p:nvSpPr>
-          <p:cNvPr id="3" name="Content Placeholder 2"/>
-          <p:cNvSpPr>
-            <a:spLocks noGrp="1"/>
-          </p:cNvSpPr>
-          <p:nvPr>
-            <p:ph idx="1"/>
-          </p:nvPr>
-        </p:nvSpPr>
-        <p:spPr/>
-        <p:txBody>
-          <a:bodyPr/>
-          <a:lstStyle/>
-          <a:p>
-            <a:r>
-              <a:rPr lang="en-US" dirty="0"/>
-              <a:t>Optimizing connections using </a:t>
-            </a:r>
-            <a:r>
-              <a:rPr lang="en-US" dirty="0">
-                <a:solidFill>
-                  <a:srgbClr val="0000FF"/>
-                </a:solidFill>
-              </a:rPr>
-              <a:t>three “P”s</a:t>
-            </a:r>
-          </a:p>
-          <a:p>
-            <a:pPr lvl="1"/>
-            <a:r>
-              <a:rPr lang="en-US" dirty="0"/>
-              <a:t>Persistent connections </a:t>
-            </a:r>
-          </a:p>
-          <a:p>
-            <a:pPr lvl="1"/>
-            <a:r>
-              <a:rPr lang="en-US" dirty="0"/>
-              <a:t>Parallel/concurrent connections </a:t>
-            </a:r>
-          </a:p>
-          <a:p>
-            <a:pPr lvl="1"/>
-            <a:r>
-              <a:rPr lang="en-US" dirty="0"/>
-              <a:t>Pipelined transfers over the same connection</a:t>
-            </a:r>
-          </a:p>
-          <a:p>
-            <a:r>
-              <a:rPr lang="en-US" dirty="0"/>
-              <a:t>Caching</a:t>
-            </a:r>
-          </a:p>
-          <a:p>
-            <a:pPr lvl="1"/>
-            <a:r>
-              <a:rPr lang="en-US" dirty="0"/>
-              <a:t>Forward proxy: close to clients</a:t>
-            </a:r>
-          </a:p>
-          <a:p>
-            <a:pPr lvl="1"/>
-            <a:r>
-              <a:rPr lang="en-US" dirty="0"/>
-              <a:t>Reverse proxy: close to servers</a:t>
-            </a:r>
-          </a:p>
-          <a:p>
-            <a:r>
-              <a:rPr lang="en-US" dirty="0"/>
-              <a:t>Replication</a:t>
-            </a:r>
-          </a:p>
-          <a:p>
-            <a:pPr lvl="1"/>
-            <a:endParaRPr lang="en-US" dirty="0"/>
-          </a:p>
-        </p:txBody>
-      </p:sp>
-      <p:sp>
-        <p:nvSpPr>
-          <p:cNvPr id="4" name="Date Placeholder 3"/>
-          <p:cNvSpPr>
-            <a:spLocks noGrp="1"/>
-          </p:cNvSpPr>
-          <p:nvPr>
-            <p:ph type="dt" sz="half" idx="10"/>
-          </p:nvPr>
-        </p:nvSpPr>
-        <p:spPr/>
-        <p:txBody>
-          <a:bodyPr/>
-          <a:lstStyle/>
-          <a:p>
-            <a:r>
-              <a:rPr lang="en-US"/>
-              <a:t>September 19, 2018</a:t>
-            </a:r>
-            <a:endParaRPr lang="en-US" sz="1050" b="0">
-              <a:latin typeface="Times New Roman" charset="0"/>
-            </a:endParaRPr>
-          </a:p>
-        </p:txBody>
-      </p:sp>
-      <p:sp>
-        <p:nvSpPr>
-          <p:cNvPr id="5" name="Footer Placeholder 4"/>
-          <p:cNvSpPr>
-            <a:spLocks noGrp="1"/>
-          </p:cNvSpPr>
-          <p:nvPr>
-            <p:ph type="ftr" sz="quarter" idx="11"/>
-          </p:nvPr>
-        </p:nvSpPr>
-        <p:spPr/>
-        <p:txBody>
-          <a:bodyPr/>
-          <a:lstStyle/>
-          <a:p>
-            <a:r>
-              <a:rPr lang="en-US"/>
-              <a:t>EECS 489 – Lecture 5</a:t>
-            </a:r>
-            <a:endParaRPr lang="en-US" sz="1050" b="0">
-              <a:latin typeface="Times New Roman" charset="0"/>
-            </a:endParaRPr>
-          </a:p>
-        </p:txBody>
-      </p:sp>
-      <p:sp>
-        <p:nvSpPr>
-          <p:cNvPr id="6" name="Slide Number Placeholder 5"/>
-          <p:cNvSpPr>
-            <a:spLocks noGrp="1"/>
-          </p:cNvSpPr>
-          <p:nvPr>
-            <p:ph type="sldNum" sz="quarter" idx="12"/>
-          </p:nvPr>
-        </p:nvSpPr>
-        <p:spPr/>
-        <p:txBody>
-          <a:bodyPr/>
-          <a:lstStyle/>
-          <a:p>
-            <a:fld id="{A190D881-957A-7944-A8D0-1584E528B88F}" type="slidenum">
-              <a:rPr lang="en-US" smtClean="0"/>
-              <a:pPr/>
-              <a:t>3</a:t>
-            </a:fld>
-            <a:endParaRPr lang="en-US"/>
-          </a:p>
-        </p:txBody>
-      </p:sp>
-    </p:spTree>
-    <p:extLst>
-      <p:ext uri="{BB962C8B-B14F-4D97-AF65-F5344CB8AC3E}">
-        <p14:creationId xmlns:p14="http://schemas.microsoft.com/office/powerpoint/2010/main" val="1472821813"/>
-      </p:ext>
-    </p:extLst>
-  </p:cSld>
-  <p:clrMapOvr>
-    <a:masterClrMapping/>
-  </p:clrMapOvr>
-  <p:timing>
-    <p:tnLst>
-      <p:par>
-        <p:cTn id="1" dur="indefinite" restart="never" nodeType="tmRoot">
-          <p:childTnLst>
-            <p:seq concurrent="1" nextAc="seek">
-              <p:cTn id="2" dur="indefinite" nodeType="mainSeq">
-                <p:childTnLst>
-                  <p:par>
-                    <p:cTn id="3" fill="hold">
-                      <p:stCondLst>
-                        <p:cond delay="indefinite"/>
-                      </p:stCondLst>
-                      <p:childTnLst>
-                        <p:par>
-                          <p:cTn id="4" fill="hold">
-                            <p:stCondLst>
-                              <p:cond delay="0"/>
-                            </p:stCondLst>
-                            <p:childTnLst>
-                              <p:par>
-                                <p:cTn id="5" presetID="1" presetClass="entr" presetSubtype="0" fill="hold" grpId="0" nodeType="clickEffect">
-                                  <p:stCondLst>
-                                    <p:cond delay="0"/>
-                                  </p:stCondLst>
-                                  <p:childTnLst>
-                                    <p:set>
-                                      <p:cBhvr>
-                                        <p:cTn id="6" dur="1" fill="hold">
-                                          <p:stCondLst>
-                                            <p:cond delay="0"/>
-                                          </p:stCondLst>
-                                        </p:cTn>
-                                        <p:tgtEl>
-                                          <p:spTgt spid="3">
-                                            <p:txEl>
-                                              <p:pRg st="0" end="0"/>
-                                            </p:txEl>
-                                          </p:spTgt>
-                                        </p:tgtEl>
-                                        <p:attrNameLst>
-                                          <p:attrName>style.visibility</p:attrName>
-                                        </p:attrNameLst>
-                                      </p:cBhvr>
-                                      <p:to>
-                                        <p:strVal val="visible"/>
-                                      </p:to>
-                                    </p:set>
-                                  </p:childTnLst>
-                                </p:cTn>
-                              </p:par>
-                            </p:childTnLst>
-                          </p:cTn>
-                        </p:par>
-                      </p:childTnLst>
-                    </p:cTn>
-                  </p:par>
-                  <p:par>
-                    <p:cTn id="7" fill="hold">
-                      <p:stCondLst>
-                        <p:cond delay="indefinite"/>
-                      </p:stCondLst>
-                      <p:childTnLst>
-                        <p:par>
-                          <p:cTn id="8" fill="hold">
-                            <p:stCondLst>
-                              <p:cond delay="0"/>
-                            </p:stCondLst>
-                            <p:childTnLst>
-                              <p:par>
-                                <p:cTn id="9" presetID="1" presetClass="entr" presetSubtype="0" fill="hold" grpId="0" nodeType="clickEffect">
-                                  <p:stCondLst>
-                                    <p:cond delay="0"/>
-                                  </p:stCondLst>
-                                  <p:childTnLst>
-                                    <p:set>
-                                      <p:cBhvr>
-                                        <p:cTn id="10" dur="1" fill="hold">
-                                          <p:stCondLst>
-                                            <p:cond delay="0"/>
-                                          </p:stCondLst>
-                                        </p:cTn>
-                                        <p:tgtEl>
-                                          <p:spTgt spid="3">
-                                            <p:txEl>
-                                              <p:pRg st="1" end="1"/>
-                                            </p:txEl>
-                                          </p:spTgt>
-                                        </p:tgtEl>
-                                        <p:attrNameLst>
-                                          <p:attrName>style.visibility</p:attrName>
-                                        </p:attrNameLst>
-                                      </p:cBhvr>
-                                      <p:to>
-                                        <p:strVal val="visible"/>
-                                      </p:to>
-                                    </p:set>
-                                  </p:childTnLst>
-                                </p:cTn>
-                              </p:par>
-                              <p:par>
-                                <p:cTn id="11" presetID="1" presetClass="entr" presetSubtype="0" fill="hold" grpId="0" nodeType="withEffect">
-                                  <p:stCondLst>
-                                    <p:cond delay="0"/>
-                                  </p:stCondLst>
-                                  <p:childTnLst>
-                                    <p:set>
-                                      <p:cBhvr>
-                                        <p:cTn id="12" dur="1" fill="hold">
-                                          <p:stCondLst>
-                                            <p:cond delay="0"/>
-                                          </p:stCondLst>
-                                        </p:cTn>
-                                        <p:tgtEl>
-                                          <p:spTgt spid="3">
-                                            <p:txEl>
-                                              <p:pRg st="2" end="2"/>
-                                            </p:txEl>
-                                          </p:spTgt>
-                                        </p:tgtEl>
-                                        <p:attrNameLst>
-                                          <p:attrName>style.visibility</p:attrName>
-                                        </p:attrNameLst>
-                                      </p:cBhvr>
-                                      <p:to>
-                                        <p:strVal val="visible"/>
-                                      </p:to>
-                                    </p:set>
-                                  </p:childTnLst>
-                                </p:cTn>
-                              </p:par>
-                              <p:par>
-                                <p:cTn id="13" presetID="1" presetClass="entr" presetSubtype="0" fill="hold" grpId="0" nodeType="withEffect">
-                                  <p:stCondLst>
-                                    <p:cond delay="0"/>
-                                  </p:stCondLst>
-                                  <p:childTnLst>
-                                    <p:set>
-                                      <p:cBhvr>
-                                        <p:cTn id="14" dur="1" fill="hold">
-                                          <p:stCondLst>
-                                            <p:cond delay="0"/>
-                                          </p:stCondLst>
-                                        </p:cTn>
-                                        <p:tgtEl>
-                                          <p:spTgt spid="3">
-                                            <p:txEl>
-                                              <p:pRg st="3" end="3"/>
-                                            </p:txEl>
-                                          </p:spTgt>
-                                        </p:tgtEl>
-                                        <p:attrNameLst>
-                                          <p:attrName>style.visibility</p:attrName>
-                                        </p:attrNameLst>
-                                      </p:cBhvr>
-                                      <p:to>
-                                        <p:strVal val="visible"/>
-                                      </p:to>
-                                    </p:set>
-                                  </p:childTnLst>
-                                </p:cTn>
-                              </p:par>
-                            </p:childTnLst>
-                          </p:cTn>
-                        </p:par>
-                      </p:childTnLst>
-                    </p:cTn>
-                  </p:par>
-                  <p:par>
-                    <p:cTn id="15" fill="hold">
-                      <p:stCondLst>
-                        <p:cond delay="indefinite"/>
-                      </p:stCondLst>
-                      <p:childTnLst>
-                        <p:par>
-                          <p:cTn id="16" fill="hold">
-                            <p:stCondLst>
-                              <p:cond delay="0"/>
-                            </p:stCondLst>
-                            <p:childTnLst>
-                              <p:par>
-                                <p:cTn id="17" presetID="1" presetClass="entr" presetSubtype="0" fill="hold" grpId="0" nodeType="clickEffect">
-                                  <p:stCondLst>
-                                    <p:cond delay="0"/>
-                                  </p:stCondLst>
-                                  <p:childTnLst>
-                                    <p:set>
-                                      <p:cBhvr>
-                                        <p:cTn id="18" dur="1" fill="hold">
-                                          <p:stCondLst>
-                                            <p:cond delay="0"/>
-                                          </p:stCondLst>
-                                        </p:cTn>
-                                        <p:tgtEl>
-                                          <p:spTgt spid="3">
-                                            <p:txEl>
-                                              <p:pRg st="4" end="4"/>
-                                            </p:txEl>
-                                          </p:spTgt>
-                                        </p:tgtEl>
-                                        <p:attrNameLst>
-                                          <p:attrName>style.visibility</p:attrName>
-                                        </p:attrNameLst>
-                                      </p:cBhvr>
-                                      <p:to>
-                                        <p:strVal val="visible"/>
-                                      </p:to>
-                                    </p:set>
-                                  </p:childTnLst>
-                                </p:cTn>
-                              </p:par>
-                              <p:par>
-                                <p:cTn id="19" presetID="1" presetClass="entr" presetSubtype="0" fill="hold" grpId="0" nodeType="withEffect">
-                                  <p:stCondLst>
-                                    <p:cond delay="0"/>
-                                  </p:stCondLst>
-                                  <p:childTnLst>
-                                    <p:set>
-                                      <p:cBhvr>
-                                        <p:cTn id="20" dur="1" fill="hold">
-                                          <p:stCondLst>
-                                            <p:cond delay="0"/>
-                                          </p:stCondLst>
-                                        </p:cTn>
-                                        <p:tgtEl>
-                                          <p:spTgt spid="3">
-                                            <p:txEl>
-                                              <p:pRg st="5" end="5"/>
-                                            </p:txEl>
-                                          </p:spTgt>
-                                        </p:tgtEl>
-                                        <p:attrNameLst>
-                                          <p:attrName>style.visibility</p:attrName>
-                                        </p:attrNameLst>
-                                      </p:cBhvr>
-                                      <p:to>
-                                        <p:strVal val="visible"/>
-                                      </p:to>
-                                    </p:set>
-                                  </p:childTnLst>
-                                </p:cTn>
-                              </p:par>
-                              <p:par>
-                                <p:cTn id="21" presetID="1" presetClass="entr" presetSubtype="0" fill="hold" grpId="0" nodeType="withEffect">
-                                  <p:stCondLst>
-                                    <p:cond delay="0"/>
-                                  </p:stCondLst>
-                                  <p:childTnLst>
-                                    <p:set>
-                                      <p:cBhvr>
-                                        <p:cTn id="22" dur="1" fill="hold">
-                                          <p:stCondLst>
-                                            <p:cond delay="0"/>
-                                          </p:stCondLst>
-                                        </p:cTn>
-                                        <p:tgtEl>
-                                          <p:spTgt spid="3">
-                                            <p:txEl>
-                                              <p:pRg st="6" end="6"/>
-                                            </p:txEl>
-                                          </p:spTgt>
-                                        </p:tgtEl>
-                                        <p:attrNameLst>
-                                          <p:attrName>style.visibility</p:attrName>
-                                        </p:attrNameLst>
-                                      </p:cBhvr>
-                                      <p:to>
-                                        <p:strVal val="visible"/>
-                                      </p:to>
-                                    </p:set>
-                                  </p:childTnLst>
-                                </p:cTn>
-                              </p:par>
-                            </p:childTnLst>
-                          </p:cTn>
-                        </p:par>
-                      </p:childTnLst>
-                    </p:cTn>
-                  </p:par>
-                  <p:par>
-                    <p:cTn id="23" fill="hold">
-                      <p:stCondLst>
-                        <p:cond delay="indefinite"/>
-                      </p:stCondLst>
-                      <p:childTnLst>
-                        <p:par>
-                          <p:cTn id="24" fill="hold">
-                            <p:stCondLst>
-                              <p:cond delay="0"/>
-                            </p:stCondLst>
-                            <p:childTnLst>
-                              <p:par>
-                                <p:cTn id="25" presetID="1" presetClass="entr" presetSubtype="0" fill="hold" grpId="0" nodeType="clickEffect">
-                                  <p:stCondLst>
-                                    <p:cond delay="0"/>
-                                  </p:stCondLst>
-                                  <p:childTnLst>
-                                    <p:set>
-                                      <p:cBhvr>
-                                        <p:cTn id="26" dur="1" fill="hold">
-                                          <p:stCondLst>
-                                            <p:cond delay="0"/>
-                                          </p:stCondLst>
-                                        </p:cTn>
-                                        <p:tgtEl>
-                                          <p:spTgt spid="3">
-                                            <p:txEl>
-                                              <p:pRg st="7" end="7"/>
-                                            </p:txEl>
-                                          </p:spTgt>
-                                        </p:tgtEl>
-                                        <p:attrNameLst>
-                                          <p:attrName>style.visibility</p:attrName>
-                                        </p:attrNameLst>
-                                      </p:cBhvr>
-                                      <p:to>
-                                        <p:strVal val="visible"/>
-                                      </p:to>
-                                    </p:set>
-                                  </p:childTnLst>
-                                </p:cTn>
-                              </p:par>
-                            </p:childTnLst>
-                          </p:cTn>
-                        </p:par>
-                      </p:childTnLst>
-                    </p:cTn>
-                  </p:par>
-                </p:childTnLst>
-              </p:cTn>
-              <p:prevCondLst>
-                <p:cond evt="onPrev" delay="0">
-                  <p:tgtEl>
-                    <p:sldTgt/>
-                  </p:tgtEl>
-                </p:cond>
-              </p:prevCondLst>
-              <p:nextCondLst>
-                <p:cond evt="onNext" delay="0">
-                  <p:tgtEl>
-                    <p:sldTgt/>
-                  </p:tgtEl>
-                </p:cond>
-              </p:nextCondLst>
-            </p:seq>
-          </p:childTnLst>
-        </p:cTn>
-      </p:par>
-    </p:tnLst>
-    <p:bldLst>
-      <p:bldP spid="3" grpId="0" uiExpand="1" build="p"/>
-    </p:bldLst>
-  </p:timing>
-</p:sld>
-</file>
-
-<file path=ppt/slides/slide30.xml><?xml version="1.0" encoding="utf-8"?>
-<p:sld xmlns:a="http://schemas.openxmlformats.org/drawingml/2006/main" xmlns:r="http://schemas.openxmlformats.org/officeDocument/2006/relationships" xmlns:p="http://schemas.openxmlformats.org/presentationml/2006/main">
-  <p:cSld>
-    <p:spTree>
-      <p:nvGrpSpPr>
-        <p:cNvPr id="1" name=""/>
-        <p:cNvGrpSpPr/>
-        <p:nvPr/>
-      </p:nvGrpSpPr>
-      <p:grpSpPr>
-        <a:xfrm>
-          <a:off x="0" y="0"/>
-          <a:ext cx="0" cy="0"/>
-          <a:chOff x="0" y="0"/>
-          <a:chExt cx="0" cy="0"/>
-        </a:xfrm>
-      </p:grpSpPr>
-      <p:sp>
-        <p:nvSpPr>
           <p:cNvPr id="80899" name="Rectangle 2"/>
           <p:cNvSpPr>
             <a:spLocks noGrp="1" noChangeArrowheads="1"/>
@@ -24328,7 +21091,7 @@
             <a:fld id="{A190D881-957A-7944-A8D0-1584E528B88F}" type="slidenum">
               <a:rPr lang="en-US" smtClean="0"/>
               <a:pPr/>
-              <a:t>30</a:t>
+              <a:t>28</a:t>
             </a:fld>
             <a:endParaRPr lang="en-US"/>
           </a:p>
@@ -24682,7 +21445,7 @@
 </p:sld>
 </file>
 
-<file path=ppt/slides/slide31.xml><?xml version="1.0" encoding="utf-8"?>
+<file path=ppt/slides/slide29.xml><?xml version="1.0" encoding="utf-8"?>
 <p:sld xmlns:a="http://schemas.openxmlformats.org/drawingml/2006/main" xmlns:r="http://schemas.openxmlformats.org/officeDocument/2006/relationships" xmlns:p="http://schemas.openxmlformats.org/presentationml/2006/main">
   <p:cSld>
     <p:spTree>
@@ -25760,7 +22523,7 @@
             <a:fld id="{9507A418-0CEB-9E4A-BA45-3B7D3D133EB9}" type="slidenum">
               <a:rPr lang="en-US" smtClean="0"/>
               <a:pPr/>
-              <a:t>31</a:t>
+              <a:t>29</a:t>
             </a:fld>
             <a:endParaRPr lang="en-US"/>
           </a:p>
@@ -25958,7 +22721,556 @@
 </p:sld>
 </file>
 
-<file path=ppt/slides/slide32.xml><?xml version="1.0" encoding="utf-8"?>
+<file path=ppt/slides/slide3.xml><?xml version="1.0" encoding="utf-8"?>
+<p:sld xmlns:a="http://schemas.openxmlformats.org/drawingml/2006/main" xmlns:r="http://schemas.openxmlformats.org/officeDocument/2006/relationships" xmlns:p="http://schemas.openxmlformats.org/presentationml/2006/main">
+  <p:cSld>
+    <p:spTree>
+      <p:nvGrpSpPr>
+        <p:cNvPr id="1" name=""/>
+        <p:cNvGrpSpPr/>
+        <p:nvPr/>
+      </p:nvGrpSpPr>
+      <p:grpSpPr>
+        <a:xfrm>
+          <a:off x="0" y="0"/>
+          <a:ext cx="0" cy="0"/>
+          <a:chOff x="0" y="0"/>
+          <a:chExt cx="0" cy="0"/>
+        </a:xfrm>
+      </p:grpSpPr>
+      <p:sp>
+        <p:nvSpPr>
+          <p:cNvPr id="2" name="Title 1"/>
+          <p:cNvSpPr>
+            <a:spLocks noGrp="1"/>
+          </p:cNvSpPr>
+          <p:nvPr>
+            <p:ph type="title"/>
+          </p:nvPr>
+        </p:nvSpPr>
+        <p:spPr/>
+        <p:txBody>
+          <a:bodyPr/>
+          <a:lstStyle/>
+          <a:p>
+            <a:r>
+              <a:rPr lang="en-US" dirty="0"/>
+              <a:t>Recap:</a:t>
+            </a:r>
+            <a:br>
+              <a:rPr lang="en-US" dirty="0"/>
+            </a:br>
+            <a:r>
+              <a:rPr lang="en-US" dirty="0"/>
+              <a:t>Improving HTTP performance</a:t>
+            </a:r>
+          </a:p>
+        </p:txBody>
+      </p:sp>
+      <p:sp>
+        <p:nvSpPr>
+          <p:cNvPr id="3" name="Content Placeholder 2"/>
+          <p:cNvSpPr>
+            <a:spLocks noGrp="1"/>
+          </p:cNvSpPr>
+          <p:nvPr>
+            <p:ph idx="1"/>
+          </p:nvPr>
+        </p:nvSpPr>
+        <p:spPr/>
+        <p:txBody>
+          <a:bodyPr/>
+          <a:lstStyle/>
+          <a:p>
+            <a:r>
+              <a:rPr lang="en-US" dirty="0"/>
+              <a:t>Optimizing connections using </a:t>
+            </a:r>
+            <a:r>
+              <a:rPr lang="en-US" dirty="0">
+                <a:solidFill>
+                  <a:srgbClr val="0000FF"/>
+                </a:solidFill>
+              </a:rPr>
+              <a:t>three “P”s</a:t>
+            </a:r>
+          </a:p>
+          <a:p>
+            <a:pPr lvl="1"/>
+            <a:r>
+              <a:rPr lang="en-US" dirty="0"/>
+              <a:t>Persistent connections </a:t>
+            </a:r>
+          </a:p>
+          <a:p>
+            <a:pPr lvl="1"/>
+            <a:r>
+              <a:rPr lang="en-US" dirty="0"/>
+              <a:t>Parallel/concurrent connections </a:t>
+            </a:r>
+          </a:p>
+          <a:p>
+            <a:pPr lvl="1"/>
+            <a:r>
+              <a:rPr lang="en-US" dirty="0"/>
+              <a:t>Pipelined transfers over the same connection</a:t>
+            </a:r>
+          </a:p>
+          <a:p>
+            <a:r>
+              <a:rPr lang="en-US" dirty="0"/>
+              <a:t>Caching</a:t>
+            </a:r>
+          </a:p>
+          <a:p>
+            <a:pPr lvl="1"/>
+            <a:r>
+              <a:rPr lang="en-US" dirty="0"/>
+              <a:t>Forward proxy: close to clients</a:t>
+            </a:r>
+          </a:p>
+          <a:p>
+            <a:pPr lvl="1"/>
+            <a:r>
+              <a:rPr lang="en-US" dirty="0"/>
+              <a:t>Reverse proxy: close to servers</a:t>
+            </a:r>
+          </a:p>
+          <a:p>
+            <a:r>
+              <a:rPr lang="en-US" dirty="0"/>
+              <a:t>Replication</a:t>
+            </a:r>
+          </a:p>
+          <a:p>
+            <a:pPr lvl="1"/>
+            <a:endParaRPr lang="en-US" dirty="0"/>
+          </a:p>
+        </p:txBody>
+      </p:sp>
+      <p:sp>
+        <p:nvSpPr>
+          <p:cNvPr id="4" name="Date Placeholder 3"/>
+          <p:cNvSpPr>
+            <a:spLocks noGrp="1"/>
+          </p:cNvSpPr>
+          <p:nvPr>
+            <p:ph type="dt" sz="half" idx="10"/>
+          </p:nvPr>
+        </p:nvSpPr>
+        <p:spPr/>
+        <p:txBody>
+          <a:bodyPr/>
+          <a:lstStyle/>
+          <a:p>
+            <a:r>
+              <a:rPr lang="en-US"/>
+              <a:t>September 19, 2018</a:t>
+            </a:r>
+            <a:endParaRPr lang="en-US" sz="1050" b="0">
+              <a:latin typeface="Times New Roman" charset="0"/>
+            </a:endParaRPr>
+          </a:p>
+        </p:txBody>
+      </p:sp>
+      <p:sp>
+        <p:nvSpPr>
+          <p:cNvPr id="5" name="Footer Placeholder 4"/>
+          <p:cNvSpPr>
+            <a:spLocks noGrp="1"/>
+          </p:cNvSpPr>
+          <p:nvPr>
+            <p:ph type="ftr" sz="quarter" idx="11"/>
+          </p:nvPr>
+        </p:nvSpPr>
+        <p:spPr/>
+        <p:txBody>
+          <a:bodyPr/>
+          <a:lstStyle/>
+          <a:p>
+            <a:r>
+              <a:rPr lang="en-US"/>
+              <a:t>EECS 489 – Lecture 5</a:t>
+            </a:r>
+            <a:endParaRPr lang="en-US" sz="1050" b="0">
+              <a:latin typeface="Times New Roman" charset="0"/>
+            </a:endParaRPr>
+          </a:p>
+        </p:txBody>
+      </p:sp>
+      <p:sp>
+        <p:nvSpPr>
+          <p:cNvPr id="6" name="Slide Number Placeholder 5"/>
+          <p:cNvSpPr>
+            <a:spLocks noGrp="1"/>
+          </p:cNvSpPr>
+          <p:nvPr>
+            <p:ph type="sldNum" sz="quarter" idx="12"/>
+          </p:nvPr>
+        </p:nvSpPr>
+        <p:spPr/>
+        <p:txBody>
+          <a:bodyPr/>
+          <a:lstStyle/>
+          <a:p>
+            <a:fld id="{A190D881-957A-7944-A8D0-1584E528B88F}" type="slidenum">
+              <a:rPr lang="en-US" smtClean="0"/>
+              <a:pPr/>
+              <a:t>3</a:t>
+            </a:fld>
+            <a:endParaRPr lang="en-US"/>
+          </a:p>
+        </p:txBody>
+      </p:sp>
+    </p:spTree>
+    <p:extLst>
+      <p:ext uri="{BB962C8B-B14F-4D97-AF65-F5344CB8AC3E}">
+        <p14:creationId xmlns:p14="http://schemas.microsoft.com/office/powerpoint/2010/main" val="1472821813"/>
+      </p:ext>
+    </p:extLst>
+  </p:cSld>
+  <p:clrMapOvr>
+    <a:masterClrMapping/>
+  </p:clrMapOvr>
+  <p:timing>
+    <p:tnLst>
+      <p:par>
+        <p:cTn id="1" dur="indefinite" restart="never" nodeType="tmRoot">
+          <p:childTnLst>
+            <p:seq concurrent="1" nextAc="seek">
+              <p:cTn id="2" dur="indefinite" nodeType="mainSeq">
+                <p:childTnLst>
+                  <p:par>
+                    <p:cTn id="3" fill="hold">
+                      <p:stCondLst>
+                        <p:cond delay="indefinite"/>
+                      </p:stCondLst>
+                      <p:childTnLst>
+                        <p:par>
+                          <p:cTn id="4" fill="hold">
+                            <p:stCondLst>
+                              <p:cond delay="0"/>
+                            </p:stCondLst>
+                            <p:childTnLst>
+                              <p:par>
+                                <p:cTn id="5" presetID="1" presetClass="entr" presetSubtype="0" fill="hold" grpId="0" nodeType="clickEffect">
+                                  <p:stCondLst>
+                                    <p:cond delay="0"/>
+                                  </p:stCondLst>
+                                  <p:childTnLst>
+                                    <p:set>
+                                      <p:cBhvr>
+                                        <p:cTn id="6" dur="1" fill="hold">
+                                          <p:stCondLst>
+                                            <p:cond delay="0"/>
+                                          </p:stCondLst>
+                                        </p:cTn>
+                                        <p:tgtEl>
+                                          <p:spTgt spid="3">
+                                            <p:txEl>
+                                              <p:pRg st="0" end="0"/>
+                                            </p:txEl>
+                                          </p:spTgt>
+                                        </p:tgtEl>
+                                        <p:attrNameLst>
+                                          <p:attrName>style.visibility</p:attrName>
+                                        </p:attrNameLst>
+                                      </p:cBhvr>
+                                      <p:to>
+                                        <p:strVal val="visible"/>
+                                      </p:to>
+                                    </p:set>
+                                  </p:childTnLst>
+                                </p:cTn>
+                              </p:par>
+                              <p:par>
+                                <p:cTn id="7" presetID="1" presetClass="entr" presetSubtype="0" fill="hold" grpId="0" nodeType="withEffect">
+                                  <p:stCondLst>
+                                    <p:cond delay="0"/>
+                                  </p:stCondLst>
+                                  <p:childTnLst>
+                                    <p:set>
+                                      <p:cBhvr>
+                                        <p:cTn id="8" dur="1" fill="hold">
+                                          <p:stCondLst>
+                                            <p:cond delay="0"/>
+                                          </p:stCondLst>
+                                        </p:cTn>
+                                        <p:tgtEl>
+                                          <p:spTgt spid="3">
+                                            <p:txEl>
+                                              <p:pRg st="1" end="1"/>
+                                            </p:txEl>
+                                          </p:spTgt>
+                                        </p:tgtEl>
+                                        <p:attrNameLst>
+                                          <p:attrName>style.visibility</p:attrName>
+                                        </p:attrNameLst>
+                                      </p:cBhvr>
+                                      <p:to>
+                                        <p:strVal val="visible"/>
+                                      </p:to>
+                                    </p:set>
+                                  </p:childTnLst>
+                                </p:cTn>
+                              </p:par>
+                              <p:par>
+                                <p:cTn id="9" presetID="1" presetClass="entr" presetSubtype="0" fill="hold" grpId="0" nodeType="withEffect">
+                                  <p:stCondLst>
+                                    <p:cond delay="0"/>
+                                  </p:stCondLst>
+                                  <p:childTnLst>
+                                    <p:set>
+                                      <p:cBhvr>
+                                        <p:cTn id="10" dur="1" fill="hold">
+                                          <p:stCondLst>
+                                            <p:cond delay="0"/>
+                                          </p:stCondLst>
+                                        </p:cTn>
+                                        <p:tgtEl>
+                                          <p:spTgt spid="3">
+                                            <p:txEl>
+                                              <p:pRg st="2" end="2"/>
+                                            </p:txEl>
+                                          </p:spTgt>
+                                        </p:tgtEl>
+                                        <p:attrNameLst>
+                                          <p:attrName>style.visibility</p:attrName>
+                                        </p:attrNameLst>
+                                      </p:cBhvr>
+                                      <p:to>
+                                        <p:strVal val="visible"/>
+                                      </p:to>
+                                    </p:set>
+                                  </p:childTnLst>
+                                </p:cTn>
+                              </p:par>
+                              <p:par>
+                                <p:cTn id="11" presetID="1" presetClass="entr" presetSubtype="0" fill="hold" grpId="0" nodeType="withEffect">
+                                  <p:stCondLst>
+                                    <p:cond delay="0"/>
+                                  </p:stCondLst>
+                                  <p:childTnLst>
+                                    <p:set>
+                                      <p:cBhvr>
+                                        <p:cTn id="12" dur="1" fill="hold">
+                                          <p:stCondLst>
+                                            <p:cond delay="0"/>
+                                          </p:stCondLst>
+                                        </p:cTn>
+                                        <p:tgtEl>
+                                          <p:spTgt spid="3">
+                                            <p:txEl>
+                                              <p:pRg st="3" end="3"/>
+                                            </p:txEl>
+                                          </p:spTgt>
+                                        </p:tgtEl>
+                                        <p:attrNameLst>
+                                          <p:attrName>style.visibility</p:attrName>
+                                        </p:attrNameLst>
+                                      </p:cBhvr>
+                                      <p:to>
+                                        <p:strVal val="visible"/>
+                                      </p:to>
+                                    </p:set>
+                                  </p:childTnLst>
+                                </p:cTn>
+                              </p:par>
+                            </p:childTnLst>
+                          </p:cTn>
+                        </p:par>
+                      </p:childTnLst>
+                    </p:cTn>
+                  </p:par>
+                  <p:par>
+                    <p:cTn id="13" fill="hold">
+                      <p:stCondLst>
+                        <p:cond delay="indefinite"/>
+                      </p:stCondLst>
+                      <p:childTnLst>
+                        <p:par>
+                          <p:cTn id="14" fill="hold">
+                            <p:stCondLst>
+                              <p:cond delay="0"/>
+                            </p:stCondLst>
+                            <p:childTnLst>
+                              <p:par>
+                                <p:cTn id="15" presetID="1" presetClass="entr" presetSubtype="0" fill="hold" grpId="0" nodeType="clickEffect">
+                                  <p:stCondLst>
+                                    <p:cond delay="0"/>
+                                  </p:stCondLst>
+                                  <p:childTnLst>
+                                    <p:set>
+                                      <p:cBhvr>
+                                        <p:cTn id="16" dur="1" fill="hold">
+                                          <p:stCondLst>
+                                            <p:cond delay="0"/>
+                                          </p:stCondLst>
+                                        </p:cTn>
+                                        <p:tgtEl>
+                                          <p:spTgt spid="3">
+                                            <p:txEl>
+                                              <p:pRg st="4" end="4"/>
+                                            </p:txEl>
+                                          </p:spTgt>
+                                        </p:tgtEl>
+                                        <p:attrNameLst>
+                                          <p:attrName>style.visibility</p:attrName>
+                                        </p:attrNameLst>
+                                      </p:cBhvr>
+                                      <p:to>
+                                        <p:strVal val="visible"/>
+                                      </p:to>
+                                    </p:set>
+                                  </p:childTnLst>
+                                </p:cTn>
+                              </p:par>
+                              <p:par>
+                                <p:cTn id="17" presetID="1" presetClass="entr" presetSubtype="0" fill="hold" grpId="0" nodeType="withEffect">
+                                  <p:stCondLst>
+                                    <p:cond delay="0"/>
+                                  </p:stCondLst>
+                                  <p:childTnLst>
+                                    <p:set>
+                                      <p:cBhvr>
+                                        <p:cTn id="18" dur="1" fill="hold">
+                                          <p:stCondLst>
+                                            <p:cond delay="0"/>
+                                          </p:stCondLst>
+                                        </p:cTn>
+                                        <p:tgtEl>
+                                          <p:spTgt spid="3">
+                                            <p:txEl>
+                                              <p:pRg st="5" end="5"/>
+                                            </p:txEl>
+                                          </p:spTgt>
+                                        </p:tgtEl>
+                                        <p:attrNameLst>
+                                          <p:attrName>style.visibility</p:attrName>
+                                        </p:attrNameLst>
+                                      </p:cBhvr>
+                                      <p:to>
+                                        <p:strVal val="visible"/>
+                                      </p:to>
+                                    </p:set>
+                                  </p:childTnLst>
+                                </p:cTn>
+                              </p:par>
+                              <p:par>
+                                <p:cTn id="19" presetID="1" presetClass="entr" presetSubtype="0" fill="hold" grpId="0" nodeType="withEffect">
+                                  <p:stCondLst>
+                                    <p:cond delay="0"/>
+                                  </p:stCondLst>
+                                  <p:childTnLst>
+                                    <p:set>
+                                      <p:cBhvr>
+                                        <p:cTn id="20" dur="1" fill="hold">
+                                          <p:stCondLst>
+                                            <p:cond delay="0"/>
+                                          </p:stCondLst>
+                                        </p:cTn>
+                                        <p:tgtEl>
+                                          <p:spTgt spid="3">
+                                            <p:txEl>
+                                              <p:pRg st="6" end="6"/>
+                                            </p:txEl>
+                                          </p:spTgt>
+                                        </p:tgtEl>
+                                        <p:attrNameLst>
+                                          <p:attrName>style.visibility</p:attrName>
+                                        </p:attrNameLst>
+                                      </p:cBhvr>
+                                      <p:to>
+                                        <p:strVal val="visible"/>
+                                      </p:to>
+                                    </p:set>
+                                  </p:childTnLst>
+                                </p:cTn>
+                              </p:par>
+                            </p:childTnLst>
+                          </p:cTn>
+                        </p:par>
+                      </p:childTnLst>
+                    </p:cTn>
+                  </p:par>
+                  <p:par>
+                    <p:cTn id="21" fill="hold">
+                      <p:stCondLst>
+                        <p:cond delay="indefinite"/>
+                      </p:stCondLst>
+                      <p:childTnLst>
+                        <p:par>
+                          <p:cTn id="22" fill="hold">
+                            <p:stCondLst>
+                              <p:cond delay="0"/>
+                            </p:stCondLst>
+                            <p:childTnLst>
+                              <p:par>
+                                <p:cTn id="23" presetID="1" presetClass="entr" presetSubtype="0" fill="hold" grpId="0" nodeType="clickEffect">
+                                  <p:stCondLst>
+                                    <p:cond delay="0"/>
+                                  </p:stCondLst>
+                                  <p:childTnLst>
+                                    <p:set>
+                                      <p:cBhvr>
+                                        <p:cTn id="24" dur="1" fill="hold">
+                                          <p:stCondLst>
+                                            <p:cond delay="0"/>
+                                          </p:stCondLst>
+                                        </p:cTn>
+                                        <p:tgtEl>
+                                          <p:spTgt spid="3">
+                                            <p:txEl>
+                                              <p:pRg st="7" end="7"/>
+                                            </p:txEl>
+                                          </p:spTgt>
+                                        </p:tgtEl>
+                                        <p:attrNameLst>
+                                          <p:attrName>style.visibility</p:attrName>
+                                        </p:attrNameLst>
+                                      </p:cBhvr>
+                                      <p:to>
+                                        <p:strVal val="visible"/>
+                                      </p:to>
+                                    </p:set>
+                                  </p:childTnLst>
+                                </p:cTn>
+                              </p:par>
+                            </p:childTnLst>
+                          </p:cTn>
+                        </p:par>
+                      </p:childTnLst>
+                    </p:cTn>
+                  </p:par>
+                </p:childTnLst>
+              </p:cTn>
+              <p:prevCondLst>
+                <p:cond evt="onPrev" delay="0">
+                  <p:tgtEl>
+                    <p:sldTgt/>
+                  </p:tgtEl>
+                </p:cond>
+              </p:prevCondLst>
+              <p:nextCondLst>
+                <p:cond evt="onNext" delay="0">
+                  <p:tgtEl>
+                    <p:sldTgt/>
+                  </p:tgtEl>
+                </p:cond>
+              </p:nextCondLst>
+            </p:seq>
+          </p:childTnLst>
+        </p:cTn>
+      </p:par>
+    </p:tnLst>
+    <p:bldLst>
+      <p:bldP spid="3" grpId="0" uiExpand="1" build="p"/>
+    </p:bldLst>
+  </p:timing>
+</p:sld>
+</file>
+
+<file path=ppt/slides/slide30.xml><?xml version="1.0" encoding="utf-8"?>
 <p:sld xmlns:a="http://schemas.openxmlformats.org/drawingml/2006/main" xmlns:r="http://schemas.openxmlformats.org/officeDocument/2006/relationships" xmlns:p="http://schemas.openxmlformats.org/presentationml/2006/main">
   <p:cSld>
     <p:spTree>
@@ -27232,7 +24544,7 @@
             <a:fld id="{9507A418-0CEB-9E4A-BA45-3B7D3D133EB9}" type="slidenum">
               <a:rPr lang="en-US" smtClean="0"/>
               <a:pPr/>
-              <a:t>32</a:t>
+              <a:t>30</a:t>
             </a:fld>
             <a:endParaRPr lang="en-US"/>
           </a:p>
@@ -27372,7 +24684,7 @@
 </p:sld>
 </file>
 
-<file path=ppt/slides/slide33.xml><?xml version="1.0" encoding="utf-8"?>
+<file path=ppt/slides/slide31.xml><?xml version="1.0" encoding="utf-8"?>
 <p:sld xmlns:a="http://schemas.openxmlformats.org/drawingml/2006/main" xmlns:r="http://schemas.openxmlformats.org/officeDocument/2006/relationships" xmlns:p="http://schemas.openxmlformats.org/presentationml/2006/main">
   <p:cSld>
     <p:spTree>
@@ -28690,7 +26002,7 @@
             <a:fld id="{9507A418-0CEB-9E4A-BA45-3B7D3D133EB9}" type="slidenum">
               <a:rPr lang="en-US" smtClean="0"/>
               <a:pPr/>
-              <a:t>33</a:t>
+              <a:t>31</a:t>
             </a:fld>
             <a:endParaRPr lang="en-US"/>
           </a:p>
@@ -28798,7 +26110,7 @@
 </p:sld>
 </file>
 
-<file path=ppt/slides/slide34.xml><?xml version="1.0" encoding="utf-8"?>
+<file path=ppt/slides/slide32.xml><?xml version="1.0" encoding="utf-8"?>
 <p:sld xmlns:a="http://schemas.openxmlformats.org/drawingml/2006/main" xmlns:r="http://schemas.openxmlformats.org/officeDocument/2006/relationships" xmlns:p="http://schemas.openxmlformats.org/presentationml/2006/main">
   <p:cSld>
     <p:spTree>
@@ -30126,7 +27438,7 @@
             <a:fld id="{9507A418-0CEB-9E4A-BA45-3B7D3D133EB9}" type="slidenum">
               <a:rPr lang="en-US" smtClean="0"/>
               <a:pPr/>
-              <a:t>34</a:t>
+              <a:t>32</a:t>
             </a:fld>
             <a:endParaRPr lang="en-US"/>
           </a:p>
@@ -30234,7 +27546,7 @@
 </p:sld>
 </file>
 
-<file path=ppt/slides/slide35.xml><?xml version="1.0" encoding="utf-8"?>
+<file path=ppt/slides/slide33.xml><?xml version="1.0" encoding="utf-8"?>
 <p:sld xmlns:a="http://schemas.openxmlformats.org/drawingml/2006/main" xmlns:r="http://schemas.openxmlformats.org/officeDocument/2006/relationships" xmlns:p="http://schemas.openxmlformats.org/presentationml/2006/main">
   <p:cSld>
     <p:spTree>
@@ -31727,7 +29039,7 @@
             <a:fld id="{9507A418-0CEB-9E4A-BA45-3B7D3D133EB9}" type="slidenum">
               <a:rPr lang="en-US" smtClean="0"/>
               <a:pPr/>
-              <a:t>35</a:t>
+              <a:t>33</a:t>
             </a:fld>
             <a:endParaRPr lang="en-US"/>
           </a:p>
@@ -32046,7 +29358,7 @@
 </p:sld>
 </file>
 
-<file path=ppt/slides/slide36.xml><?xml version="1.0" encoding="utf-8"?>
+<file path=ppt/slides/slide34.xml><?xml version="1.0" encoding="utf-8"?>
 <p:sld xmlns:a="http://schemas.openxmlformats.org/drawingml/2006/main" xmlns:r="http://schemas.openxmlformats.org/officeDocument/2006/relationships" xmlns:p="http://schemas.openxmlformats.org/presentationml/2006/main">
   <p:cSld>
     <p:spTree>
@@ -33527,7 +30839,7 @@
             <a:fld id="{9507A418-0CEB-9E4A-BA45-3B7D3D133EB9}" type="slidenum">
               <a:rPr lang="en-US" smtClean="0"/>
               <a:pPr/>
-              <a:t>36</a:t>
+              <a:t>34</a:t>
             </a:fld>
             <a:endParaRPr lang="en-US"/>
           </a:p>
@@ -34038,7 +31350,7 @@
 </p:sld>
 </file>
 
-<file path=ppt/slides/slide37.xml><?xml version="1.0" encoding="utf-8"?>
+<file path=ppt/slides/slide35.xml><?xml version="1.0" encoding="utf-8"?>
 <p:sld xmlns:a="http://schemas.openxmlformats.org/drawingml/2006/main" xmlns:r="http://schemas.openxmlformats.org/officeDocument/2006/relationships" xmlns:p="http://schemas.openxmlformats.org/presentationml/2006/main">
   <p:cSld>
     <p:spTree>
@@ -34193,7 +31505,7 @@
             <a:fld id="{9507A418-0CEB-9E4A-BA45-3B7D3D133EB9}" type="slidenum">
               <a:rPr lang="en-US" smtClean="0"/>
               <a:pPr/>
-              <a:t>37</a:t>
+              <a:t>35</a:t>
             </a:fld>
             <a:endParaRPr lang="en-US"/>
           </a:p>
@@ -34294,7 +31606,7 @@
 </p:sld>
 </file>
 
-<file path=ppt/slides/slide38.xml><?xml version="1.0" encoding="utf-8"?>
+<file path=ppt/slides/slide36.xml><?xml version="1.0" encoding="utf-8"?>
 <p:sld xmlns:a="http://schemas.openxmlformats.org/drawingml/2006/main" xmlns:r="http://schemas.openxmlformats.org/officeDocument/2006/relationships" xmlns:p="http://schemas.openxmlformats.org/presentationml/2006/main">
   <p:cSld>
     <p:spTree>
@@ -34388,16 +31700,13 @@
             </a:r>
           </a:p>
           <a:p>
-            <a:pPr lvl="1"/>
+            <a:r>
+              <a:rPr lang="en-US"/>
+              <a:t>Client</a:t>
+            </a:r>
             <a:r>
               <a:rPr lang="en-US" dirty="0"/>
-              <a:t>See text/section for details</a:t>
-            </a:r>
-          </a:p>
-          <a:p>
-            <a:r>
-              <a:rPr lang="en-US" dirty="0"/>
-              <a:t>Client–server interaction on UDP Port 53</a:t>
+              <a:t>–server interaction on UDP Port 53</a:t>
             </a:r>
           </a:p>
           <a:p>
@@ -34491,7 +31800,7 @@
             <a:fld id="{A190D881-957A-7944-A8D0-1584E528B88F}" type="slidenum">
               <a:rPr lang="en-US" smtClean="0"/>
               <a:pPr/>
-              <a:t>38</a:t>
+              <a:t>36</a:t>
             </a:fld>
             <a:endParaRPr lang="en-US"/>
           </a:p>
@@ -34620,15 +31929,33 @@
                                   </p:childTnLst>
                                 </p:cTn>
                               </p:par>
+                            </p:childTnLst>
+                          </p:cTn>
+                        </p:par>
+                      </p:childTnLst>
+                    </p:cTn>
+                  </p:par>
+                  <p:par>
+                    <p:cTn id="11" fill="hold">
+                      <p:stCondLst>
+                        <p:cond delay="indefinite"/>
+                      </p:stCondLst>
+                      <p:childTnLst>
+                        <p:par>
+                          <p:cTn id="12" fill="hold">
+                            <p:stCondLst>
+                              <p:cond delay="0"/>
+                            </p:stCondLst>
+                            <p:childTnLst>
                               <p:par>
-                                <p:cTn id="11" presetID="1" presetClass="entr" presetSubtype="0" fill="hold" grpId="0" nodeType="withEffect">
+                                <p:cTn id="13" presetID="1" presetClass="entr" presetSubtype="0" fill="hold" grpId="0" nodeType="clickEffect">
                                   <p:stCondLst>
                                     <p:cond delay="0"/>
                                   </p:stCondLst>
                                   <p:childTnLst>
                                     <p:set>
                                       <p:cBhvr>
-                                        <p:cTn id="12" dur="1" fill="hold">
+                                        <p:cTn id="14" dur="1" fill="hold">
                                           <p:stCondLst>
                                             <p:cond delay="0"/>
                                           </p:stCondLst>
@@ -34651,26 +31978,8 @@
                                   </p:childTnLst>
                                 </p:cTn>
                               </p:par>
-                            </p:childTnLst>
-                          </p:cTn>
-                        </p:par>
-                      </p:childTnLst>
-                    </p:cTn>
-                  </p:par>
-                  <p:par>
-                    <p:cTn id="13" fill="hold">
-                      <p:stCondLst>
-                        <p:cond delay="indefinite"/>
-                      </p:stCondLst>
-                      <p:childTnLst>
-                        <p:par>
-                          <p:cTn id="14" fill="hold">
-                            <p:stCondLst>
-                              <p:cond delay="0"/>
-                            </p:stCondLst>
-                            <p:childTnLst>
                               <p:par>
-                                <p:cTn id="15" presetID="1" presetClass="entr" presetSubtype="0" fill="hold" grpId="0" nodeType="clickEffect">
+                                <p:cTn id="15" presetID="1" presetClass="entr" presetSubtype="0" fill="hold" grpId="0" nodeType="withEffect">
                                   <p:stCondLst>
                                     <p:cond delay="0"/>
                                   </p:stCondLst>
@@ -34686,37 +31995,6 @@
                                           <p:spTgt spid="1636355">
                                             <p:txEl>
                                               <p:pRg st="4" end="4"/>
-                                            </p:txEl>
-                                          </p:spTgt>
-                                        </p:tgtEl>
-                                        <p:attrNameLst>
-                                          <p:attrName>style.visibility</p:attrName>
-                                        </p:attrNameLst>
-                                      </p:cBhvr>
-                                      <p:to>
-                                        <p:strVal val="visible"/>
-                                      </p:to>
-                                    </p:set>
-                                  </p:childTnLst>
-                                </p:cTn>
-                              </p:par>
-                              <p:par>
-                                <p:cTn id="17" presetID="1" presetClass="entr" presetSubtype="0" fill="hold" grpId="0" nodeType="withEffect">
-                                  <p:stCondLst>
-                                    <p:cond delay="0"/>
-                                  </p:stCondLst>
-                                  <p:childTnLst>
-                                    <p:set>
-                                      <p:cBhvr>
-                                        <p:cTn id="18" dur="1" fill="hold">
-                                          <p:stCondLst>
-                                            <p:cond delay="0"/>
-                                          </p:stCondLst>
-                                        </p:cTn>
-                                        <p:tgtEl>
-                                          <p:spTgt spid="1636355">
-                                            <p:txEl>
-                                              <p:pRg st="5" end="5"/>
                                             </p:txEl>
                                           </p:spTgt>
                                         </p:tgtEl>
@@ -34765,7 +32043,7 @@
 </p:sld>
 </file>
 
-<file path=ppt/slides/slide39.xml><?xml version="1.0" encoding="utf-8"?>
+<file path=ppt/slides/slide37.xml><?xml version="1.0" encoding="utf-8"?>
 <p:sld xmlns:a="http://schemas.openxmlformats.org/drawingml/2006/main" xmlns:r="http://schemas.openxmlformats.org/officeDocument/2006/relationships" xmlns:p="http://schemas.openxmlformats.org/presentationml/2006/main">
   <p:cSld>
     <p:spTree>
@@ -34916,7 +32194,7 @@
             <a:fld id="{A190D881-957A-7944-A8D0-1584E528B88F}" type="slidenum">
               <a:rPr lang="en-US" smtClean="0"/>
               <a:pPr/>
-              <a:t>39</a:t>
+              <a:t>37</a:t>
             </a:fld>
             <a:endParaRPr lang="en-US"/>
           </a:p>
@@ -35164,7 +32442,7 @@
 </p:sld>
 </file>
 
-<file path=ppt/slides/slide4.xml><?xml version="1.0" encoding="utf-8"?>
+<file path=ppt/slides/slide38.xml><?xml version="1.0" encoding="utf-8"?>
 <p:sld xmlns:a="http://schemas.openxmlformats.org/drawingml/2006/main" xmlns:r="http://schemas.openxmlformats.org/officeDocument/2006/relationships" xmlns:p="http://schemas.openxmlformats.org/presentationml/2006/main">
   <p:cSld>
     <p:spTree>
@@ -35183,170 +32461,6 @@
       </p:grpSpPr>
       <p:sp>
         <p:nvSpPr>
-          <p:cNvPr id="2" name="Title 1"/>
-          <p:cNvSpPr>
-            <a:spLocks noGrp="1"/>
-          </p:cNvSpPr>
-          <p:nvPr>
-            <p:ph type="title"/>
-          </p:nvPr>
-        </p:nvSpPr>
-        <p:spPr/>
-        <p:txBody>
-          <a:bodyPr/>
-          <a:lstStyle/>
-          <a:p>
-            <a:r>
-              <a:rPr lang="en-US"/>
-              <a:t>Replication</a:t>
-            </a:r>
-            <a:endParaRPr lang="en-US" dirty="0"/>
-          </a:p>
-        </p:txBody>
-      </p:sp>
-      <p:sp>
-        <p:nvSpPr>
-          <p:cNvPr id="3" name="Content Placeholder 2"/>
-          <p:cNvSpPr>
-            <a:spLocks noGrp="1"/>
-          </p:cNvSpPr>
-          <p:nvPr>
-            <p:ph idx="1"/>
-          </p:nvPr>
-        </p:nvSpPr>
-        <p:spPr/>
-        <p:txBody>
-          <a:bodyPr/>
-          <a:lstStyle/>
-          <a:p>
-            <a:r>
-              <a:rPr lang="en-US" dirty="0"/>
-              <a:t>Replicate popular Websites across many machines</a:t>
-            </a:r>
-          </a:p>
-          <a:p>
-            <a:pPr lvl="1"/>
-            <a:r>
-              <a:rPr lang="en-US" dirty="0"/>
-              <a:t>Spreads load across servers</a:t>
-            </a:r>
-          </a:p>
-          <a:p>
-            <a:pPr lvl="1"/>
-            <a:r>
-              <a:rPr lang="en-US" dirty="0"/>
-              <a:t>Places content closer to clients</a:t>
-            </a:r>
-          </a:p>
-          <a:p>
-            <a:pPr lvl="1"/>
-            <a:r>
-              <a:rPr lang="en-US" dirty="0"/>
-              <a:t>Helps when content isn’t cacheable</a:t>
-            </a:r>
-          </a:p>
-        </p:txBody>
-      </p:sp>
-      <p:sp>
-        <p:nvSpPr>
-          <p:cNvPr id="4" name="Date Placeholder 3"/>
-          <p:cNvSpPr>
-            <a:spLocks noGrp="1"/>
-          </p:cNvSpPr>
-          <p:nvPr>
-            <p:ph type="dt" sz="half" idx="10"/>
-          </p:nvPr>
-        </p:nvSpPr>
-        <p:spPr/>
-        <p:txBody>
-          <a:bodyPr/>
-          <a:lstStyle/>
-          <a:p>
-            <a:r>
-              <a:rPr lang="en-US"/>
-              <a:t>September 19, 2018</a:t>
-            </a:r>
-          </a:p>
-        </p:txBody>
-      </p:sp>
-      <p:sp>
-        <p:nvSpPr>
-          <p:cNvPr id="5" name="Footer Placeholder 4"/>
-          <p:cNvSpPr>
-            <a:spLocks noGrp="1"/>
-          </p:cNvSpPr>
-          <p:nvPr>
-            <p:ph type="ftr" sz="quarter" idx="11"/>
-          </p:nvPr>
-        </p:nvSpPr>
-        <p:spPr/>
-        <p:txBody>
-          <a:bodyPr/>
-          <a:lstStyle/>
-          <a:p>
-            <a:r>
-              <a:rPr lang="en-US"/>
-              <a:t>EECS 489 – Lecture 5</a:t>
-            </a:r>
-          </a:p>
-        </p:txBody>
-      </p:sp>
-      <p:sp>
-        <p:nvSpPr>
-          <p:cNvPr id="6" name="Slide Number Placeholder 5"/>
-          <p:cNvSpPr>
-            <a:spLocks noGrp="1"/>
-          </p:cNvSpPr>
-          <p:nvPr>
-            <p:ph type="sldNum" sz="quarter" idx="12"/>
-          </p:nvPr>
-        </p:nvSpPr>
-        <p:spPr/>
-        <p:txBody>
-          <a:bodyPr/>
-          <a:lstStyle/>
-          <a:p>
-            <a:fld id="{A190D881-957A-7944-A8D0-1584E528B88F}" type="slidenum">
-              <a:rPr lang="en-US" smtClean="0"/>
-              <a:pPr/>
-              <a:t>4</a:t>
-            </a:fld>
-            <a:endParaRPr lang="en-US"/>
-          </a:p>
-        </p:txBody>
-      </p:sp>
-    </p:spTree>
-    <p:extLst>
-      <p:ext uri="{BB962C8B-B14F-4D97-AF65-F5344CB8AC3E}">
-        <p14:creationId xmlns:p14="http://schemas.microsoft.com/office/powerpoint/2010/main" val="945769916"/>
-      </p:ext>
-    </p:extLst>
-  </p:cSld>
-  <p:clrMapOvr>
-    <a:masterClrMapping/>
-  </p:clrMapOvr>
-</p:sld>
-</file>
-
-<file path=ppt/slides/slide40.xml><?xml version="1.0" encoding="utf-8"?>
-<p:sld xmlns:a="http://schemas.openxmlformats.org/drawingml/2006/main" xmlns:r="http://schemas.openxmlformats.org/officeDocument/2006/relationships" xmlns:p="http://schemas.openxmlformats.org/presentationml/2006/main">
-  <p:cSld>
-    <p:spTree>
-      <p:nvGrpSpPr>
-        <p:cNvPr id="1" name=""/>
-        <p:cNvGrpSpPr/>
-        <p:nvPr/>
-      </p:nvGrpSpPr>
-      <p:grpSpPr>
-        <a:xfrm>
-          <a:off x="0" y="0"/>
-          <a:ext cx="0" cy="0"/>
-          <a:chOff x="0" y="0"/>
-          <a:chExt cx="0" cy="0"/>
-        </a:xfrm>
-      </p:grpSpPr>
-      <p:sp>
-        <p:nvSpPr>
           <p:cNvPr id="99331" name="Rectangle 2"/>
           <p:cNvSpPr>
             <a:spLocks noGrp="1" noChangeArrowheads="1"/>
@@ -35558,7 +32672,7 @@
             <a:fld id="{A190D881-957A-7944-A8D0-1584E528B88F}" type="slidenum">
               <a:rPr lang="en-US" smtClean="0"/>
               <a:pPr/>
-              <a:t>40</a:t>
+              <a:t>38</a:t>
             </a:fld>
             <a:endParaRPr lang="en-US"/>
           </a:p>
@@ -35961,7 +33075,7 @@
 </p:sld>
 </file>
 
-<file path=ppt/slides/slide41.xml><?xml version="1.0" encoding="utf-8"?>
+<file path=ppt/slides/slide39.xml><?xml version="1.0" encoding="utf-8"?>
 <p:sld xmlns:a="http://schemas.openxmlformats.org/drawingml/2006/main" xmlns:r="http://schemas.openxmlformats.org/officeDocument/2006/relationships" xmlns:p="http://schemas.openxmlformats.org/presentationml/2006/main">
   <p:cSld>
     <p:spTree>
@@ -36118,7 +33232,7 @@
             <a:fld id="{A190D881-957A-7944-A8D0-1584E528B88F}" type="slidenum">
               <a:rPr lang="en-US" smtClean="0"/>
               <a:pPr/>
-              <a:t>41</a:t>
+              <a:t>39</a:t>
             </a:fld>
             <a:endParaRPr lang="en-US"/>
           </a:p>
@@ -36137,7 +33251,7 @@
 </p:sld>
 </file>
 
-<file path=ppt/slides/slide42.xml><?xml version="1.0" encoding="utf-8"?>
+<file path=ppt/slides/slide4.xml><?xml version="1.0" encoding="utf-8"?>
 <p:sld xmlns:a="http://schemas.openxmlformats.org/drawingml/2006/main" xmlns:r="http://schemas.openxmlformats.org/officeDocument/2006/relationships" xmlns:p="http://schemas.openxmlformats.org/presentationml/2006/main">
   <p:cSld>
     <p:spTree>
@@ -36156,6 +33270,2263 @@
       </p:grpSpPr>
       <p:sp>
         <p:nvSpPr>
+          <p:cNvPr id="2" name="Title 1">
+            <a:extLst>
+              <a:ext uri="{FF2B5EF4-FFF2-40B4-BE49-F238E27FC236}">
+                <a16:creationId xmlns:a16="http://schemas.microsoft.com/office/drawing/2014/main" id="{710972BA-3460-7F44-B4BD-9A4A57AB559F}"/>
+              </a:ext>
+            </a:extLst>
+          </p:cNvPr>
+          <p:cNvSpPr>
+            <a:spLocks noGrp="1"/>
+          </p:cNvSpPr>
+          <p:nvPr>
+            <p:ph type="title"/>
+          </p:nvPr>
+        </p:nvSpPr>
+        <p:spPr/>
+        <p:txBody>
+          <a:bodyPr/>
+          <a:lstStyle/>
+          <a:p>
+            <a:r>
+              <a:rPr lang="en-US" dirty="0"/>
+              <a:t>Aside: </a:t>
+            </a:r>
+            <a:br>
+              <a:rPr lang="en-US" dirty="0"/>
+            </a:br>
+            <a:r>
+              <a:rPr lang="en-US" dirty="0"/>
+              <a:t>Why pipeline and why not?</a:t>
+            </a:r>
+          </a:p>
+        </p:txBody>
+      </p:sp>
+      <p:sp>
+        <p:nvSpPr>
+          <p:cNvPr id="7" name="Content Placeholder 6">
+            <a:extLst>
+              <a:ext uri="{FF2B5EF4-FFF2-40B4-BE49-F238E27FC236}">
+                <a16:creationId xmlns:a16="http://schemas.microsoft.com/office/drawing/2014/main" id="{ABA343CC-F342-5246-BE8F-7E0165CDB6A2}"/>
+              </a:ext>
+            </a:extLst>
+          </p:cNvPr>
+          <p:cNvSpPr>
+            <a:spLocks noGrp="1"/>
+          </p:cNvSpPr>
+          <p:nvPr>
+            <p:ph sz="half" idx="1"/>
+          </p:nvPr>
+        </p:nvSpPr>
+        <p:spPr/>
+        <p:txBody>
+          <a:bodyPr/>
+          <a:lstStyle/>
+          <a:p>
+            <a:r>
+              <a:rPr lang="en-US" dirty="0"/>
+              <a:t>Data are sent in a FIFO manner</a:t>
+            </a:r>
+          </a:p>
+          <a:p>
+            <a:pPr lvl="1"/>
+            <a:r>
+              <a:rPr lang="en-US" dirty="0"/>
+              <a:t>Can lead to </a:t>
+            </a:r>
+            <a:r>
+              <a:rPr lang="en-US" dirty="0">
+                <a:solidFill>
+                  <a:srgbClr val="0000FF"/>
+                </a:solidFill>
+              </a:rPr>
+              <a:t>head-of-line (HOL) blocking</a:t>
+            </a:r>
+            <a:r>
+              <a:rPr lang="en-US" dirty="0"/>
+              <a:t> if many small responses follow a large one</a:t>
+            </a:r>
+          </a:p>
+          <a:p>
+            <a:pPr lvl="1"/>
+            <a:r>
+              <a:rPr lang="en-US" dirty="0"/>
+              <a:t>Not supported by default by major browsers circa 2015</a:t>
+            </a:r>
+          </a:p>
+          <a:p>
+            <a:endParaRPr lang="en-US" dirty="0"/>
+          </a:p>
+          <a:p>
+            <a:r>
+              <a:rPr lang="en-US" dirty="0">
+                <a:solidFill>
+                  <a:srgbClr val="0000FF"/>
+                </a:solidFill>
+              </a:rPr>
+              <a:t>Solution</a:t>
+            </a:r>
+          </a:p>
+          <a:p>
+            <a:pPr lvl="1"/>
+            <a:r>
+              <a:rPr lang="en-US" dirty="0"/>
+              <a:t>Priority and preemption</a:t>
+            </a:r>
+          </a:p>
+          <a:p>
+            <a:pPr lvl="1"/>
+            <a:r>
+              <a:rPr lang="en-US" dirty="0"/>
+              <a:t>HTTP/2</a:t>
+            </a:r>
+          </a:p>
+        </p:txBody>
+      </p:sp>
+      <p:sp>
+        <p:nvSpPr>
+          <p:cNvPr id="4" name="Date Placeholder 3">
+            <a:extLst>
+              <a:ext uri="{FF2B5EF4-FFF2-40B4-BE49-F238E27FC236}">
+                <a16:creationId xmlns:a16="http://schemas.microsoft.com/office/drawing/2014/main" id="{0D06A8E9-D9ED-6D4E-AC1D-9B954DE6E531}"/>
+              </a:ext>
+            </a:extLst>
+          </p:cNvPr>
+          <p:cNvSpPr>
+            <a:spLocks noGrp="1"/>
+          </p:cNvSpPr>
+          <p:nvPr>
+            <p:ph type="dt" sz="half" idx="10"/>
+          </p:nvPr>
+        </p:nvSpPr>
+        <p:spPr/>
+        <p:txBody>
+          <a:bodyPr/>
+          <a:lstStyle/>
+          <a:p>
+            <a:r>
+              <a:rPr lang="en-US"/>
+              <a:t>September 19, 2018</a:t>
+            </a:r>
+            <a:endParaRPr lang="en-US" sz="1050" b="0">
+              <a:latin typeface="Times New Roman" charset="0"/>
+            </a:endParaRPr>
+          </a:p>
+        </p:txBody>
+      </p:sp>
+      <p:sp>
+        <p:nvSpPr>
+          <p:cNvPr id="5" name="Footer Placeholder 4">
+            <a:extLst>
+              <a:ext uri="{FF2B5EF4-FFF2-40B4-BE49-F238E27FC236}">
+                <a16:creationId xmlns:a16="http://schemas.microsoft.com/office/drawing/2014/main" id="{DA6B3D4A-4E37-5540-96F5-2EBD8AE5AA8F}"/>
+              </a:ext>
+            </a:extLst>
+          </p:cNvPr>
+          <p:cNvSpPr>
+            <a:spLocks noGrp="1"/>
+          </p:cNvSpPr>
+          <p:nvPr>
+            <p:ph type="ftr" sz="quarter" idx="11"/>
+          </p:nvPr>
+        </p:nvSpPr>
+        <p:spPr/>
+        <p:txBody>
+          <a:bodyPr/>
+          <a:lstStyle/>
+          <a:p>
+            <a:r>
+              <a:rPr lang="en-US"/>
+              <a:t>EECS 489 – Lecture 5</a:t>
+            </a:r>
+            <a:endParaRPr lang="en-US" sz="1050" b="0">
+              <a:latin typeface="Times New Roman" charset="0"/>
+            </a:endParaRPr>
+          </a:p>
+        </p:txBody>
+      </p:sp>
+      <p:sp>
+        <p:nvSpPr>
+          <p:cNvPr id="6" name="Slide Number Placeholder 5">
+            <a:extLst>
+              <a:ext uri="{FF2B5EF4-FFF2-40B4-BE49-F238E27FC236}">
+                <a16:creationId xmlns:a16="http://schemas.microsoft.com/office/drawing/2014/main" id="{9387E6E5-14AF-5744-BF1C-604318ABD539}"/>
+              </a:ext>
+            </a:extLst>
+          </p:cNvPr>
+          <p:cNvSpPr>
+            <a:spLocks noGrp="1"/>
+          </p:cNvSpPr>
+          <p:nvPr>
+            <p:ph type="sldNum" sz="quarter" idx="12"/>
+          </p:nvPr>
+        </p:nvSpPr>
+        <p:spPr/>
+        <p:txBody>
+          <a:bodyPr/>
+          <a:lstStyle/>
+          <a:p>
+            <a:fld id="{A190D881-957A-7944-A8D0-1584E528B88F}" type="slidenum">
+              <a:rPr lang="en-US" smtClean="0"/>
+              <a:pPr/>
+              <a:t>4</a:t>
+            </a:fld>
+            <a:endParaRPr lang="en-US"/>
+          </a:p>
+        </p:txBody>
+      </p:sp>
+      <p:sp>
+        <p:nvSpPr>
+          <p:cNvPr id="9" name="Line 4">
+            <a:extLst>
+              <a:ext uri="{FF2B5EF4-FFF2-40B4-BE49-F238E27FC236}">
+                <a16:creationId xmlns:a16="http://schemas.microsoft.com/office/drawing/2014/main" id="{BAA0FA6A-AA86-5B4E-BC73-C322FDE1EE2E}"/>
+              </a:ext>
+            </a:extLst>
+          </p:cNvPr>
+          <p:cNvSpPr>
+            <a:spLocks noChangeShapeType="1"/>
+          </p:cNvSpPr>
+          <p:nvPr/>
+        </p:nvSpPr>
+        <p:spPr bwMode="auto">
+          <a:xfrm>
+            <a:off x="5729285" y="2133600"/>
+            <a:ext cx="0" cy="3200400"/>
+          </a:xfrm>
+          <a:prstGeom prst="line">
+            <a:avLst/>
+          </a:prstGeom>
+          <a:noFill/>
+          <a:ln w="25400">
+            <a:solidFill>
+              <a:schemeClr val="tx1"/>
+            </a:solidFill>
+            <a:round/>
+            <a:headEnd/>
+            <a:tailEnd/>
+          </a:ln>
+          <a:extLst>
+            <a:ext uri="{909E8E84-426E-40dd-AFC4-6F175D3DCCD1}">
+              <a14:hiddenFill xmlns:a14="http://schemas.microsoft.com/office/drawing/2010/main" xmlns="">
+                <a:noFill/>
+              </a14:hiddenFill>
+            </a:ext>
+          </a:extLst>
+        </p:spPr>
+        <p:txBody>
+          <a:bodyPr lIns="90431" tIns="44423" rIns="90431" bIns="44423"/>
+          <a:lstStyle/>
+          <a:p>
+            <a:endParaRPr lang="en-US"/>
+          </a:p>
+        </p:txBody>
+      </p:sp>
+      <p:sp>
+        <p:nvSpPr>
+          <p:cNvPr id="10" name="Line 5">
+            <a:extLst>
+              <a:ext uri="{FF2B5EF4-FFF2-40B4-BE49-F238E27FC236}">
+                <a16:creationId xmlns:a16="http://schemas.microsoft.com/office/drawing/2014/main" id="{45DAAB0A-7819-0A44-997A-5E47371CE351}"/>
+              </a:ext>
+            </a:extLst>
+          </p:cNvPr>
+          <p:cNvSpPr>
+            <a:spLocks noChangeShapeType="1"/>
+          </p:cNvSpPr>
+          <p:nvPr/>
+        </p:nvSpPr>
+        <p:spPr bwMode="auto">
+          <a:xfrm>
+            <a:off x="8015285" y="2057400"/>
+            <a:ext cx="0" cy="3200400"/>
+          </a:xfrm>
+          <a:prstGeom prst="line">
+            <a:avLst/>
+          </a:prstGeom>
+          <a:noFill/>
+          <a:ln w="25400">
+            <a:solidFill>
+              <a:schemeClr val="tx1"/>
+            </a:solidFill>
+            <a:round/>
+            <a:headEnd/>
+            <a:tailEnd/>
+          </a:ln>
+          <a:extLst>
+            <a:ext uri="{909E8E84-426E-40dd-AFC4-6F175D3DCCD1}">
+              <a14:hiddenFill xmlns:a14="http://schemas.microsoft.com/office/drawing/2010/main" xmlns="">
+                <a:noFill/>
+              </a14:hiddenFill>
+            </a:ext>
+          </a:extLst>
+        </p:spPr>
+        <p:txBody>
+          <a:bodyPr lIns="90431" tIns="44423" rIns="90431" bIns="44423"/>
+          <a:lstStyle/>
+          <a:p>
+            <a:endParaRPr lang="en-US"/>
+          </a:p>
+        </p:txBody>
+      </p:sp>
+      <p:sp>
+        <p:nvSpPr>
+          <p:cNvPr id="11" name="Text Box 6">
+            <a:extLst>
+              <a:ext uri="{FF2B5EF4-FFF2-40B4-BE49-F238E27FC236}">
+                <a16:creationId xmlns:a16="http://schemas.microsoft.com/office/drawing/2014/main" id="{4461403E-A254-5746-A706-3C9B45579B9F}"/>
+              </a:ext>
+            </a:extLst>
+          </p:cNvPr>
+          <p:cNvSpPr txBox="1">
+            <a:spLocks noChangeArrowheads="1"/>
+          </p:cNvSpPr>
+          <p:nvPr/>
+        </p:nvSpPr>
+        <p:spPr bwMode="auto">
+          <a:xfrm>
+            <a:off x="5334000" y="1790701"/>
+            <a:ext cx="840973" cy="371094"/>
+          </a:xfrm>
+          <a:prstGeom prst="rect">
+            <a:avLst/>
+          </a:prstGeom>
+          <a:noFill/>
+          <a:ln>
+            <a:noFill/>
+          </a:ln>
+          <a:extLst>
+            <a:ext uri="{909E8E84-426E-40dd-AFC4-6F175D3DCCD1}">
+              <a14:hiddenFill xmlns:a14="http://schemas.microsoft.com/office/drawing/2010/main" xmlns="">
+                <a:solidFill>
+                  <a:srgbClr val="FFFFFF"/>
+                </a:solidFill>
+              </a14:hiddenFill>
+            </a:ext>
+            <a:ext uri="{91240B29-F687-4f45-9708-019B960494DF}">
+              <a14:hiddenLine xmlns:a14="http://schemas.microsoft.com/office/drawing/2010/main" xmlns="" w="25400">
+                <a:solidFill>
+                  <a:srgbClr val="000000"/>
+                </a:solidFill>
+                <a:miter lim="800000"/>
+                <a:headEnd/>
+                <a:tailEnd/>
+              </a14:hiddenLine>
+            </a:ext>
+          </a:extLst>
+        </p:spPr>
+        <p:txBody>
+          <a:bodyPr wrap="none" lIns="90431" tIns="44423" rIns="90431" bIns="44423">
+            <a:spAutoFit/>
+          </a:bodyPr>
+          <a:lstStyle>
+            <a:lvl1pPr eaLnBrk="0" hangingPunct="0">
+              <a:defRPr sz="2000" b="1">
+                <a:solidFill>
+                  <a:schemeClr val="tx1"/>
+                </a:solidFill>
+                <a:latin typeface="Courier New" charset="0"/>
+                <a:ea typeface="ＭＳ Ｐゴシック" charset="0"/>
+                <a:cs typeface="Arial" charset="0"/>
+              </a:defRPr>
+            </a:lvl1pPr>
+            <a:lvl2pPr marL="37931725" indent="-37474525" eaLnBrk="0" hangingPunct="0">
+              <a:defRPr sz="2000" b="1">
+                <a:solidFill>
+                  <a:schemeClr val="tx1"/>
+                </a:solidFill>
+                <a:latin typeface="Courier New" charset="0"/>
+                <a:ea typeface="Arial" charset="0"/>
+                <a:cs typeface="Arial" charset="0"/>
+              </a:defRPr>
+            </a:lvl2pPr>
+            <a:lvl3pPr eaLnBrk="0" hangingPunct="0">
+              <a:defRPr sz="2000" b="1">
+                <a:solidFill>
+                  <a:schemeClr val="tx1"/>
+                </a:solidFill>
+                <a:latin typeface="Courier New" charset="0"/>
+                <a:ea typeface="Arial" charset="0"/>
+                <a:cs typeface="Arial" charset="0"/>
+              </a:defRPr>
+            </a:lvl3pPr>
+            <a:lvl4pPr eaLnBrk="0" hangingPunct="0">
+              <a:defRPr sz="2000" b="1">
+                <a:solidFill>
+                  <a:schemeClr val="tx1"/>
+                </a:solidFill>
+                <a:latin typeface="Courier New" charset="0"/>
+                <a:ea typeface="Arial" charset="0"/>
+                <a:cs typeface="Arial" charset="0"/>
+              </a:defRPr>
+            </a:lvl4pPr>
+            <a:lvl5pPr eaLnBrk="0" hangingPunct="0">
+              <a:defRPr sz="2000" b="1">
+                <a:solidFill>
+                  <a:schemeClr val="tx1"/>
+                </a:solidFill>
+                <a:latin typeface="Courier New" charset="0"/>
+                <a:ea typeface="Arial" charset="0"/>
+                <a:cs typeface="Arial" charset="0"/>
+              </a:defRPr>
+            </a:lvl5pPr>
+            <a:lvl6pPr marL="457200" eaLnBrk="0" fontAlgn="base" hangingPunct="0">
+              <a:spcBef>
+                <a:spcPct val="0"/>
+              </a:spcBef>
+              <a:spcAft>
+                <a:spcPct val="0"/>
+              </a:spcAft>
+              <a:defRPr sz="2000" b="1">
+                <a:solidFill>
+                  <a:schemeClr val="tx1"/>
+                </a:solidFill>
+                <a:latin typeface="Courier New" charset="0"/>
+                <a:ea typeface="Arial" charset="0"/>
+                <a:cs typeface="Arial" charset="0"/>
+              </a:defRPr>
+            </a:lvl6pPr>
+            <a:lvl7pPr marL="914400" eaLnBrk="0" fontAlgn="base" hangingPunct="0">
+              <a:spcBef>
+                <a:spcPct val="0"/>
+              </a:spcBef>
+              <a:spcAft>
+                <a:spcPct val="0"/>
+              </a:spcAft>
+              <a:defRPr sz="2000" b="1">
+                <a:solidFill>
+                  <a:schemeClr val="tx1"/>
+                </a:solidFill>
+                <a:latin typeface="Courier New" charset="0"/>
+                <a:ea typeface="Arial" charset="0"/>
+                <a:cs typeface="Arial" charset="0"/>
+              </a:defRPr>
+            </a:lvl7pPr>
+            <a:lvl8pPr marL="1371600" eaLnBrk="0" fontAlgn="base" hangingPunct="0">
+              <a:spcBef>
+                <a:spcPct val="0"/>
+              </a:spcBef>
+              <a:spcAft>
+                <a:spcPct val="0"/>
+              </a:spcAft>
+              <a:defRPr sz="2000" b="1">
+                <a:solidFill>
+                  <a:schemeClr val="tx1"/>
+                </a:solidFill>
+                <a:latin typeface="Courier New" charset="0"/>
+                <a:ea typeface="Arial" charset="0"/>
+                <a:cs typeface="Arial" charset="0"/>
+              </a:defRPr>
+            </a:lvl8pPr>
+            <a:lvl9pPr marL="1828800" eaLnBrk="0" fontAlgn="base" hangingPunct="0">
+              <a:spcBef>
+                <a:spcPct val="0"/>
+              </a:spcBef>
+              <a:spcAft>
+                <a:spcPct val="0"/>
+              </a:spcAft>
+              <a:defRPr sz="2000" b="1">
+                <a:solidFill>
+                  <a:schemeClr val="tx1"/>
+                </a:solidFill>
+                <a:latin typeface="Courier New" charset="0"/>
+                <a:ea typeface="Arial" charset="0"/>
+                <a:cs typeface="Arial" charset="0"/>
+              </a:defRPr>
+            </a:lvl9pPr>
+          </a:lstStyle>
+          <a:p>
+            <a:pPr algn="l"/>
+            <a:r>
+              <a:rPr lang="en-US" sz="1800" dirty="0">
+                <a:latin typeface="Arial" charset="0"/>
+              </a:rPr>
+              <a:t>Client</a:t>
+            </a:r>
+            <a:endParaRPr lang="en-US" sz="1800" b="0" dirty="0">
+              <a:latin typeface="Arial" charset="0"/>
+            </a:endParaRPr>
+          </a:p>
+        </p:txBody>
+      </p:sp>
+      <p:sp>
+        <p:nvSpPr>
+          <p:cNvPr id="12" name="Text Box 7">
+            <a:extLst>
+              <a:ext uri="{FF2B5EF4-FFF2-40B4-BE49-F238E27FC236}">
+                <a16:creationId xmlns:a16="http://schemas.microsoft.com/office/drawing/2014/main" id="{B5EF4D8D-D26F-C04A-9355-586DE56C7CED}"/>
+              </a:ext>
+            </a:extLst>
+          </p:cNvPr>
+          <p:cNvSpPr txBox="1">
+            <a:spLocks noChangeArrowheads="1"/>
+          </p:cNvSpPr>
+          <p:nvPr/>
+        </p:nvSpPr>
+        <p:spPr bwMode="auto">
+          <a:xfrm>
+            <a:off x="7558086" y="1770062"/>
+            <a:ext cx="913108" cy="371094"/>
+          </a:xfrm>
+          <a:prstGeom prst="rect">
+            <a:avLst/>
+          </a:prstGeom>
+          <a:noFill/>
+          <a:ln>
+            <a:noFill/>
+          </a:ln>
+          <a:extLst>
+            <a:ext uri="{909E8E84-426E-40dd-AFC4-6F175D3DCCD1}">
+              <a14:hiddenFill xmlns:a14="http://schemas.microsoft.com/office/drawing/2010/main" xmlns="">
+                <a:solidFill>
+                  <a:srgbClr val="FFFFFF"/>
+                </a:solidFill>
+              </a14:hiddenFill>
+            </a:ext>
+            <a:ext uri="{91240B29-F687-4f45-9708-019B960494DF}">
+              <a14:hiddenLine xmlns:a14="http://schemas.microsoft.com/office/drawing/2010/main" xmlns="" w="25400">
+                <a:solidFill>
+                  <a:srgbClr val="000000"/>
+                </a:solidFill>
+                <a:miter lim="800000"/>
+                <a:headEnd/>
+                <a:tailEnd/>
+              </a14:hiddenLine>
+            </a:ext>
+          </a:extLst>
+        </p:spPr>
+        <p:txBody>
+          <a:bodyPr wrap="none" lIns="90431" tIns="44423" rIns="90431" bIns="44423">
+            <a:spAutoFit/>
+          </a:bodyPr>
+          <a:lstStyle>
+            <a:lvl1pPr eaLnBrk="0" hangingPunct="0">
+              <a:defRPr sz="2000" b="1">
+                <a:solidFill>
+                  <a:schemeClr val="tx1"/>
+                </a:solidFill>
+                <a:latin typeface="Courier New" charset="0"/>
+                <a:ea typeface="ＭＳ Ｐゴシック" charset="0"/>
+                <a:cs typeface="Arial" charset="0"/>
+              </a:defRPr>
+            </a:lvl1pPr>
+            <a:lvl2pPr marL="37931725" indent="-37474525" eaLnBrk="0" hangingPunct="0">
+              <a:defRPr sz="2000" b="1">
+                <a:solidFill>
+                  <a:schemeClr val="tx1"/>
+                </a:solidFill>
+                <a:latin typeface="Courier New" charset="0"/>
+                <a:ea typeface="Arial" charset="0"/>
+                <a:cs typeface="Arial" charset="0"/>
+              </a:defRPr>
+            </a:lvl2pPr>
+            <a:lvl3pPr eaLnBrk="0" hangingPunct="0">
+              <a:defRPr sz="2000" b="1">
+                <a:solidFill>
+                  <a:schemeClr val="tx1"/>
+                </a:solidFill>
+                <a:latin typeface="Courier New" charset="0"/>
+                <a:ea typeface="Arial" charset="0"/>
+                <a:cs typeface="Arial" charset="0"/>
+              </a:defRPr>
+            </a:lvl3pPr>
+            <a:lvl4pPr eaLnBrk="0" hangingPunct="0">
+              <a:defRPr sz="2000" b="1">
+                <a:solidFill>
+                  <a:schemeClr val="tx1"/>
+                </a:solidFill>
+                <a:latin typeface="Courier New" charset="0"/>
+                <a:ea typeface="Arial" charset="0"/>
+                <a:cs typeface="Arial" charset="0"/>
+              </a:defRPr>
+            </a:lvl4pPr>
+            <a:lvl5pPr eaLnBrk="0" hangingPunct="0">
+              <a:defRPr sz="2000" b="1">
+                <a:solidFill>
+                  <a:schemeClr val="tx1"/>
+                </a:solidFill>
+                <a:latin typeface="Courier New" charset="0"/>
+                <a:ea typeface="Arial" charset="0"/>
+                <a:cs typeface="Arial" charset="0"/>
+              </a:defRPr>
+            </a:lvl5pPr>
+            <a:lvl6pPr marL="457200" eaLnBrk="0" fontAlgn="base" hangingPunct="0">
+              <a:spcBef>
+                <a:spcPct val="0"/>
+              </a:spcBef>
+              <a:spcAft>
+                <a:spcPct val="0"/>
+              </a:spcAft>
+              <a:defRPr sz="2000" b="1">
+                <a:solidFill>
+                  <a:schemeClr val="tx1"/>
+                </a:solidFill>
+                <a:latin typeface="Courier New" charset="0"/>
+                <a:ea typeface="Arial" charset="0"/>
+                <a:cs typeface="Arial" charset="0"/>
+              </a:defRPr>
+            </a:lvl6pPr>
+            <a:lvl7pPr marL="914400" eaLnBrk="0" fontAlgn="base" hangingPunct="0">
+              <a:spcBef>
+                <a:spcPct val="0"/>
+              </a:spcBef>
+              <a:spcAft>
+                <a:spcPct val="0"/>
+              </a:spcAft>
+              <a:defRPr sz="2000" b="1">
+                <a:solidFill>
+                  <a:schemeClr val="tx1"/>
+                </a:solidFill>
+                <a:latin typeface="Courier New" charset="0"/>
+                <a:ea typeface="Arial" charset="0"/>
+                <a:cs typeface="Arial" charset="0"/>
+              </a:defRPr>
+            </a:lvl7pPr>
+            <a:lvl8pPr marL="1371600" eaLnBrk="0" fontAlgn="base" hangingPunct="0">
+              <a:spcBef>
+                <a:spcPct val="0"/>
+              </a:spcBef>
+              <a:spcAft>
+                <a:spcPct val="0"/>
+              </a:spcAft>
+              <a:defRPr sz="2000" b="1">
+                <a:solidFill>
+                  <a:schemeClr val="tx1"/>
+                </a:solidFill>
+                <a:latin typeface="Courier New" charset="0"/>
+                <a:ea typeface="Arial" charset="0"/>
+                <a:cs typeface="Arial" charset="0"/>
+              </a:defRPr>
+            </a:lvl8pPr>
+            <a:lvl9pPr marL="1828800" eaLnBrk="0" fontAlgn="base" hangingPunct="0">
+              <a:spcBef>
+                <a:spcPct val="0"/>
+              </a:spcBef>
+              <a:spcAft>
+                <a:spcPct val="0"/>
+              </a:spcAft>
+              <a:defRPr sz="2000" b="1">
+                <a:solidFill>
+                  <a:schemeClr val="tx1"/>
+                </a:solidFill>
+                <a:latin typeface="Courier New" charset="0"/>
+                <a:ea typeface="Arial" charset="0"/>
+                <a:cs typeface="Arial" charset="0"/>
+              </a:defRPr>
+            </a:lvl9pPr>
+          </a:lstStyle>
+          <a:p>
+            <a:pPr algn="l"/>
+            <a:r>
+              <a:rPr lang="en-US" sz="1800">
+                <a:latin typeface="Arial" charset="0"/>
+              </a:rPr>
+              <a:t>Server</a:t>
+            </a:r>
+            <a:endParaRPr lang="en-US" sz="1800" b="0">
+              <a:latin typeface="Arial" charset="0"/>
+            </a:endParaRPr>
+          </a:p>
+        </p:txBody>
+      </p:sp>
+      <p:sp>
+        <p:nvSpPr>
+          <p:cNvPr id="13" name="Line 8">
+            <a:extLst>
+              <a:ext uri="{FF2B5EF4-FFF2-40B4-BE49-F238E27FC236}">
+                <a16:creationId xmlns:a16="http://schemas.microsoft.com/office/drawing/2014/main" id="{E6C9D79F-0691-0A46-882E-224D63B4E681}"/>
+              </a:ext>
+            </a:extLst>
+          </p:cNvPr>
+          <p:cNvSpPr>
+            <a:spLocks noChangeShapeType="1"/>
+          </p:cNvSpPr>
+          <p:nvPr/>
+        </p:nvSpPr>
+        <p:spPr bwMode="auto">
+          <a:xfrm>
+            <a:off x="5729285" y="2438400"/>
+            <a:ext cx="2286000" cy="381000"/>
+          </a:xfrm>
+          <a:prstGeom prst="line">
+            <a:avLst/>
+          </a:prstGeom>
+          <a:noFill/>
+          <a:ln w="25400">
+            <a:solidFill>
+              <a:srgbClr val="D3A600"/>
+            </a:solidFill>
+            <a:round/>
+            <a:headEnd/>
+            <a:tailEnd type="triangle" w="med" len="med"/>
+          </a:ln>
+          <a:extLst>
+            <a:ext uri="{909E8E84-426E-40dd-AFC4-6F175D3DCCD1}">
+              <a14:hiddenFill xmlns:a14="http://schemas.microsoft.com/office/drawing/2010/main" xmlns="">
+                <a:noFill/>
+              </a14:hiddenFill>
+            </a:ext>
+          </a:extLst>
+        </p:spPr>
+        <p:txBody>
+          <a:bodyPr lIns="90431" tIns="44423" rIns="90431" bIns="44423"/>
+          <a:lstStyle/>
+          <a:p>
+            <a:endParaRPr lang="en-US"/>
+          </a:p>
+        </p:txBody>
+      </p:sp>
+      <p:sp>
+        <p:nvSpPr>
+          <p:cNvPr id="14" name="Text Box 9">
+            <a:extLst>
+              <a:ext uri="{FF2B5EF4-FFF2-40B4-BE49-F238E27FC236}">
+                <a16:creationId xmlns:a16="http://schemas.microsoft.com/office/drawing/2014/main" id="{D8A371AC-E121-854D-AA28-E578074B2C96}"/>
+              </a:ext>
+            </a:extLst>
+          </p:cNvPr>
+          <p:cNvSpPr txBox="1">
+            <a:spLocks noChangeArrowheads="1"/>
+          </p:cNvSpPr>
+          <p:nvPr/>
+        </p:nvSpPr>
+        <p:spPr bwMode="auto">
+          <a:xfrm rot="523781">
+            <a:off x="6171946" y="2282222"/>
+            <a:ext cx="1251454" cy="371094"/>
+          </a:xfrm>
+          <a:prstGeom prst="rect">
+            <a:avLst/>
+          </a:prstGeom>
+          <a:noFill/>
+          <a:ln>
+            <a:noFill/>
+          </a:ln>
+          <a:extLst>
+            <a:ext uri="{909E8E84-426E-40dd-AFC4-6F175D3DCCD1}">
+              <a14:hiddenFill xmlns:a14="http://schemas.microsoft.com/office/drawing/2010/main" xmlns="">
+                <a:solidFill>
+                  <a:srgbClr val="FFFFFF"/>
+                </a:solidFill>
+              </a14:hiddenFill>
+            </a:ext>
+            <a:ext uri="{91240B29-F687-4f45-9708-019B960494DF}">
+              <a14:hiddenLine xmlns:a14="http://schemas.microsoft.com/office/drawing/2010/main" xmlns="" w="25400">
+                <a:solidFill>
+                  <a:srgbClr val="000000"/>
+                </a:solidFill>
+                <a:miter lim="800000"/>
+                <a:headEnd/>
+                <a:tailEnd/>
+              </a14:hiddenLine>
+            </a:ext>
+          </a:extLst>
+        </p:spPr>
+        <p:txBody>
+          <a:bodyPr wrap="none" lIns="90431" tIns="44423" rIns="90431" bIns="44423">
+            <a:spAutoFit/>
+          </a:bodyPr>
+          <a:lstStyle>
+            <a:lvl1pPr eaLnBrk="0" hangingPunct="0">
+              <a:defRPr sz="2000" b="1">
+                <a:solidFill>
+                  <a:schemeClr val="tx1"/>
+                </a:solidFill>
+                <a:latin typeface="Courier New" charset="0"/>
+                <a:ea typeface="ＭＳ Ｐゴシック" charset="0"/>
+                <a:cs typeface="Arial" charset="0"/>
+              </a:defRPr>
+            </a:lvl1pPr>
+            <a:lvl2pPr marL="37931725" indent="-37474525" eaLnBrk="0" hangingPunct="0">
+              <a:defRPr sz="2000" b="1">
+                <a:solidFill>
+                  <a:schemeClr val="tx1"/>
+                </a:solidFill>
+                <a:latin typeface="Courier New" charset="0"/>
+                <a:ea typeface="Arial" charset="0"/>
+                <a:cs typeface="Arial" charset="0"/>
+              </a:defRPr>
+            </a:lvl2pPr>
+            <a:lvl3pPr eaLnBrk="0" hangingPunct="0">
+              <a:defRPr sz="2000" b="1">
+                <a:solidFill>
+                  <a:schemeClr val="tx1"/>
+                </a:solidFill>
+                <a:latin typeface="Courier New" charset="0"/>
+                <a:ea typeface="Arial" charset="0"/>
+                <a:cs typeface="Arial" charset="0"/>
+              </a:defRPr>
+            </a:lvl3pPr>
+            <a:lvl4pPr eaLnBrk="0" hangingPunct="0">
+              <a:defRPr sz="2000" b="1">
+                <a:solidFill>
+                  <a:schemeClr val="tx1"/>
+                </a:solidFill>
+                <a:latin typeface="Courier New" charset="0"/>
+                <a:ea typeface="Arial" charset="0"/>
+                <a:cs typeface="Arial" charset="0"/>
+              </a:defRPr>
+            </a:lvl4pPr>
+            <a:lvl5pPr eaLnBrk="0" hangingPunct="0">
+              <a:defRPr sz="2000" b="1">
+                <a:solidFill>
+                  <a:schemeClr val="tx1"/>
+                </a:solidFill>
+                <a:latin typeface="Courier New" charset="0"/>
+                <a:ea typeface="Arial" charset="0"/>
+                <a:cs typeface="Arial" charset="0"/>
+              </a:defRPr>
+            </a:lvl5pPr>
+            <a:lvl6pPr marL="457200" eaLnBrk="0" fontAlgn="base" hangingPunct="0">
+              <a:spcBef>
+                <a:spcPct val="0"/>
+              </a:spcBef>
+              <a:spcAft>
+                <a:spcPct val="0"/>
+              </a:spcAft>
+              <a:defRPr sz="2000" b="1">
+                <a:solidFill>
+                  <a:schemeClr val="tx1"/>
+                </a:solidFill>
+                <a:latin typeface="Courier New" charset="0"/>
+                <a:ea typeface="Arial" charset="0"/>
+                <a:cs typeface="Arial" charset="0"/>
+              </a:defRPr>
+            </a:lvl6pPr>
+            <a:lvl7pPr marL="914400" eaLnBrk="0" fontAlgn="base" hangingPunct="0">
+              <a:spcBef>
+                <a:spcPct val="0"/>
+              </a:spcBef>
+              <a:spcAft>
+                <a:spcPct val="0"/>
+              </a:spcAft>
+              <a:defRPr sz="2000" b="1">
+                <a:solidFill>
+                  <a:schemeClr val="tx1"/>
+                </a:solidFill>
+                <a:latin typeface="Courier New" charset="0"/>
+                <a:ea typeface="Arial" charset="0"/>
+                <a:cs typeface="Arial" charset="0"/>
+              </a:defRPr>
+            </a:lvl7pPr>
+            <a:lvl8pPr marL="1371600" eaLnBrk="0" fontAlgn="base" hangingPunct="0">
+              <a:spcBef>
+                <a:spcPct val="0"/>
+              </a:spcBef>
+              <a:spcAft>
+                <a:spcPct val="0"/>
+              </a:spcAft>
+              <a:defRPr sz="2000" b="1">
+                <a:solidFill>
+                  <a:schemeClr val="tx1"/>
+                </a:solidFill>
+                <a:latin typeface="Courier New" charset="0"/>
+                <a:ea typeface="Arial" charset="0"/>
+                <a:cs typeface="Arial" charset="0"/>
+              </a:defRPr>
+            </a:lvl8pPr>
+            <a:lvl9pPr marL="1828800" eaLnBrk="0" fontAlgn="base" hangingPunct="0">
+              <a:spcBef>
+                <a:spcPct val="0"/>
+              </a:spcBef>
+              <a:spcAft>
+                <a:spcPct val="0"/>
+              </a:spcAft>
+              <a:defRPr sz="2000" b="1">
+                <a:solidFill>
+                  <a:schemeClr val="tx1"/>
+                </a:solidFill>
+                <a:latin typeface="Courier New" charset="0"/>
+                <a:ea typeface="Arial" charset="0"/>
+                <a:cs typeface="Arial" charset="0"/>
+              </a:defRPr>
+            </a:lvl9pPr>
+          </a:lstStyle>
+          <a:p>
+            <a:pPr algn="l"/>
+            <a:r>
+              <a:rPr lang="en-US" sz="1800" b="0">
+                <a:latin typeface="Arial" charset="0"/>
+              </a:rPr>
+              <a:t>Request 1</a:t>
+            </a:r>
+          </a:p>
+        </p:txBody>
+      </p:sp>
+      <p:sp>
+        <p:nvSpPr>
+          <p:cNvPr id="15" name="Line 10">
+            <a:extLst>
+              <a:ext uri="{FF2B5EF4-FFF2-40B4-BE49-F238E27FC236}">
+                <a16:creationId xmlns:a16="http://schemas.microsoft.com/office/drawing/2014/main" id="{9A377012-71B2-FD45-9504-02E59AB6158D}"/>
+              </a:ext>
+            </a:extLst>
+          </p:cNvPr>
+          <p:cNvSpPr>
+            <a:spLocks noChangeShapeType="1"/>
+          </p:cNvSpPr>
+          <p:nvPr/>
+        </p:nvSpPr>
+        <p:spPr bwMode="auto">
+          <a:xfrm>
+            <a:off x="5729285" y="2743201"/>
+            <a:ext cx="2286000" cy="381000"/>
+          </a:xfrm>
+          <a:prstGeom prst="line">
+            <a:avLst/>
+          </a:prstGeom>
+          <a:noFill/>
+          <a:ln w="25400">
+            <a:solidFill>
+              <a:srgbClr val="D3A600"/>
+            </a:solidFill>
+            <a:round/>
+            <a:headEnd/>
+            <a:tailEnd type="triangle" w="med" len="med"/>
+          </a:ln>
+          <a:extLst>
+            <a:ext uri="{909E8E84-426E-40dd-AFC4-6F175D3DCCD1}">
+              <a14:hiddenFill xmlns:a14="http://schemas.microsoft.com/office/drawing/2010/main" xmlns="">
+                <a:noFill/>
+              </a14:hiddenFill>
+            </a:ext>
+          </a:extLst>
+        </p:spPr>
+        <p:txBody>
+          <a:bodyPr lIns="90431" tIns="44423" rIns="90431" bIns="44423"/>
+          <a:lstStyle/>
+          <a:p>
+            <a:endParaRPr lang="en-US"/>
+          </a:p>
+        </p:txBody>
+      </p:sp>
+      <p:sp>
+        <p:nvSpPr>
+          <p:cNvPr id="16" name="Text Box 11">
+            <a:extLst>
+              <a:ext uri="{FF2B5EF4-FFF2-40B4-BE49-F238E27FC236}">
+                <a16:creationId xmlns:a16="http://schemas.microsoft.com/office/drawing/2014/main" id="{F251AB74-5DA7-8145-95A7-803D4D2BC083}"/>
+              </a:ext>
+            </a:extLst>
+          </p:cNvPr>
+          <p:cNvSpPr txBox="1">
+            <a:spLocks noChangeArrowheads="1"/>
+          </p:cNvSpPr>
+          <p:nvPr/>
+        </p:nvSpPr>
+        <p:spPr bwMode="auto">
+          <a:xfrm rot="523781">
+            <a:off x="6171946" y="2587022"/>
+            <a:ext cx="1251454" cy="371094"/>
+          </a:xfrm>
+          <a:prstGeom prst="rect">
+            <a:avLst/>
+          </a:prstGeom>
+          <a:noFill/>
+          <a:ln>
+            <a:noFill/>
+          </a:ln>
+          <a:extLst>
+            <a:ext uri="{909E8E84-426E-40dd-AFC4-6F175D3DCCD1}">
+              <a14:hiddenFill xmlns:a14="http://schemas.microsoft.com/office/drawing/2010/main" xmlns="">
+                <a:solidFill>
+                  <a:srgbClr val="FFFFFF"/>
+                </a:solidFill>
+              </a14:hiddenFill>
+            </a:ext>
+            <a:ext uri="{91240B29-F687-4f45-9708-019B960494DF}">
+              <a14:hiddenLine xmlns:a14="http://schemas.microsoft.com/office/drawing/2010/main" xmlns="" w="25400">
+                <a:solidFill>
+                  <a:srgbClr val="000000"/>
+                </a:solidFill>
+                <a:miter lim="800000"/>
+                <a:headEnd/>
+                <a:tailEnd/>
+              </a14:hiddenLine>
+            </a:ext>
+          </a:extLst>
+        </p:spPr>
+        <p:txBody>
+          <a:bodyPr wrap="none" lIns="90431" tIns="44423" rIns="90431" bIns="44423">
+            <a:spAutoFit/>
+          </a:bodyPr>
+          <a:lstStyle>
+            <a:lvl1pPr eaLnBrk="0" hangingPunct="0">
+              <a:defRPr sz="2000" b="1">
+                <a:solidFill>
+                  <a:schemeClr val="tx1"/>
+                </a:solidFill>
+                <a:latin typeface="Courier New" charset="0"/>
+                <a:ea typeface="ＭＳ Ｐゴシック" charset="0"/>
+                <a:cs typeface="Arial" charset="0"/>
+              </a:defRPr>
+            </a:lvl1pPr>
+            <a:lvl2pPr marL="37931725" indent="-37474525" eaLnBrk="0" hangingPunct="0">
+              <a:defRPr sz="2000" b="1">
+                <a:solidFill>
+                  <a:schemeClr val="tx1"/>
+                </a:solidFill>
+                <a:latin typeface="Courier New" charset="0"/>
+                <a:ea typeface="Arial" charset="0"/>
+                <a:cs typeface="Arial" charset="0"/>
+              </a:defRPr>
+            </a:lvl2pPr>
+            <a:lvl3pPr eaLnBrk="0" hangingPunct="0">
+              <a:defRPr sz="2000" b="1">
+                <a:solidFill>
+                  <a:schemeClr val="tx1"/>
+                </a:solidFill>
+                <a:latin typeface="Courier New" charset="0"/>
+                <a:ea typeface="Arial" charset="0"/>
+                <a:cs typeface="Arial" charset="0"/>
+              </a:defRPr>
+            </a:lvl3pPr>
+            <a:lvl4pPr eaLnBrk="0" hangingPunct="0">
+              <a:defRPr sz="2000" b="1">
+                <a:solidFill>
+                  <a:schemeClr val="tx1"/>
+                </a:solidFill>
+                <a:latin typeface="Courier New" charset="0"/>
+                <a:ea typeface="Arial" charset="0"/>
+                <a:cs typeface="Arial" charset="0"/>
+              </a:defRPr>
+            </a:lvl4pPr>
+            <a:lvl5pPr eaLnBrk="0" hangingPunct="0">
+              <a:defRPr sz="2000" b="1">
+                <a:solidFill>
+                  <a:schemeClr val="tx1"/>
+                </a:solidFill>
+                <a:latin typeface="Courier New" charset="0"/>
+                <a:ea typeface="Arial" charset="0"/>
+                <a:cs typeface="Arial" charset="0"/>
+              </a:defRPr>
+            </a:lvl5pPr>
+            <a:lvl6pPr marL="457200" eaLnBrk="0" fontAlgn="base" hangingPunct="0">
+              <a:spcBef>
+                <a:spcPct val="0"/>
+              </a:spcBef>
+              <a:spcAft>
+                <a:spcPct val="0"/>
+              </a:spcAft>
+              <a:defRPr sz="2000" b="1">
+                <a:solidFill>
+                  <a:schemeClr val="tx1"/>
+                </a:solidFill>
+                <a:latin typeface="Courier New" charset="0"/>
+                <a:ea typeface="Arial" charset="0"/>
+                <a:cs typeface="Arial" charset="0"/>
+              </a:defRPr>
+            </a:lvl6pPr>
+            <a:lvl7pPr marL="914400" eaLnBrk="0" fontAlgn="base" hangingPunct="0">
+              <a:spcBef>
+                <a:spcPct val="0"/>
+              </a:spcBef>
+              <a:spcAft>
+                <a:spcPct val="0"/>
+              </a:spcAft>
+              <a:defRPr sz="2000" b="1">
+                <a:solidFill>
+                  <a:schemeClr val="tx1"/>
+                </a:solidFill>
+                <a:latin typeface="Courier New" charset="0"/>
+                <a:ea typeface="Arial" charset="0"/>
+                <a:cs typeface="Arial" charset="0"/>
+              </a:defRPr>
+            </a:lvl7pPr>
+            <a:lvl8pPr marL="1371600" eaLnBrk="0" fontAlgn="base" hangingPunct="0">
+              <a:spcBef>
+                <a:spcPct val="0"/>
+              </a:spcBef>
+              <a:spcAft>
+                <a:spcPct val="0"/>
+              </a:spcAft>
+              <a:defRPr sz="2000" b="1">
+                <a:solidFill>
+                  <a:schemeClr val="tx1"/>
+                </a:solidFill>
+                <a:latin typeface="Courier New" charset="0"/>
+                <a:ea typeface="Arial" charset="0"/>
+                <a:cs typeface="Arial" charset="0"/>
+              </a:defRPr>
+            </a:lvl8pPr>
+            <a:lvl9pPr marL="1828800" eaLnBrk="0" fontAlgn="base" hangingPunct="0">
+              <a:spcBef>
+                <a:spcPct val="0"/>
+              </a:spcBef>
+              <a:spcAft>
+                <a:spcPct val="0"/>
+              </a:spcAft>
+              <a:defRPr sz="2000" b="1">
+                <a:solidFill>
+                  <a:schemeClr val="tx1"/>
+                </a:solidFill>
+                <a:latin typeface="Courier New" charset="0"/>
+                <a:ea typeface="Arial" charset="0"/>
+                <a:cs typeface="Arial" charset="0"/>
+              </a:defRPr>
+            </a:lvl9pPr>
+          </a:lstStyle>
+          <a:p>
+            <a:pPr algn="l"/>
+            <a:r>
+              <a:rPr lang="en-US" sz="1800" b="0">
+                <a:latin typeface="Arial" charset="0"/>
+              </a:rPr>
+              <a:t>Request 2</a:t>
+            </a:r>
+          </a:p>
+        </p:txBody>
+      </p:sp>
+      <p:sp>
+        <p:nvSpPr>
+          <p:cNvPr id="17" name="Line 12">
+            <a:extLst>
+              <a:ext uri="{FF2B5EF4-FFF2-40B4-BE49-F238E27FC236}">
+                <a16:creationId xmlns:a16="http://schemas.microsoft.com/office/drawing/2014/main" id="{110FE7A8-7EBB-4742-B01E-C055AB5AA642}"/>
+              </a:ext>
+            </a:extLst>
+          </p:cNvPr>
+          <p:cNvSpPr>
+            <a:spLocks noChangeShapeType="1"/>
+          </p:cNvSpPr>
+          <p:nvPr/>
+        </p:nvSpPr>
+        <p:spPr bwMode="auto">
+          <a:xfrm>
+            <a:off x="5729285" y="3048000"/>
+            <a:ext cx="2286000" cy="381000"/>
+          </a:xfrm>
+          <a:prstGeom prst="line">
+            <a:avLst/>
+          </a:prstGeom>
+          <a:noFill/>
+          <a:ln w="25400">
+            <a:solidFill>
+              <a:srgbClr val="D3A600"/>
+            </a:solidFill>
+            <a:round/>
+            <a:headEnd/>
+            <a:tailEnd type="triangle" w="med" len="med"/>
+          </a:ln>
+          <a:extLst>
+            <a:ext uri="{909E8E84-426E-40dd-AFC4-6F175D3DCCD1}">
+              <a14:hiddenFill xmlns:a14="http://schemas.microsoft.com/office/drawing/2010/main" xmlns="">
+                <a:noFill/>
+              </a14:hiddenFill>
+            </a:ext>
+          </a:extLst>
+        </p:spPr>
+        <p:txBody>
+          <a:bodyPr lIns="90431" tIns="44423" rIns="90431" bIns="44423"/>
+          <a:lstStyle/>
+          <a:p>
+            <a:endParaRPr lang="en-US"/>
+          </a:p>
+        </p:txBody>
+      </p:sp>
+      <p:sp>
+        <p:nvSpPr>
+          <p:cNvPr id="18" name="Text Box 13">
+            <a:extLst>
+              <a:ext uri="{FF2B5EF4-FFF2-40B4-BE49-F238E27FC236}">
+                <a16:creationId xmlns:a16="http://schemas.microsoft.com/office/drawing/2014/main" id="{AF64B3FA-68B7-724A-8403-55577E04311F}"/>
+              </a:ext>
+            </a:extLst>
+          </p:cNvPr>
+          <p:cNvSpPr txBox="1">
+            <a:spLocks noChangeArrowheads="1"/>
+          </p:cNvSpPr>
+          <p:nvPr/>
+        </p:nvSpPr>
+        <p:spPr bwMode="auto">
+          <a:xfrm rot="523781">
+            <a:off x="6171946" y="2909284"/>
+            <a:ext cx="1251454" cy="371094"/>
+          </a:xfrm>
+          <a:prstGeom prst="rect">
+            <a:avLst/>
+          </a:prstGeom>
+          <a:noFill/>
+          <a:ln>
+            <a:noFill/>
+          </a:ln>
+          <a:extLst>
+            <a:ext uri="{909E8E84-426E-40dd-AFC4-6F175D3DCCD1}">
+              <a14:hiddenFill xmlns:a14="http://schemas.microsoft.com/office/drawing/2010/main" xmlns="">
+                <a:solidFill>
+                  <a:srgbClr val="FFFFFF"/>
+                </a:solidFill>
+              </a14:hiddenFill>
+            </a:ext>
+            <a:ext uri="{91240B29-F687-4f45-9708-019B960494DF}">
+              <a14:hiddenLine xmlns:a14="http://schemas.microsoft.com/office/drawing/2010/main" xmlns="" w="25400">
+                <a:solidFill>
+                  <a:srgbClr val="000000"/>
+                </a:solidFill>
+                <a:miter lim="800000"/>
+                <a:headEnd/>
+                <a:tailEnd/>
+              </a14:hiddenLine>
+            </a:ext>
+          </a:extLst>
+        </p:spPr>
+        <p:txBody>
+          <a:bodyPr wrap="none" lIns="90431" tIns="44423" rIns="90431" bIns="44423">
+            <a:spAutoFit/>
+          </a:bodyPr>
+          <a:lstStyle>
+            <a:lvl1pPr eaLnBrk="0" hangingPunct="0">
+              <a:defRPr sz="2000" b="1">
+                <a:solidFill>
+                  <a:schemeClr val="tx1"/>
+                </a:solidFill>
+                <a:latin typeface="Courier New" charset="0"/>
+                <a:ea typeface="ＭＳ Ｐゴシック" charset="0"/>
+                <a:cs typeface="Arial" charset="0"/>
+              </a:defRPr>
+            </a:lvl1pPr>
+            <a:lvl2pPr marL="37931725" indent="-37474525" eaLnBrk="0" hangingPunct="0">
+              <a:defRPr sz="2000" b="1">
+                <a:solidFill>
+                  <a:schemeClr val="tx1"/>
+                </a:solidFill>
+                <a:latin typeface="Courier New" charset="0"/>
+                <a:ea typeface="Arial" charset="0"/>
+                <a:cs typeface="Arial" charset="0"/>
+              </a:defRPr>
+            </a:lvl2pPr>
+            <a:lvl3pPr eaLnBrk="0" hangingPunct="0">
+              <a:defRPr sz="2000" b="1">
+                <a:solidFill>
+                  <a:schemeClr val="tx1"/>
+                </a:solidFill>
+                <a:latin typeface="Courier New" charset="0"/>
+                <a:ea typeface="Arial" charset="0"/>
+                <a:cs typeface="Arial" charset="0"/>
+              </a:defRPr>
+            </a:lvl3pPr>
+            <a:lvl4pPr eaLnBrk="0" hangingPunct="0">
+              <a:defRPr sz="2000" b="1">
+                <a:solidFill>
+                  <a:schemeClr val="tx1"/>
+                </a:solidFill>
+                <a:latin typeface="Courier New" charset="0"/>
+                <a:ea typeface="Arial" charset="0"/>
+                <a:cs typeface="Arial" charset="0"/>
+              </a:defRPr>
+            </a:lvl4pPr>
+            <a:lvl5pPr eaLnBrk="0" hangingPunct="0">
+              <a:defRPr sz="2000" b="1">
+                <a:solidFill>
+                  <a:schemeClr val="tx1"/>
+                </a:solidFill>
+                <a:latin typeface="Courier New" charset="0"/>
+                <a:ea typeface="Arial" charset="0"/>
+                <a:cs typeface="Arial" charset="0"/>
+              </a:defRPr>
+            </a:lvl5pPr>
+            <a:lvl6pPr marL="457200" eaLnBrk="0" fontAlgn="base" hangingPunct="0">
+              <a:spcBef>
+                <a:spcPct val="0"/>
+              </a:spcBef>
+              <a:spcAft>
+                <a:spcPct val="0"/>
+              </a:spcAft>
+              <a:defRPr sz="2000" b="1">
+                <a:solidFill>
+                  <a:schemeClr val="tx1"/>
+                </a:solidFill>
+                <a:latin typeface="Courier New" charset="0"/>
+                <a:ea typeface="Arial" charset="0"/>
+                <a:cs typeface="Arial" charset="0"/>
+              </a:defRPr>
+            </a:lvl6pPr>
+            <a:lvl7pPr marL="914400" eaLnBrk="0" fontAlgn="base" hangingPunct="0">
+              <a:spcBef>
+                <a:spcPct val="0"/>
+              </a:spcBef>
+              <a:spcAft>
+                <a:spcPct val="0"/>
+              </a:spcAft>
+              <a:defRPr sz="2000" b="1">
+                <a:solidFill>
+                  <a:schemeClr val="tx1"/>
+                </a:solidFill>
+                <a:latin typeface="Courier New" charset="0"/>
+                <a:ea typeface="Arial" charset="0"/>
+                <a:cs typeface="Arial" charset="0"/>
+              </a:defRPr>
+            </a:lvl7pPr>
+            <a:lvl8pPr marL="1371600" eaLnBrk="0" fontAlgn="base" hangingPunct="0">
+              <a:spcBef>
+                <a:spcPct val="0"/>
+              </a:spcBef>
+              <a:spcAft>
+                <a:spcPct val="0"/>
+              </a:spcAft>
+              <a:defRPr sz="2000" b="1">
+                <a:solidFill>
+                  <a:schemeClr val="tx1"/>
+                </a:solidFill>
+                <a:latin typeface="Courier New" charset="0"/>
+                <a:ea typeface="Arial" charset="0"/>
+                <a:cs typeface="Arial" charset="0"/>
+              </a:defRPr>
+            </a:lvl8pPr>
+            <a:lvl9pPr marL="1828800" eaLnBrk="0" fontAlgn="base" hangingPunct="0">
+              <a:spcBef>
+                <a:spcPct val="0"/>
+              </a:spcBef>
+              <a:spcAft>
+                <a:spcPct val="0"/>
+              </a:spcAft>
+              <a:defRPr sz="2000" b="1">
+                <a:solidFill>
+                  <a:schemeClr val="tx1"/>
+                </a:solidFill>
+                <a:latin typeface="Courier New" charset="0"/>
+                <a:ea typeface="Arial" charset="0"/>
+                <a:cs typeface="Arial" charset="0"/>
+              </a:defRPr>
+            </a:lvl9pPr>
+          </a:lstStyle>
+          <a:p>
+            <a:pPr algn="l"/>
+            <a:r>
+              <a:rPr lang="en-US" sz="1800" b="0">
+                <a:latin typeface="Arial" charset="0"/>
+              </a:rPr>
+              <a:t>Request 3</a:t>
+            </a:r>
+          </a:p>
+        </p:txBody>
+      </p:sp>
+      <p:sp>
+        <p:nvSpPr>
+          <p:cNvPr id="19" name="Line 14">
+            <a:extLst>
+              <a:ext uri="{FF2B5EF4-FFF2-40B4-BE49-F238E27FC236}">
+                <a16:creationId xmlns:a16="http://schemas.microsoft.com/office/drawing/2014/main" id="{86B57ACD-CB7F-9E46-B6A2-7CF444EFE2B9}"/>
+              </a:ext>
+            </a:extLst>
+          </p:cNvPr>
+          <p:cNvSpPr>
+            <a:spLocks noChangeShapeType="1"/>
+          </p:cNvSpPr>
+          <p:nvPr/>
+        </p:nvSpPr>
+        <p:spPr bwMode="auto">
+          <a:xfrm flipH="1">
+            <a:off x="5729285" y="3962400"/>
+            <a:ext cx="2286000" cy="381000"/>
+          </a:xfrm>
+          <a:prstGeom prst="line">
+            <a:avLst/>
+          </a:prstGeom>
+          <a:noFill/>
+          <a:ln w="25400">
+            <a:solidFill>
+              <a:srgbClr val="D3A600"/>
+            </a:solidFill>
+            <a:round/>
+            <a:headEnd/>
+            <a:tailEnd type="triangle" w="med" len="med"/>
+          </a:ln>
+          <a:extLst>
+            <a:ext uri="{909E8E84-426E-40dd-AFC4-6F175D3DCCD1}">
+              <a14:hiddenFill xmlns:a14="http://schemas.microsoft.com/office/drawing/2010/main" xmlns="">
+                <a:noFill/>
+              </a14:hiddenFill>
+            </a:ext>
+          </a:extLst>
+        </p:spPr>
+        <p:txBody>
+          <a:bodyPr lIns="90431" tIns="44423" rIns="90431" bIns="44423"/>
+          <a:lstStyle/>
+          <a:p>
+            <a:endParaRPr lang="en-US"/>
+          </a:p>
+        </p:txBody>
+      </p:sp>
+      <p:sp>
+        <p:nvSpPr>
+          <p:cNvPr id="20" name="Text Box 15">
+            <a:extLst>
+              <a:ext uri="{FF2B5EF4-FFF2-40B4-BE49-F238E27FC236}">
+                <a16:creationId xmlns:a16="http://schemas.microsoft.com/office/drawing/2014/main" id="{61454326-38FA-DD4D-9026-83C3033D640E}"/>
+              </a:ext>
+            </a:extLst>
+          </p:cNvPr>
+          <p:cNvSpPr txBox="1">
+            <a:spLocks noChangeArrowheads="1"/>
+          </p:cNvSpPr>
+          <p:nvPr/>
+        </p:nvSpPr>
+        <p:spPr bwMode="auto">
+          <a:xfrm rot="-543031">
+            <a:off x="6085981" y="3844322"/>
+            <a:ext cx="1242410" cy="371094"/>
+          </a:xfrm>
+          <a:prstGeom prst="rect">
+            <a:avLst/>
+          </a:prstGeom>
+          <a:noFill/>
+          <a:ln>
+            <a:noFill/>
+          </a:ln>
+          <a:extLst>
+            <a:ext uri="{909E8E84-426E-40dd-AFC4-6F175D3DCCD1}">
+              <a14:hiddenFill xmlns:a14="http://schemas.microsoft.com/office/drawing/2010/main" xmlns="">
+                <a:solidFill>
+                  <a:srgbClr val="FFFFFF"/>
+                </a:solidFill>
+              </a14:hiddenFill>
+            </a:ext>
+            <a:ext uri="{91240B29-F687-4f45-9708-019B960494DF}">
+              <a14:hiddenLine xmlns:a14="http://schemas.microsoft.com/office/drawing/2010/main" xmlns="" w="25400">
+                <a:solidFill>
+                  <a:srgbClr val="000000"/>
+                </a:solidFill>
+                <a:miter lim="800000"/>
+                <a:headEnd/>
+                <a:tailEnd/>
+              </a14:hiddenLine>
+            </a:ext>
+          </a:extLst>
+        </p:spPr>
+        <p:txBody>
+          <a:bodyPr wrap="none" lIns="90431" tIns="44423" rIns="90431" bIns="44423">
+            <a:spAutoFit/>
+          </a:bodyPr>
+          <a:lstStyle>
+            <a:lvl1pPr eaLnBrk="0" hangingPunct="0">
+              <a:defRPr sz="2000" b="1">
+                <a:solidFill>
+                  <a:schemeClr val="tx1"/>
+                </a:solidFill>
+                <a:latin typeface="Courier New" charset="0"/>
+                <a:ea typeface="ＭＳ Ｐゴシック" charset="0"/>
+                <a:cs typeface="Arial" charset="0"/>
+              </a:defRPr>
+            </a:lvl1pPr>
+            <a:lvl2pPr marL="37931725" indent="-37474525" eaLnBrk="0" hangingPunct="0">
+              <a:defRPr sz="2000" b="1">
+                <a:solidFill>
+                  <a:schemeClr val="tx1"/>
+                </a:solidFill>
+                <a:latin typeface="Courier New" charset="0"/>
+                <a:ea typeface="Arial" charset="0"/>
+                <a:cs typeface="Arial" charset="0"/>
+              </a:defRPr>
+            </a:lvl2pPr>
+            <a:lvl3pPr eaLnBrk="0" hangingPunct="0">
+              <a:defRPr sz="2000" b="1">
+                <a:solidFill>
+                  <a:schemeClr val="tx1"/>
+                </a:solidFill>
+                <a:latin typeface="Courier New" charset="0"/>
+                <a:ea typeface="Arial" charset="0"/>
+                <a:cs typeface="Arial" charset="0"/>
+              </a:defRPr>
+            </a:lvl3pPr>
+            <a:lvl4pPr eaLnBrk="0" hangingPunct="0">
+              <a:defRPr sz="2000" b="1">
+                <a:solidFill>
+                  <a:schemeClr val="tx1"/>
+                </a:solidFill>
+                <a:latin typeface="Courier New" charset="0"/>
+                <a:ea typeface="Arial" charset="0"/>
+                <a:cs typeface="Arial" charset="0"/>
+              </a:defRPr>
+            </a:lvl4pPr>
+            <a:lvl5pPr eaLnBrk="0" hangingPunct="0">
+              <a:defRPr sz="2000" b="1">
+                <a:solidFill>
+                  <a:schemeClr val="tx1"/>
+                </a:solidFill>
+                <a:latin typeface="Courier New" charset="0"/>
+                <a:ea typeface="Arial" charset="0"/>
+                <a:cs typeface="Arial" charset="0"/>
+              </a:defRPr>
+            </a:lvl5pPr>
+            <a:lvl6pPr marL="457200" eaLnBrk="0" fontAlgn="base" hangingPunct="0">
+              <a:spcBef>
+                <a:spcPct val="0"/>
+              </a:spcBef>
+              <a:spcAft>
+                <a:spcPct val="0"/>
+              </a:spcAft>
+              <a:defRPr sz="2000" b="1">
+                <a:solidFill>
+                  <a:schemeClr val="tx1"/>
+                </a:solidFill>
+                <a:latin typeface="Courier New" charset="0"/>
+                <a:ea typeface="Arial" charset="0"/>
+                <a:cs typeface="Arial" charset="0"/>
+              </a:defRPr>
+            </a:lvl6pPr>
+            <a:lvl7pPr marL="914400" eaLnBrk="0" fontAlgn="base" hangingPunct="0">
+              <a:spcBef>
+                <a:spcPct val="0"/>
+              </a:spcBef>
+              <a:spcAft>
+                <a:spcPct val="0"/>
+              </a:spcAft>
+              <a:defRPr sz="2000" b="1">
+                <a:solidFill>
+                  <a:schemeClr val="tx1"/>
+                </a:solidFill>
+                <a:latin typeface="Courier New" charset="0"/>
+                <a:ea typeface="Arial" charset="0"/>
+                <a:cs typeface="Arial" charset="0"/>
+              </a:defRPr>
+            </a:lvl7pPr>
+            <a:lvl8pPr marL="1371600" eaLnBrk="0" fontAlgn="base" hangingPunct="0">
+              <a:spcBef>
+                <a:spcPct val="0"/>
+              </a:spcBef>
+              <a:spcAft>
+                <a:spcPct val="0"/>
+              </a:spcAft>
+              <a:defRPr sz="2000" b="1">
+                <a:solidFill>
+                  <a:schemeClr val="tx1"/>
+                </a:solidFill>
+                <a:latin typeface="Courier New" charset="0"/>
+                <a:ea typeface="Arial" charset="0"/>
+                <a:cs typeface="Arial" charset="0"/>
+              </a:defRPr>
+            </a:lvl8pPr>
+            <a:lvl9pPr marL="1828800" eaLnBrk="0" fontAlgn="base" hangingPunct="0">
+              <a:spcBef>
+                <a:spcPct val="0"/>
+              </a:spcBef>
+              <a:spcAft>
+                <a:spcPct val="0"/>
+              </a:spcAft>
+              <a:defRPr sz="2000" b="1">
+                <a:solidFill>
+                  <a:schemeClr val="tx1"/>
+                </a:solidFill>
+                <a:latin typeface="Courier New" charset="0"/>
+                <a:ea typeface="Arial" charset="0"/>
+                <a:cs typeface="Arial" charset="0"/>
+              </a:defRPr>
+            </a:lvl9pPr>
+          </a:lstStyle>
+          <a:p>
+            <a:pPr algn="l"/>
+            <a:r>
+              <a:rPr lang="en-US" sz="1800" b="0">
+                <a:latin typeface="Arial" charset="0"/>
+              </a:rPr>
+              <a:t>Transfer 1</a:t>
+            </a:r>
+          </a:p>
+        </p:txBody>
+      </p:sp>
+      <p:sp>
+        <p:nvSpPr>
+          <p:cNvPr id="21" name="Line 16">
+            <a:extLst>
+              <a:ext uri="{FF2B5EF4-FFF2-40B4-BE49-F238E27FC236}">
+                <a16:creationId xmlns:a16="http://schemas.microsoft.com/office/drawing/2014/main" id="{990E8F2A-0D9B-0248-AF38-DE856136F6A6}"/>
+              </a:ext>
+            </a:extLst>
+          </p:cNvPr>
+          <p:cNvSpPr>
+            <a:spLocks noChangeShapeType="1"/>
+          </p:cNvSpPr>
+          <p:nvPr/>
+        </p:nvSpPr>
+        <p:spPr bwMode="auto">
+          <a:xfrm flipH="1">
+            <a:off x="5729285" y="4267200"/>
+            <a:ext cx="2286000" cy="381000"/>
+          </a:xfrm>
+          <a:prstGeom prst="line">
+            <a:avLst/>
+          </a:prstGeom>
+          <a:noFill/>
+          <a:ln w="25400">
+            <a:solidFill>
+              <a:srgbClr val="D3A600"/>
+            </a:solidFill>
+            <a:round/>
+            <a:headEnd/>
+            <a:tailEnd type="triangle" w="med" len="med"/>
+          </a:ln>
+          <a:extLst>
+            <a:ext uri="{909E8E84-426E-40dd-AFC4-6F175D3DCCD1}">
+              <a14:hiddenFill xmlns:a14="http://schemas.microsoft.com/office/drawing/2010/main" xmlns="">
+                <a:noFill/>
+              </a14:hiddenFill>
+            </a:ext>
+          </a:extLst>
+        </p:spPr>
+        <p:txBody>
+          <a:bodyPr lIns="90431" tIns="44423" rIns="90431" bIns="44423"/>
+          <a:lstStyle/>
+          <a:p>
+            <a:endParaRPr lang="en-US"/>
+          </a:p>
+        </p:txBody>
+      </p:sp>
+      <p:sp>
+        <p:nvSpPr>
+          <p:cNvPr id="22" name="Text Box 17">
+            <a:extLst>
+              <a:ext uri="{FF2B5EF4-FFF2-40B4-BE49-F238E27FC236}">
+                <a16:creationId xmlns:a16="http://schemas.microsoft.com/office/drawing/2014/main" id="{61E6A5AE-6B03-5249-A22A-2C10D42F85DF}"/>
+              </a:ext>
+            </a:extLst>
+          </p:cNvPr>
+          <p:cNvSpPr txBox="1">
+            <a:spLocks noChangeArrowheads="1"/>
+          </p:cNvSpPr>
+          <p:nvPr/>
+        </p:nvSpPr>
+        <p:spPr bwMode="auto">
+          <a:xfrm rot="-543031">
+            <a:off x="6085981" y="4149122"/>
+            <a:ext cx="1242410" cy="371094"/>
+          </a:xfrm>
+          <a:prstGeom prst="rect">
+            <a:avLst/>
+          </a:prstGeom>
+          <a:noFill/>
+          <a:ln>
+            <a:noFill/>
+          </a:ln>
+          <a:extLst>
+            <a:ext uri="{909E8E84-426E-40dd-AFC4-6F175D3DCCD1}">
+              <a14:hiddenFill xmlns:a14="http://schemas.microsoft.com/office/drawing/2010/main" xmlns="">
+                <a:solidFill>
+                  <a:srgbClr val="FFFFFF"/>
+                </a:solidFill>
+              </a14:hiddenFill>
+            </a:ext>
+            <a:ext uri="{91240B29-F687-4f45-9708-019B960494DF}">
+              <a14:hiddenLine xmlns:a14="http://schemas.microsoft.com/office/drawing/2010/main" xmlns="" w="25400">
+                <a:solidFill>
+                  <a:srgbClr val="000000"/>
+                </a:solidFill>
+                <a:miter lim="800000"/>
+                <a:headEnd/>
+                <a:tailEnd/>
+              </a14:hiddenLine>
+            </a:ext>
+          </a:extLst>
+        </p:spPr>
+        <p:txBody>
+          <a:bodyPr wrap="none" lIns="90431" tIns="44423" rIns="90431" bIns="44423">
+            <a:spAutoFit/>
+          </a:bodyPr>
+          <a:lstStyle>
+            <a:lvl1pPr eaLnBrk="0" hangingPunct="0">
+              <a:defRPr sz="2000" b="1">
+                <a:solidFill>
+                  <a:schemeClr val="tx1"/>
+                </a:solidFill>
+                <a:latin typeface="Courier New" charset="0"/>
+                <a:ea typeface="ＭＳ Ｐゴシック" charset="0"/>
+                <a:cs typeface="Arial" charset="0"/>
+              </a:defRPr>
+            </a:lvl1pPr>
+            <a:lvl2pPr marL="37931725" indent="-37474525" eaLnBrk="0" hangingPunct="0">
+              <a:defRPr sz="2000" b="1">
+                <a:solidFill>
+                  <a:schemeClr val="tx1"/>
+                </a:solidFill>
+                <a:latin typeface="Courier New" charset="0"/>
+                <a:ea typeface="Arial" charset="0"/>
+                <a:cs typeface="Arial" charset="0"/>
+              </a:defRPr>
+            </a:lvl2pPr>
+            <a:lvl3pPr eaLnBrk="0" hangingPunct="0">
+              <a:defRPr sz="2000" b="1">
+                <a:solidFill>
+                  <a:schemeClr val="tx1"/>
+                </a:solidFill>
+                <a:latin typeface="Courier New" charset="0"/>
+                <a:ea typeface="Arial" charset="0"/>
+                <a:cs typeface="Arial" charset="0"/>
+              </a:defRPr>
+            </a:lvl3pPr>
+            <a:lvl4pPr eaLnBrk="0" hangingPunct="0">
+              <a:defRPr sz="2000" b="1">
+                <a:solidFill>
+                  <a:schemeClr val="tx1"/>
+                </a:solidFill>
+                <a:latin typeface="Courier New" charset="0"/>
+                <a:ea typeface="Arial" charset="0"/>
+                <a:cs typeface="Arial" charset="0"/>
+              </a:defRPr>
+            </a:lvl4pPr>
+            <a:lvl5pPr eaLnBrk="0" hangingPunct="0">
+              <a:defRPr sz="2000" b="1">
+                <a:solidFill>
+                  <a:schemeClr val="tx1"/>
+                </a:solidFill>
+                <a:latin typeface="Courier New" charset="0"/>
+                <a:ea typeface="Arial" charset="0"/>
+                <a:cs typeface="Arial" charset="0"/>
+              </a:defRPr>
+            </a:lvl5pPr>
+            <a:lvl6pPr marL="457200" eaLnBrk="0" fontAlgn="base" hangingPunct="0">
+              <a:spcBef>
+                <a:spcPct val="0"/>
+              </a:spcBef>
+              <a:spcAft>
+                <a:spcPct val="0"/>
+              </a:spcAft>
+              <a:defRPr sz="2000" b="1">
+                <a:solidFill>
+                  <a:schemeClr val="tx1"/>
+                </a:solidFill>
+                <a:latin typeface="Courier New" charset="0"/>
+                <a:ea typeface="Arial" charset="0"/>
+                <a:cs typeface="Arial" charset="0"/>
+              </a:defRPr>
+            </a:lvl6pPr>
+            <a:lvl7pPr marL="914400" eaLnBrk="0" fontAlgn="base" hangingPunct="0">
+              <a:spcBef>
+                <a:spcPct val="0"/>
+              </a:spcBef>
+              <a:spcAft>
+                <a:spcPct val="0"/>
+              </a:spcAft>
+              <a:defRPr sz="2000" b="1">
+                <a:solidFill>
+                  <a:schemeClr val="tx1"/>
+                </a:solidFill>
+                <a:latin typeface="Courier New" charset="0"/>
+                <a:ea typeface="Arial" charset="0"/>
+                <a:cs typeface="Arial" charset="0"/>
+              </a:defRPr>
+            </a:lvl7pPr>
+            <a:lvl8pPr marL="1371600" eaLnBrk="0" fontAlgn="base" hangingPunct="0">
+              <a:spcBef>
+                <a:spcPct val="0"/>
+              </a:spcBef>
+              <a:spcAft>
+                <a:spcPct val="0"/>
+              </a:spcAft>
+              <a:defRPr sz="2000" b="1">
+                <a:solidFill>
+                  <a:schemeClr val="tx1"/>
+                </a:solidFill>
+                <a:latin typeface="Courier New" charset="0"/>
+                <a:ea typeface="Arial" charset="0"/>
+                <a:cs typeface="Arial" charset="0"/>
+              </a:defRPr>
+            </a:lvl8pPr>
+            <a:lvl9pPr marL="1828800" eaLnBrk="0" fontAlgn="base" hangingPunct="0">
+              <a:spcBef>
+                <a:spcPct val="0"/>
+              </a:spcBef>
+              <a:spcAft>
+                <a:spcPct val="0"/>
+              </a:spcAft>
+              <a:defRPr sz="2000" b="1">
+                <a:solidFill>
+                  <a:schemeClr val="tx1"/>
+                </a:solidFill>
+                <a:latin typeface="Courier New" charset="0"/>
+                <a:ea typeface="Arial" charset="0"/>
+                <a:cs typeface="Arial" charset="0"/>
+              </a:defRPr>
+            </a:lvl9pPr>
+          </a:lstStyle>
+          <a:p>
+            <a:pPr algn="l"/>
+            <a:r>
+              <a:rPr lang="en-US" sz="1800" b="0">
+                <a:latin typeface="Arial" charset="0"/>
+              </a:rPr>
+              <a:t>Transfer 2</a:t>
+            </a:r>
+          </a:p>
+        </p:txBody>
+      </p:sp>
+      <p:sp>
+        <p:nvSpPr>
+          <p:cNvPr id="23" name="Line 18">
+            <a:extLst>
+              <a:ext uri="{FF2B5EF4-FFF2-40B4-BE49-F238E27FC236}">
+                <a16:creationId xmlns:a16="http://schemas.microsoft.com/office/drawing/2014/main" id="{94931207-3DC6-D549-BEEB-7D6C2F711BB2}"/>
+              </a:ext>
+            </a:extLst>
+          </p:cNvPr>
+          <p:cNvSpPr>
+            <a:spLocks noChangeShapeType="1"/>
+          </p:cNvSpPr>
+          <p:nvPr/>
+        </p:nvSpPr>
+        <p:spPr bwMode="auto">
+          <a:xfrm flipH="1">
+            <a:off x="5729285" y="4610100"/>
+            <a:ext cx="2286000" cy="381000"/>
+          </a:xfrm>
+          <a:prstGeom prst="line">
+            <a:avLst/>
+          </a:prstGeom>
+          <a:noFill/>
+          <a:ln w="25400">
+            <a:solidFill>
+              <a:srgbClr val="D3A600"/>
+            </a:solidFill>
+            <a:round/>
+            <a:headEnd/>
+            <a:tailEnd type="triangle" w="med" len="med"/>
+          </a:ln>
+          <a:extLst>
+            <a:ext uri="{909E8E84-426E-40dd-AFC4-6F175D3DCCD1}">
+              <a14:hiddenFill xmlns:a14="http://schemas.microsoft.com/office/drawing/2010/main" xmlns="">
+                <a:noFill/>
+              </a14:hiddenFill>
+            </a:ext>
+          </a:extLst>
+        </p:spPr>
+        <p:txBody>
+          <a:bodyPr lIns="90431" tIns="44423" rIns="90431" bIns="44423"/>
+          <a:lstStyle/>
+          <a:p>
+            <a:endParaRPr lang="en-US"/>
+          </a:p>
+        </p:txBody>
+      </p:sp>
+      <p:sp>
+        <p:nvSpPr>
+          <p:cNvPr id="24" name="Text Box 19">
+            <a:extLst>
+              <a:ext uri="{FF2B5EF4-FFF2-40B4-BE49-F238E27FC236}">
+                <a16:creationId xmlns:a16="http://schemas.microsoft.com/office/drawing/2014/main" id="{92CA25B7-B8EC-CA49-9106-995FA53FB811}"/>
+              </a:ext>
+            </a:extLst>
+          </p:cNvPr>
+          <p:cNvSpPr txBox="1">
+            <a:spLocks noChangeArrowheads="1"/>
+          </p:cNvSpPr>
+          <p:nvPr/>
+        </p:nvSpPr>
+        <p:spPr bwMode="auto">
+          <a:xfrm rot="-543031">
+            <a:off x="6085981" y="4492022"/>
+            <a:ext cx="1242410" cy="371094"/>
+          </a:xfrm>
+          <a:prstGeom prst="rect">
+            <a:avLst/>
+          </a:prstGeom>
+          <a:noFill/>
+          <a:ln>
+            <a:noFill/>
+          </a:ln>
+          <a:extLst>
+            <a:ext uri="{909E8E84-426E-40dd-AFC4-6F175D3DCCD1}">
+              <a14:hiddenFill xmlns:a14="http://schemas.microsoft.com/office/drawing/2010/main" xmlns="">
+                <a:solidFill>
+                  <a:srgbClr val="FFFFFF"/>
+                </a:solidFill>
+              </a14:hiddenFill>
+            </a:ext>
+            <a:ext uri="{91240B29-F687-4f45-9708-019B960494DF}">
+              <a14:hiddenLine xmlns:a14="http://schemas.microsoft.com/office/drawing/2010/main" xmlns="" w="25400">
+                <a:solidFill>
+                  <a:srgbClr val="000000"/>
+                </a:solidFill>
+                <a:miter lim="800000"/>
+                <a:headEnd/>
+                <a:tailEnd/>
+              </a14:hiddenLine>
+            </a:ext>
+          </a:extLst>
+        </p:spPr>
+        <p:txBody>
+          <a:bodyPr wrap="none" lIns="90431" tIns="44423" rIns="90431" bIns="44423">
+            <a:spAutoFit/>
+          </a:bodyPr>
+          <a:lstStyle>
+            <a:lvl1pPr eaLnBrk="0" hangingPunct="0">
+              <a:defRPr sz="2000" b="1">
+                <a:solidFill>
+                  <a:schemeClr val="tx1"/>
+                </a:solidFill>
+                <a:latin typeface="Courier New" charset="0"/>
+                <a:ea typeface="ＭＳ Ｐゴシック" charset="0"/>
+                <a:cs typeface="Arial" charset="0"/>
+              </a:defRPr>
+            </a:lvl1pPr>
+            <a:lvl2pPr marL="37931725" indent="-37474525" eaLnBrk="0" hangingPunct="0">
+              <a:defRPr sz="2000" b="1">
+                <a:solidFill>
+                  <a:schemeClr val="tx1"/>
+                </a:solidFill>
+                <a:latin typeface="Courier New" charset="0"/>
+                <a:ea typeface="Arial" charset="0"/>
+                <a:cs typeface="Arial" charset="0"/>
+              </a:defRPr>
+            </a:lvl2pPr>
+            <a:lvl3pPr eaLnBrk="0" hangingPunct="0">
+              <a:defRPr sz="2000" b="1">
+                <a:solidFill>
+                  <a:schemeClr val="tx1"/>
+                </a:solidFill>
+                <a:latin typeface="Courier New" charset="0"/>
+                <a:ea typeface="Arial" charset="0"/>
+                <a:cs typeface="Arial" charset="0"/>
+              </a:defRPr>
+            </a:lvl3pPr>
+            <a:lvl4pPr eaLnBrk="0" hangingPunct="0">
+              <a:defRPr sz="2000" b="1">
+                <a:solidFill>
+                  <a:schemeClr val="tx1"/>
+                </a:solidFill>
+                <a:latin typeface="Courier New" charset="0"/>
+                <a:ea typeface="Arial" charset="0"/>
+                <a:cs typeface="Arial" charset="0"/>
+              </a:defRPr>
+            </a:lvl4pPr>
+            <a:lvl5pPr eaLnBrk="0" hangingPunct="0">
+              <a:defRPr sz="2000" b="1">
+                <a:solidFill>
+                  <a:schemeClr val="tx1"/>
+                </a:solidFill>
+                <a:latin typeface="Courier New" charset="0"/>
+                <a:ea typeface="Arial" charset="0"/>
+                <a:cs typeface="Arial" charset="0"/>
+              </a:defRPr>
+            </a:lvl5pPr>
+            <a:lvl6pPr marL="457200" eaLnBrk="0" fontAlgn="base" hangingPunct="0">
+              <a:spcBef>
+                <a:spcPct val="0"/>
+              </a:spcBef>
+              <a:spcAft>
+                <a:spcPct val="0"/>
+              </a:spcAft>
+              <a:defRPr sz="2000" b="1">
+                <a:solidFill>
+                  <a:schemeClr val="tx1"/>
+                </a:solidFill>
+                <a:latin typeface="Courier New" charset="0"/>
+                <a:ea typeface="Arial" charset="0"/>
+                <a:cs typeface="Arial" charset="0"/>
+              </a:defRPr>
+            </a:lvl6pPr>
+            <a:lvl7pPr marL="914400" eaLnBrk="0" fontAlgn="base" hangingPunct="0">
+              <a:spcBef>
+                <a:spcPct val="0"/>
+              </a:spcBef>
+              <a:spcAft>
+                <a:spcPct val="0"/>
+              </a:spcAft>
+              <a:defRPr sz="2000" b="1">
+                <a:solidFill>
+                  <a:schemeClr val="tx1"/>
+                </a:solidFill>
+                <a:latin typeface="Courier New" charset="0"/>
+                <a:ea typeface="Arial" charset="0"/>
+                <a:cs typeface="Arial" charset="0"/>
+              </a:defRPr>
+            </a:lvl7pPr>
+            <a:lvl8pPr marL="1371600" eaLnBrk="0" fontAlgn="base" hangingPunct="0">
+              <a:spcBef>
+                <a:spcPct val="0"/>
+              </a:spcBef>
+              <a:spcAft>
+                <a:spcPct val="0"/>
+              </a:spcAft>
+              <a:defRPr sz="2000" b="1">
+                <a:solidFill>
+                  <a:schemeClr val="tx1"/>
+                </a:solidFill>
+                <a:latin typeface="Courier New" charset="0"/>
+                <a:ea typeface="Arial" charset="0"/>
+                <a:cs typeface="Arial" charset="0"/>
+              </a:defRPr>
+            </a:lvl8pPr>
+            <a:lvl9pPr marL="1828800" eaLnBrk="0" fontAlgn="base" hangingPunct="0">
+              <a:spcBef>
+                <a:spcPct val="0"/>
+              </a:spcBef>
+              <a:spcAft>
+                <a:spcPct val="0"/>
+              </a:spcAft>
+              <a:defRPr sz="2000" b="1">
+                <a:solidFill>
+                  <a:schemeClr val="tx1"/>
+                </a:solidFill>
+                <a:latin typeface="Courier New" charset="0"/>
+                <a:ea typeface="Arial" charset="0"/>
+                <a:cs typeface="Arial" charset="0"/>
+              </a:defRPr>
+            </a:lvl9pPr>
+          </a:lstStyle>
+          <a:p>
+            <a:pPr algn="l"/>
+            <a:r>
+              <a:rPr lang="en-US" sz="1800" b="0">
+                <a:latin typeface="Arial" charset="0"/>
+              </a:rPr>
+              <a:t>Transfer 3</a:t>
+            </a:r>
+          </a:p>
+        </p:txBody>
+      </p:sp>
+    </p:spTree>
+    <p:extLst>
+      <p:ext uri="{BB962C8B-B14F-4D97-AF65-F5344CB8AC3E}">
+        <p14:creationId xmlns:p14="http://schemas.microsoft.com/office/powerpoint/2010/main" val="1398216597"/>
+      </p:ext>
+    </p:extLst>
+  </p:cSld>
+  <p:clrMapOvr>
+    <a:masterClrMapping/>
+  </p:clrMapOvr>
+  <p:timing>
+    <p:tnLst>
+      <p:par>
+        <p:cTn id="1" dur="indefinite" restart="never" nodeType="tmRoot">
+          <p:childTnLst>
+            <p:seq concurrent="1" nextAc="seek">
+              <p:cTn id="2" dur="indefinite" nodeType="mainSeq">
+                <p:childTnLst>
+                  <p:par>
+                    <p:cTn id="3" fill="hold">
+                      <p:stCondLst>
+                        <p:cond delay="indefinite"/>
+                      </p:stCondLst>
+                      <p:childTnLst>
+                        <p:par>
+                          <p:cTn id="4" fill="hold">
+                            <p:stCondLst>
+                              <p:cond delay="0"/>
+                            </p:stCondLst>
+                            <p:childTnLst>
+                              <p:par>
+                                <p:cTn id="5" presetID="1" presetClass="entr" presetSubtype="0" fill="hold" nodeType="clickEffect">
+                                  <p:stCondLst>
+                                    <p:cond delay="0"/>
+                                  </p:stCondLst>
+                                  <p:childTnLst>
+                                    <p:set>
+                                      <p:cBhvr>
+                                        <p:cTn id="6" dur="1" fill="hold">
+                                          <p:stCondLst>
+                                            <p:cond delay="0"/>
+                                          </p:stCondLst>
+                                        </p:cTn>
+                                        <p:tgtEl>
+                                          <p:spTgt spid="7">
+                                            <p:txEl>
+                                              <p:pRg st="1" end="1"/>
+                                            </p:txEl>
+                                          </p:spTgt>
+                                        </p:tgtEl>
+                                        <p:attrNameLst>
+                                          <p:attrName>style.visibility</p:attrName>
+                                        </p:attrNameLst>
+                                      </p:cBhvr>
+                                      <p:to>
+                                        <p:strVal val="visible"/>
+                                      </p:to>
+                                    </p:set>
+                                  </p:childTnLst>
+                                </p:cTn>
+                              </p:par>
+                              <p:par>
+                                <p:cTn id="7" presetID="1" presetClass="entr" presetSubtype="0" fill="hold" nodeType="withEffect">
+                                  <p:stCondLst>
+                                    <p:cond delay="0"/>
+                                  </p:stCondLst>
+                                  <p:childTnLst>
+                                    <p:set>
+                                      <p:cBhvr>
+                                        <p:cTn id="8" dur="1" fill="hold">
+                                          <p:stCondLst>
+                                            <p:cond delay="0"/>
+                                          </p:stCondLst>
+                                        </p:cTn>
+                                        <p:tgtEl>
+                                          <p:spTgt spid="7">
+                                            <p:txEl>
+                                              <p:pRg st="2" end="2"/>
+                                            </p:txEl>
+                                          </p:spTgt>
+                                        </p:tgtEl>
+                                        <p:attrNameLst>
+                                          <p:attrName>style.visibility</p:attrName>
+                                        </p:attrNameLst>
+                                      </p:cBhvr>
+                                      <p:to>
+                                        <p:strVal val="visible"/>
+                                      </p:to>
+                                    </p:set>
+                                  </p:childTnLst>
+                                </p:cTn>
+                              </p:par>
+                            </p:childTnLst>
+                          </p:cTn>
+                        </p:par>
+                      </p:childTnLst>
+                    </p:cTn>
+                  </p:par>
+                  <p:par>
+                    <p:cTn id="9" fill="hold">
+                      <p:stCondLst>
+                        <p:cond delay="indefinite"/>
+                      </p:stCondLst>
+                      <p:childTnLst>
+                        <p:par>
+                          <p:cTn id="10" fill="hold">
+                            <p:stCondLst>
+                              <p:cond delay="0"/>
+                            </p:stCondLst>
+                            <p:childTnLst>
+                              <p:par>
+                                <p:cTn id="11" presetID="1" presetClass="entr" presetSubtype="0" fill="hold" nodeType="clickEffect">
+                                  <p:stCondLst>
+                                    <p:cond delay="0"/>
+                                  </p:stCondLst>
+                                  <p:childTnLst>
+                                    <p:set>
+                                      <p:cBhvr>
+                                        <p:cTn id="12" dur="1" fill="hold">
+                                          <p:stCondLst>
+                                            <p:cond delay="0"/>
+                                          </p:stCondLst>
+                                        </p:cTn>
+                                        <p:tgtEl>
+                                          <p:spTgt spid="7">
+                                            <p:txEl>
+                                              <p:pRg st="4" end="4"/>
+                                            </p:txEl>
+                                          </p:spTgt>
+                                        </p:tgtEl>
+                                        <p:attrNameLst>
+                                          <p:attrName>style.visibility</p:attrName>
+                                        </p:attrNameLst>
+                                      </p:cBhvr>
+                                      <p:to>
+                                        <p:strVal val="visible"/>
+                                      </p:to>
+                                    </p:set>
+                                  </p:childTnLst>
+                                </p:cTn>
+                              </p:par>
+                              <p:par>
+                                <p:cTn id="13" presetID="1" presetClass="entr" presetSubtype="0" fill="hold" nodeType="withEffect">
+                                  <p:stCondLst>
+                                    <p:cond delay="0"/>
+                                  </p:stCondLst>
+                                  <p:childTnLst>
+                                    <p:set>
+                                      <p:cBhvr>
+                                        <p:cTn id="14" dur="1" fill="hold">
+                                          <p:stCondLst>
+                                            <p:cond delay="0"/>
+                                          </p:stCondLst>
+                                        </p:cTn>
+                                        <p:tgtEl>
+                                          <p:spTgt spid="7">
+                                            <p:txEl>
+                                              <p:pRg st="5" end="5"/>
+                                            </p:txEl>
+                                          </p:spTgt>
+                                        </p:tgtEl>
+                                        <p:attrNameLst>
+                                          <p:attrName>style.visibility</p:attrName>
+                                        </p:attrNameLst>
+                                      </p:cBhvr>
+                                      <p:to>
+                                        <p:strVal val="visible"/>
+                                      </p:to>
+                                    </p:set>
+                                  </p:childTnLst>
+                                </p:cTn>
+                              </p:par>
+                              <p:par>
+                                <p:cTn id="15" presetID="1" presetClass="entr" presetSubtype="0" fill="hold" nodeType="withEffect">
+                                  <p:stCondLst>
+                                    <p:cond delay="0"/>
+                                  </p:stCondLst>
+                                  <p:childTnLst>
+                                    <p:set>
+                                      <p:cBhvr>
+                                        <p:cTn id="16" dur="1" fill="hold">
+                                          <p:stCondLst>
+                                            <p:cond delay="0"/>
+                                          </p:stCondLst>
+                                        </p:cTn>
+                                        <p:tgtEl>
+                                          <p:spTgt spid="7">
+                                            <p:txEl>
+                                              <p:pRg st="6" end="6"/>
+                                            </p:txEl>
+                                          </p:spTgt>
+                                        </p:tgtEl>
+                                        <p:attrNameLst>
+                                          <p:attrName>style.visibility</p:attrName>
+                                        </p:attrNameLst>
+                                      </p:cBhvr>
+                                      <p:to>
+                                        <p:strVal val="visible"/>
+                                      </p:to>
+                                    </p:set>
+                                  </p:childTnLst>
+                                </p:cTn>
+                              </p:par>
+                            </p:childTnLst>
+                          </p:cTn>
+                        </p:par>
+                      </p:childTnLst>
+                    </p:cTn>
+                  </p:par>
+                </p:childTnLst>
+              </p:cTn>
+              <p:prevCondLst>
+                <p:cond evt="onPrev" delay="0">
+                  <p:tgtEl>
+                    <p:sldTgt/>
+                  </p:tgtEl>
+                </p:cond>
+              </p:prevCondLst>
+              <p:nextCondLst>
+                <p:cond evt="onNext" delay="0">
+                  <p:tgtEl>
+                    <p:sldTgt/>
+                  </p:tgtEl>
+                </p:cond>
+              </p:nextCondLst>
+            </p:seq>
+          </p:childTnLst>
+        </p:cTn>
+      </p:par>
+    </p:tnLst>
+  </p:timing>
+</p:sld>
+</file>
+
+<file path=ppt/slides/slide40.xml><?xml version="1.0" encoding="utf-8"?>
+<p:sld xmlns:a="http://schemas.openxmlformats.org/drawingml/2006/main" xmlns:r="http://schemas.openxmlformats.org/officeDocument/2006/relationships" xmlns:p="http://schemas.openxmlformats.org/presentationml/2006/main">
+  <p:cSld>
+    <p:spTree>
+      <p:nvGrpSpPr>
+        <p:cNvPr id="1" name=""/>
+        <p:cNvGrpSpPr/>
+        <p:nvPr/>
+      </p:nvGrpSpPr>
+      <p:grpSpPr>
+        <a:xfrm>
+          <a:off x="0" y="0"/>
+          <a:ext cx="0" cy="0"/>
+          <a:chOff x="0" y="0"/>
+          <a:chExt cx="0" cy="0"/>
+        </a:xfrm>
+      </p:grpSpPr>
+      <p:sp>
+        <p:nvSpPr>
           <p:cNvPr id="91139" name="Rectangle 2"/>
           <p:cNvSpPr>
             <a:spLocks noGrp="1" noChangeArrowheads="1"/>
@@ -36351,7 +35722,7 @@
             <a:fld id="{A190D881-957A-7944-A8D0-1584E528B88F}" type="slidenum">
               <a:rPr lang="en-US" smtClean="0"/>
               <a:pPr/>
-              <a:t>42</a:t>
+              <a:t>40</a:t>
             </a:fld>
             <a:endParaRPr lang="en-US"/>
           </a:p>
@@ -36767,7 +36138,7 @@
 </p:sld>
 </file>
 
-<file path=ppt/slides/slide43.xml><?xml version="1.0" encoding="utf-8"?>
+<file path=ppt/slides/slide41.xml><?xml version="1.0" encoding="utf-8"?>
 <p:sld xmlns:a="http://schemas.openxmlformats.org/drawingml/2006/main" xmlns:r="http://schemas.openxmlformats.org/officeDocument/2006/relationships" xmlns:p="http://schemas.openxmlformats.org/presentationml/2006/main">
   <p:cSld>
     <p:spTree>
@@ -36967,7 +36338,7 @@
             <a:fld id="{A190D881-957A-7944-A8D0-1584E528B88F}" type="slidenum">
               <a:rPr lang="en-US" smtClean="0"/>
               <a:pPr/>
-              <a:t>43</a:t>
+              <a:t>41</a:t>
             </a:fld>
             <a:endParaRPr lang="en-US"/>
           </a:p>
@@ -37096,7 +36467,7 @@
 </p:sld>
 </file>
 
-<file path=ppt/slides/slide44.xml><?xml version="1.0" encoding="utf-8"?>
+<file path=ppt/slides/slide42.xml><?xml version="1.0" encoding="utf-8"?>
 <p:sld xmlns:a="http://schemas.openxmlformats.org/drawingml/2006/main" xmlns:r="http://schemas.openxmlformats.org/officeDocument/2006/relationships" xmlns:p="http://schemas.openxmlformats.org/presentationml/2006/main">
   <p:cSld>
     <p:spTree>
@@ -37253,7 +36624,7 @@
             <a:fld id="{A190D881-957A-7944-A8D0-1584E528B88F}" type="slidenum">
               <a:rPr lang="en-US" smtClean="0"/>
               <a:pPr/>
-              <a:t>44</a:t>
+              <a:t>42</a:t>
             </a:fld>
             <a:endParaRPr lang="en-US"/>
           </a:p>
@@ -37272,7 +36643,7 @@
 </p:sld>
 </file>
 
-<file path=ppt/slides/slide45.xml><?xml version="1.0" encoding="utf-8"?>
+<file path=ppt/slides/slide43.xml><?xml version="1.0" encoding="utf-8"?>
 <p:sld xmlns:a="http://schemas.openxmlformats.org/drawingml/2006/main" xmlns:r="http://schemas.openxmlformats.org/officeDocument/2006/relationships" xmlns:p="http://schemas.openxmlformats.org/presentationml/2006/main">
   <p:cSld>
     <p:spTree>
@@ -37502,7 +36873,7 @@
             <a:fld id="{A190D881-957A-7944-A8D0-1584E528B88F}" type="slidenum">
               <a:rPr lang="en-US" smtClean="0"/>
               <a:pPr/>
-              <a:t>45</a:t>
+              <a:t>43</a:t>
             </a:fld>
             <a:endParaRPr lang="en-US"/>
           </a:p>
@@ -37905,7 +37276,7 @@
 </p:sld>
 </file>
 
-<file path=ppt/slides/slide46.xml><?xml version="1.0" encoding="utf-8"?>
+<file path=ppt/slides/slide44.xml><?xml version="1.0" encoding="utf-8"?>
 <p:sld xmlns:a="http://schemas.openxmlformats.org/drawingml/2006/main" xmlns:r="http://schemas.openxmlformats.org/officeDocument/2006/relationships" xmlns:p="http://schemas.openxmlformats.org/presentationml/2006/main">
   <p:cSld>
     <p:spTree>
@@ -38061,7 +37432,7 @@
             <a:fld id="{A190D881-957A-7944-A8D0-1584E528B88F}" type="slidenum">
               <a:rPr lang="en-US" smtClean="0"/>
               <a:pPr/>
-              <a:t>46</a:t>
+              <a:t>44</a:t>
             </a:fld>
             <a:endParaRPr lang="en-US"/>
           </a:p>
@@ -38099,9 +37470,9 @@
       </p:grpSpPr>
       <p:sp>
         <p:nvSpPr>
-          <p:cNvPr id="104451" name="Rectangle 2"/>
+          <p:cNvPr id="2" name="Title 1"/>
           <p:cNvSpPr>
-            <a:spLocks noGrp="1" noChangeArrowheads="1"/>
+            <a:spLocks noGrp="1"/>
           </p:cNvSpPr>
           <p:nvPr>
             <p:ph type="title"/>
@@ -38113,17 +37484,18 @@
           <a:lstStyle/>
           <a:p>
             <a:r>
-              <a:rPr lang="en-US" dirty="0"/>
-              <a:t>Content Distribution Networks (CDN)</a:t>
-            </a:r>
-          </a:p>
-        </p:txBody>
-      </p:sp>
-      <p:sp>
-        <p:nvSpPr>
-          <p:cNvPr id="99332" name="Rectangle 3"/>
+              <a:rPr lang="en-US"/>
+              <a:t>Replication</a:t>
+            </a:r>
+            <a:endParaRPr lang="en-US" dirty="0"/>
+          </a:p>
+        </p:txBody>
+      </p:sp>
+      <p:sp>
+        <p:nvSpPr>
+          <p:cNvPr id="3" name="Content Placeholder 2"/>
           <p:cNvSpPr>
-            <a:spLocks noGrp="1" noChangeArrowheads="1"/>
+            <a:spLocks noGrp="1"/>
           </p:cNvSpPr>
           <p:nvPr>
             <p:ph idx="1"/>
@@ -38136,70 +37508,28 @@
           <a:p>
             <a:r>
               <a:rPr lang="en-US" dirty="0"/>
-              <a:t>Caching and replication as a service</a:t>
-            </a:r>
-          </a:p>
-          <a:p>
+              <a:t>Replicate popular Websites across many machines</a:t>
+            </a:r>
+          </a:p>
+          <a:p>
+            <a:pPr lvl="1"/>
             <a:r>
               <a:rPr lang="en-US" dirty="0"/>
-              <a:t>Large-scale distributed storage infrastructure (usually) administered by one entity</a:t>
+              <a:t>Spreads load across servers</a:t>
             </a:r>
           </a:p>
           <a:p>
             <a:pPr lvl="1"/>
             <a:r>
               <a:rPr lang="en-US" dirty="0"/>
-              <a:t>e.g., Akamai has servers in 20,000+ locations</a:t>
-            </a:r>
-          </a:p>
-          <a:p>
+              <a:t>Places content closer to clients</a:t>
+            </a:r>
+          </a:p>
+          <a:p>
+            <a:pPr lvl="1"/>
             <a:r>
               <a:rPr lang="en-US" dirty="0"/>
-              <a:t>Combination of caching and replication</a:t>
-            </a:r>
-          </a:p>
-          <a:p>
-            <a:pPr lvl="1"/>
-            <a:r>
-              <a:rPr lang="en-US" dirty="0">
-                <a:solidFill>
-                  <a:srgbClr val="0000FF"/>
-                </a:solidFill>
-              </a:rPr>
-              <a:t>Pull</a:t>
-            </a:r>
-            <a:r>
-              <a:rPr lang="en-US" dirty="0"/>
-              <a:t>: Direct result of clients</a:t>
-            </a:r>
-            <a:r>
-              <a:rPr lang="ja-JP" altLang="en-US" dirty="0"/>
-              <a:t>’</a:t>
-            </a:r>
-            <a:r>
-              <a:rPr lang="en-US" dirty="0"/>
-              <a:t>requests (caching)</a:t>
-            </a:r>
-          </a:p>
-          <a:p>
-            <a:pPr lvl="1"/>
-            <a:r>
-              <a:rPr lang="en-US" dirty="0">
-                <a:solidFill>
-                  <a:srgbClr val="0000FF"/>
-                </a:solidFill>
-              </a:rPr>
-              <a:t>Push</a:t>
-            </a:r>
-            <a:r>
-              <a:rPr lang="en-US" dirty="0"/>
-              <a:t>: Expectation of high access rate (replication)</a:t>
-            </a:r>
-          </a:p>
-          <a:p>
-            <a:r>
-              <a:rPr lang="en-US" dirty="0"/>
-              <a:t>Can do some processing to handle dynamic webpage content</a:t>
+              <a:t>Helps when content isn’t cacheable</a:t>
             </a:r>
           </a:p>
         </p:txBody>
@@ -38223,9 +37553,6 @@
               <a:rPr lang="en-US"/>
               <a:t>September 19, 2018</a:t>
             </a:r>
-            <a:endParaRPr lang="en-US" sz="1050" b="0">
-              <a:latin typeface="Times New Roman" charset="0"/>
-            </a:endParaRPr>
           </a:p>
         </p:txBody>
       </p:sp>
@@ -38248,9 +37575,6 @@
               <a:rPr lang="en-US"/>
               <a:t>EECS 489 – Lecture 5</a:t>
             </a:r>
-            <a:endParaRPr lang="en-US" sz="1050" b="0">
-              <a:latin typeface="Times New Roman" charset="0"/>
-            </a:endParaRPr>
           </a:p>
         </p:txBody>
       </p:sp>
@@ -38273,6 +37597,217 @@
               <a:rPr lang="en-US" smtClean="0"/>
               <a:pPr/>
               <a:t>5</a:t>
+            </a:fld>
+            <a:endParaRPr lang="en-US"/>
+          </a:p>
+        </p:txBody>
+      </p:sp>
+    </p:spTree>
+    <p:extLst>
+      <p:ext uri="{BB962C8B-B14F-4D97-AF65-F5344CB8AC3E}">
+        <p14:creationId xmlns:p14="http://schemas.microsoft.com/office/powerpoint/2010/main" val="945769916"/>
+      </p:ext>
+    </p:extLst>
+  </p:cSld>
+  <p:clrMapOvr>
+    <a:masterClrMapping/>
+  </p:clrMapOvr>
+</p:sld>
+</file>
+
+<file path=ppt/slides/slide6.xml><?xml version="1.0" encoding="utf-8"?>
+<p:sld xmlns:a="http://schemas.openxmlformats.org/drawingml/2006/main" xmlns:r="http://schemas.openxmlformats.org/officeDocument/2006/relationships" xmlns:p="http://schemas.openxmlformats.org/presentationml/2006/main">
+  <p:cSld>
+    <p:spTree>
+      <p:nvGrpSpPr>
+        <p:cNvPr id="1" name=""/>
+        <p:cNvGrpSpPr/>
+        <p:nvPr/>
+      </p:nvGrpSpPr>
+      <p:grpSpPr>
+        <a:xfrm>
+          <a:off x="0" y="0"/>
+          <a:ext cx="0" cy="0"/>
+          <a:chOff x="0" y="0"/>
+          <a:chExt cx="0" cy="0"/>
+        </a:xfrm>
+      </p:grpSpPr>
+      <p:sp>
+        <p:nvSpPr>
+          <p:cNvPr id="104451" name="Rectangle 2"/>
+          <p:cNvSpPr>
+            <a:spLocks noGrp="1" noChangeArrowheads="1"/>
+          </p:cNvSpPr>
+          <p:nvPr>
+            <p:ph type="title"/>
+          </p:nvPr>
+        </p:nvSpPr>
+        <p:spPr/>
+        <p:txBody>
+          <a:bodyPr/>
+          <a:lstStyle/>
+          <a:p>
+            <a:r>
+              <a:rPr lang="en-US" dirty="0"/>
+              <a:t>Content Distribution Networks (CDN)</a:t>
+            </a:r>
+          </a:p>
+        </p:txBody>
+      </p:sp>
+      <p:sp>
+        <p:nvSpPr>
+          <p:cNvPr id="99332" name="Rectangle 3"/>
+          <p:cNvSpPr>
+            <a:spLocks noGrp="1" noChangeArrowheads="1"/>
+          </p:cNvSpPr>
+          <p:nvPr>
+            <p:ph idx="1"/>
+          </p:nvPr>
+        </p:nvSpPr>
+        <p:spPr/>
+        <p:txBody>
+          <a:bodyPr/>
+          <a:lstStyle/>
+          <a:p>
+            <a:r>
+              <a:rPr lang="en-US" dirty="0"/>
+              <a:t>Caching and replication as a service</a:t>
+            </a:r>
+          </a:p>
+          <a:p>
+            <a:r>
+              <a:rPr lang="en-US" dirty="0"/>
+              <a:t>Large-scale distributed storage infrastructure (usually) administered by one entity</a:t>
+            </a:r>
+          </a:p>
+          <a:p>
+            <a:pPr lvl="1"/>
+            <a:r>
+              <a:rPr lang="en-US" dirty="0"/>
+              <a:t>e.g., Akamai has servers in 20,000+ locations</a:t>
+            </a:r>
+          </a:p>
+          <a:p>
+            <a:r>
+              <a:rPr lang="en-US" dirty="0"/>
+              <a:t>Combination of caching and replication</a:t>
+            </a:r>
+          </a:p>
+          <a:p>
+            <a:pPr lvl="1"/>
+            <a:r>
+              <a:rPr lang="en-US" dirty="0">
+                <a:solidFill>
+                  <a:srgbClr val="0000FF"/>
+                </a:solidFill>
+              </a:rPr>
+              <a:t>Pull</a:t>
+            </a:r>
+            <a:r>
+              <a:rPr lang="en-US" dirty="0"/>
+              <a:t>: Direct result of clients</a:t>
+            </a:r>
+            <a:r>
+              <a:rPr lang="ja-JP" altLang="en-US" dirty="0"/>
+              <a:t>’</a:t>
+            </a:r>
+            <a:r>
+              <a:rPr lang="en-US" dirty="0"/>
+              <a:t>requests (caching)</a:t>
+            </a:r>
+          </a:p>
+          <a:p>
+            <a:pPr lvl="1"/>
+            <a:r>
+              <a:rPr lang="en-US" dirty="0">
+                <a:solidFill>
+                  <a:srgbClr val="0000FF"/>
+                </a:solidFill>
+              </a:rPr>
+              <a:t>Push</a:t>
+            </a:r>
+            <a:r>
+              <a:rPr lang="en-US" dirty="0"/>
+              <a:t>: Expectation of high access rate (replication)</a:t>
+            </a:r>
+          </a:p>
+          <a:p>
+            <a:r>
+              <a:rPr lang="en-US" dirty="0"/>
+              <a:t>Can do some processing to handle dynamic webpage content</a:t>
+            </a:r>
+          </a:p>
+        </p:txBody>
+      </p:sp>
+      <p:sp>
+        <p:nvSpPr>
+          <p:cNvPr id="4" name="Date Placeholder 3"/>
+          <p:cNvSpPr>
+            <a:spLocks noGrp="1"/>
+          </p:cNvSpPr>
+          <p:nvPr>
+            <p:ph type="dt" sz="half" idx="10"/>
+          </p:nvPr>
+        </p:nvSpPr>
+        <p:spPr/>
+        <p:txBody>
+          <a:bodyPr/>
+          <a:lstStyle/>
+          <a:p>
+            <a:r>
+              <a:rPr lang="en-US"/>
+              <a:t>September 19, 2018</a:t>
+            </a:r>
+            <a:endParaRPr lang="en-US" sz="1050" b="0">
+              <a:latin typeface="Times New Roman" charset="0"/>
+            </a:endParaRPr>
+          </a:p>
+        </p:txBody>
+      </p:sp>
+      <p:sp>
+        <p:nvSpPr>
+          <p:cNvPr id="5" name="Footer Placeholder 4"/>
+          <p:cNvSpPr>
+            <a:spLocks noGrp="1"/>
+          </p:cNvSpPr>
+          <p:nvPr>
+            <p:ph type="ftr" sz="quarter" idx="11"/>
+          </p:nvPr>
+        </p:nvSpPr>
+        <p:spPr/>
+        <p:txBody>
+          <a:bodyPr/>
+          <a:lstStyle/>
+          <a:p>
+            <a:r>
+              <a:rPr lang="en-US"/>
+              <a:t>EECS 489 – Lecture 5</a:t>
+            </a:r>
+            <a:endParaRPr lang="en-US" sz="1050" b="0">
+              <a:latin typeface="Times New Roman" charset="0"/>
+            </a:endParaRPr>
+          </a:p>
+        </p:txBody>
+      </p:sp>
+      <p:sp>
+        <p:nvSpPr>
+          <p:cNvPr id="6" name="Slide Number Placeholder 5"/>
+          <p:cNvSpPr>
+            <a:spLocks noGrp="1"/>
+          </p:cNvSpPr>
+          <p:nvPr>
+            <p:ph type="sldNum" sz="quarter" idx="12"/>
+          </p:nvPr>
+        </p:nvSpPr>
+        <p:spPr/>
+        <p:txBody>
+          <a:bodyPr/>
+          <a:lstStyle/>
+          <a:p>
+            <a:fld id="{A190D881-957A-7944-A8D0-1584E528B88F}" type="slidenum">
+              <a:rPr lang="en-US" smtClean="0"/>
+              <a:pPr/>
+              <a:t>6</a:t>
             </a:fld>
             <a:endParaRPr lang="en-US"/>
           </a:p>
@@ -38613,7 +38148,7 @@
 </p:sld>
 </file>
 
-<file path=ppt/slides/slide6.xml><?xml version="1.0" encoding="utf-8"?>
+<file path=ppt/slides/slide7.xml><?xml version="1.0" encoding="utf-8"?>
 <p:sld xmlns:a="http://schemas.openxmlformats.org/drawingml/2006/main" xmlns:r="http://schemas.openxmlformats.org/officeDocument/2006/relationships" xmlns:p="http://schemas.openxmlformats.org/presentationml/2006/main">
   <p:cSld>
     <p:spTree>
@@ -38787,7 +38322,7 @@
             <a:fld id="{A190D881-957A-7944-A8D0-1584E528B88F}" type="slidenum">
               <a:rPr lang="en-US" smtClean="0"/>
               <a:pPr/>
-              <a:t>6</a:t>
+              <a:t>7</a:t>
             </a:fld>
             <a:endParaRPr lang="en-US"/>
           </a:p>
@@ -39123,7 +38658,7 @@
 </p:sld>
 </file>
 
-<file path=ppt/slides/slide7.xml><?xml version="1.0" encoding="utf-8"?>
+<file path=ppt/slides/slide8.xml><?xml version="1.0" encoding="utf-8"?>
 <p:sld xmlns:a="http://schemas.openxmlformats.org/drawingml/2006/main" xmlns:r="http://schemas.openxmlformats.org/officeDocument/2006/relationships" xmlns:p="http://schemas.openxmlformats.org/presentationml/2006/main">
   <p:cSld>
     <p:spTree>
@@ -39368,7 +38903,7 @@
             <a:fld id="{A190D881-957A-7944-A8D0-1584E528B88F}" type="slidenum">
               <a:rPr lang="en-US" smtClean="0"/>
               <a:pPr/>
-              <a:t>7</a:t>
+              <a:t>8</a:t>
             </a:fld>
             <a:endParaRPr lang="en-US"/>
           </a:p>
@@ -39660,168 +39195,6 @@
 </p:sld>
 </file>
 
-<file path=ppt/slides/slide8.xml><?xml version="1.0" encoding="utf-8"?>
-<p:sld xmlns:a="http://schemas.openxmlformats.org/drawingml/2006/main" xmlns:r="http://schemas.openxmlformats.org/officeDocument/2006/relationships" xmlns:p="http://schemas.openxmlformats.org/presentationml/2006/main">
-  <p:cSld>
-    <p:spTree>
-      <p:nvGrpSpPr>
-        <p:cNvPr id="1" name=""/>
-        <p:cNvGrpSpPr/>
-        <p:nvPr/>
-      </p:nvGrpSpPr>
-      <p:grpSpPr>
-        <a:xfrm>
-          <a:off x="0" y="0"/>
-          <a:ext cx="0" cy="0"/>
-          <a:chOff x="0" y="0"/>
-          <a:chExt cx="0" cy="0"/>
-        </a:xfrm>
-      </p:grpSpPr>
-      <p:sp>
-        <p:nvSpPr>
-          <p:cNvPr id="2" name="Title 1"/>
-          <p:cNvSpPr>
-            <a:spLocks noGrp="1"/>
-          </p:cNvSpPr>
-          <p:nvPr>
-            <p:ph type="title"/>
-          </p:nvPr>
-        </p:nvSpPr>
-        <p:spPr/>
-        <p:txBody>
-          <a:bodyPr/>
-          <a:lstStyle/>
-          <a:p>
-            <a:r>
-              <a:rPr lang="en-US" dirty="0"/>
-              <a:t>How to direct clients to particular replicas?</a:t>
-            </a:r>
-          </a:p>
-        </p:txBody>
-      </p:sp>
-      <p:sp>
-        <p:nvSpPr>
-          <p:cNvPr id="3" name="Content Placeholder 2"/>
-          <p:cNvSpPr>
-            <a:spLocks noGrp="1"/>
-          </p:cNvSpPr>
-          <p:nvPr>
-            <p:ph idx="1"/>
-          </p:nvPr>
-        </p:nvSpPr>
-        <p:spPr/>
-        <p:txBody>
-          <a:bodyPr/>
-          <a:lstStyle/>
-          <a:p>
-            <a:r>
-              <a:rPr lang="en-US" dirty="0"/>
-              <a:t>In order to </a:t>
-            </a:r>
-          </a:p>
-          <a:p>
-            <a:pPr lvl="1"/>
-            <a:r>
-              <a:rPr lang="en-US" dirty="0"/>
-              <a:t>Balancing load across server replicas</a:t>
-            </a:r>
-          </a:p>
-          <a:p>
-            <a:pPr lvl="1"/>
-            <a:r>
-              <a:rPr lang="en-US" dirty="0"/>
-              <a:t>Pairing clients with nearby servers to decrease latency and overall bandwidth usage</a:t>
-            </a:r>
-          </a:p>
-        </p:txBody>
-      </p:sp>
-      <p:sp>
-        <p:nvSpPr>
-          <p:cNvPr id="4" name="Date Placeholder 3"/>
-          <p:cNvSpPr>
-            <a:spLocks noGrp="1"/>
-          </p:cNvSpPr>
-          <p:nvPr>
-            <p:ph type="dt" sz="half" idx="10"/>
-          </p:nvPr>
-        </p:nvSpPr>
-        <p:spPr/>
-        <p:txBody>
-          <a:bodyPr/>
-          <a:lstStyle/>
-          <a:p>
-            <a:r>
-              <a:rPr lang="en-US"/>
-              <a:t>September 19, 2018</a:t>
-            </a:r>
-            <a:endParaRPr lang="en-US" sz="1050" b="0">
-              <a:latin typeface="Times New Roman" charset="0"/>
-            </a:endParaRPr>
-          </a:p>
-        </p:txBody>
-      </p:sp>
-      <p:sp>
-        <p:nvSpPr>
-          <p:cNvPr id="5" name="Footer Placeholder 4"/>
-          <p:cNvSpPr>
-            <a:spLocks noGrp="1"/>
-          </p:cNvSpPr>
-          <p:nvPr>
-            <p:ph type="ftr" sz="quarter" idx="11"/>
-          </p:nvPr>
-        </p:nvSpPr>
-        <p:spPr/>
-        <p:txBody>
-          <a:bodyPr/>
-          <a:lstStyle/>
-          <a:p>
-            <a:r>
-              <a:rPr lang="en-US"/>
-              <a:t>EECS 489 – Lecture 5</a:t>
-            </a:r>
-            <a:endParaRPr lang="en-US" sz="1050" b="0">
-              <a:latin typeface="Times New Roman" charset="0"/>
-            </a:endParaRPr>
-          </a:p>
-        </p:txBody>
-      </p:sp>
-      <p:sp>
-        <p:nvSpPr>
-          <p:cNvPr id="6" name="Slide Number Placeholder 5"/>
-          <p:cNvSpPr>
-            <a:spLocks noGrp="1"/>
-          </p:cNvSpPr>
-          <p:nvPr>
-            <p:ph type="sldNum" sz="quarter" idx="12"/>
-          </p:nvPr>
-        </p:nvSpPr>
-        <p:spPr/>
-        <p:txBody>
-          <a:bodyPr/>
-          <a:lstStyle/>
-          <a:p>
-            <a:fld id="{A190D881-957A-7944-A8D0-1584E528B88F}" type="slidenum">
-              <a:rPr lang="en-US" smtClean="0"/>
-              <a:pPr/>
-              <a:t>8</a:t>
-            </a:fld>
-            <a:endParaRPr lang="en-US"/>
-          </a:p>
-        </p:txBody>
-      </p:sp>
-    </p:spTree>
-    <p:extLst>
-      <p:ext uri="{BB962C8B-B14F-4D97-AF65-F5344CB8AC3E}">
-        <p14:creationId xmlns:p14="http://schemas.microsoft.com/office/powerpoint/2010/main" val="9079084"/>
-      </p:ext>
-    </p:extLst>
-  </p:cSld>
-  <p:clrMapOvr>
-    <a:masterClrMapping/>
-  </p:clrMapOvr>
-</p:sld>
-</file>
-
 <file path=ppt/slides/slide9.xml><?xml version="1.0" encoding="utf-8"?>
 <p:sld xmlns:a="http://schemas.openxmlformats.org/drawingml/2006/main" xmlns:r="http://schemas.openxmlformats.org/officeDocument/2006/relationships" xmlns:p="http://schemas.openxmlformats.org/presentationml/2006/main">
   <p:cSld>
@@ -39841,7 +39214,7 @@
       </p:grpSpPr>
       <p:sp>
         <p:nvSpPr>
-          <p:cNvPr id="7" name="Title 6"/>
+          <p:cNvPr id="2" name="Title 1"/>
           <p:cNvSpPr>
             <a:spLocks noGrp="1"/>
           </p:cNvSpPr>
@@ -39856,19 +39229,19 @@
           <a:p>
             <a:r>
               <a:rPr lang="en-US" dirty="0"/>
-              <a:t>DNS: Domain name system</a:t>
-            </a:r>
-          </a:p>
-        </p:txBody>
-      </p:sp>
-      <p:sp>
-        <p:nvSpPr>
-          <p:cNvPr id="8" name="Text Placeholder 7"/>
+              <a:t>Why direct clients to particular replicas?</a:t>
+            </a:r>
+          </a:p>
+        </p:txBody>
+      </p:sp>
+      <p:sp>
+        <p:nvSpPr>
+          <p:cNvPr id="3" name="Content Placeholder 2"/>
           <p:cNvSpPr>
             <a:spLocks noGrp="1"/>
           </p:cNvSpPr>
           <p:nvPr>
-            <p:ph type="body" idx="1"/>
+            <p:ph idx="1"/>
           </p:nvPr>
         </p:nvSpPr>
         <p:spPr/>
@@ -39876,7 +39249,16 @@
           <a:bodyPr/>
           <a:lstStyle/>
           <a:p>
-            <a:endParaRPr lang="en-US"/>
+            <a:r>
+              <a:rPr lang="en-US" dirty="0"/>
+              <a:t>Balancing load across server replicas</a:t>
+            </a:r>
+          </a:p>
+          <a:p>
+            <a:r>
+              <a:rPr lang="en-US" dirty="0"/>
+              <a:t>Pairing clients with nearby servers to decrease latency and overall bandwidth usage</a:t>
+            </a:r>
           </a:p>
         </p:txBody>
       </p:sp>
@@ -39957,7 +39339,7 @@
     </p:spTree>
     <p:extLst>
       <p:ext uri="{BB962C8B-B14F-4D97-AF65-F5344CB8AC3E}">
-        <p14:creationId xmlns:p14="http://schemas.microsoft.com/office/powerpoint/2010/main" val="2027691114"/>
+        <p14:creationId xmlns:p14="http://schemas.microsoft.com/office/powerpoint/2010/main" val="9079084"/>
       </p:ext>
     </p:extLst>
   </p:cSld>
